--- a/demos/template-pptx.pptx
+++ b/demos/template-pptx.pptx
@@ -4033,7 +4033,7 @@
       </p:sp>
       <p:graphicFrame xmlns:a="http://schemas.openxmlformats.org/drawingml/2006/main" xmlns:r="http://schemas.openxmlformats.org/officeDocument/2006/relationships" xmlns:p="http://schemas.openxmlformats.org/presentationml/2006/main">
         <p:nvGraphicFramePr>
-          <p:cNvPr id="466338184" name=""/>
+          <p:cNvPr id="712949836" name=""/>
           <p:cNvGraphicFramePr>
             <a:graphicFrameLocks noGrp="true"/>
           </p:cNvGraphicFramePr>

--- a/demos/template-pptx.pptx
+++ b/demos/template-pptx.pptx
@@ -4033,7 +4033,7 @@
       </p:sp>
       <p:graphicFrame xmlns:a="http://schemas.openxmlformats.org/drawingml/2006/main" xmlns:r="http://schemas.openxmlformats.org/officeDocument/2006/relationships" xmlns:p="http://schemas.openxmlformats.org/presentationml/2006/main">
         <p:nvGraphicFramePr>
-          <p:cNvPr id="712949836" name=""/>
+          <p:cNvPr id="607304972" name=""/>
           <p:cNvGraphicFramePr>
             <a:graphicFrameLocks noGrp="true"/>
           </p:cNvGraphicFramePr>

--- a/demos/template-pptx.pptx
+++ b/demos/template-pptx.pptx
@@ -4033,7 +4033,7 @@
       </p:sp>
       <p:graphicFrame xmlns:a="http://schemas.openxmlformats.org/drawingml/2006/main" xmlns:r="http://schemas.openxmlformats.org/officeDocument/2006/relationships" xmlns:p="http://schemas.openxmlformats.org/presentationml/2006/main">
         <p:nvGraphicFramePr>
-          <p:cNvPr id="607304972" name=""/>
+          <p:cNvPr id="332726933" name=""/>
           <p:cNvGraphicFramePr>
             <a:graphicFrameLocks noGrp="true"/>
           </p:cNvGraphicFramePr>

--- a/demos/template-pptx.pptx
+++ b/demos/template-pptx.pptx
@@ -4033,7 +4033,7 @@
       </p:sp>
       <p:graphicFrame xmlns:a="http://schemas.openxmlformats.org/drawingml/2006/main" xmlns:r="http://schemas.openxmlformats.org/officeDocument/2006/relationships" xmlns:p="http://schemas.openxmlformats.org/presentationml/2006/main">
         <p:nvGraphicFramePr>
-          <p:cNvPr id="332726933" name=""/>
+          <p:cNvPr id="115094451" name=""/>
           <p:cNvGraphicFramePr>
             <a:graphicFrameLocks noGrp="true"/>
           </p:cNvGraphicFramePr>

--- a/demos/template-pptx.pptx
+++ b/demos/template-pptx.pptx
@@ -4033,7 +4033,7 @@
       </p:sp>
       <p:graphicFrame xmlns:a="http://schemas.openxmlformats.org/drawingml/2006/main" xmlns:r="http://schemas.openxmlformats.org/officeDocument/2006/relationships" xmlns:p="http://schemas.openxmlformats.org/presentationml/2006/main">
         <p:nvGraphicFramePr>
-          <p:cNvPr id="115094451" name=""/>
+          <p:cNvPr id="95645660" name=""/>
           <p:cNvGraphicFramePr>
             <a:graphicFrameLocks noGrp="true"/>
           </p:cNvGraphicFramePr>

--- a/demos/template-pptx.pptx
+++ b/demos/template-pptx.pptx
@@ -4033,7 +4033,7 @@
       </p:sp>
       <p:graphicFrame xmlns:a="http://schemas.openxmlformats.org/drawingml/2006/main" xmlns:r="http://schemas.openxmlformats.org/officeDocument/2006/relationships" xmlns:p="http://schemas.openxmlformats.org/presentationml/2006/main">
         <p:nvGraphicFramePr>
-          <p:cNvPr id="95645660" name=""/>
+          <p:cNvPr id="620039262" name=""/>
           <p:cNvGraphicFramePr>
             <a:graphicFrameLocks noGrp="true"/>
           </p:cNvGraphicFramePr>

--- a/demos/template-pptx.pptx
+++ b/demos/template-pptx.pptx
@@ -4033,7 +4033,7 @@
       </p:sp>
       <p:graphicFrame xmlns:a="http://schemas.openxmlformats.org/drawingml/2006/main" xmlns:r="http://schemas.openxmlformats.org/officeDocument/2006/relationships" xmlns:p="http://schemas.openxmlformats.org/presentationml/2006/main">
         <p:nvGraphicFramePr>
-          <p:cNvPr id="620039262" name=""/>
+          <p:cNvPr id="341387114" name=""/>
           <p:cNvGraphicFramePr>
             <a:graphicFrameLocks noGrp="true"/>
           </p:cNvGraphicFramePr>

--- a/demos/template-pptx.pptx
+++ b/demos/template-pptx.pptx
@@ -4033,7 +4033,7 @@
       </p:sp>
       <p:graphicFrame xmlns:a="http://schemas.openxmlformats.org/drawingml/2006/main" xmlns:r="http://schemas.openxmlformats.org/officeDocument/2006/relationships" xmlns:p="http://schemas.openxmlformats.org/presentationml/2006/main">
         <p:nvGraphicFramePr>
-          <p:cNvPr id="341387114" name=""/>
+          <p:cNvPr id="55436768" name=""/>
           <p:cNvGraphicFramePr>
             <a:graphicFrameLocks noGrp="true"/>
           </p:cNvGraphicFramePr>

--- a/demos/template-pptx.pptx
+++ b/demos/template-pptx.pptx
@@ -4033,7 +4033,7 @@
       </p:sp>
       <p:graphicFrame xmlns:a="http://schemas.openxmlformats.org/drawingml/2006/main" xmlns:r="http://schemas.openxmlformats.org/officeDocument/2006/relationships" xmlns:p="http://schemas.openxmlformats.org/presentationml/2006/main">
         <p:nvGraphicFramePr>
-          <p:cNvPr id="55436768" name=""/>
+          <p:cNvPr id="211223375" name=""/>
           <p:cNvGraphicFramePr>
             <a:graphicFrameLocks noGrp="true"/>
           </p:cNvGraphicFramePr>

--- a/demos/template-pptx.pptx
+++ b/demos/template-pptx.pptx
@@ -4033,7 +4033,7 @@
       </p:sp>
       <p:graphicFrame xmlns:a="http://schemas.openxmlformats.org/drawingml/2006/main" xmlns:r="http://schemas.openxmlformats.org/officeDocument/2006/relationships" xmlns:p="http://schemas.openxmlformats.org/presentationml/2006/main">
         <p:nvGraphicFramePr>
-          <p:cNvPr id="211223375" name=""/>
+          <p:cNvPr id="248473777" name=""/>
           <p:cNvGraphicFramePr>
             <a:graphicFrameLocks noGrp="true"/>
           </p:cNvGraphicFramePr>

--- a/demos/template-pptx.pptx
+++ b/demos/template-pptx.pptx
@@ -4033,7 +4033,7 @@
       </p:sp>
       <p:graphicFrame xmlns:a="http://schemas.openxmlformats.org/drawingml/2006/main" xmlns:r="http://schemas.openxmlformats.org/officeDocument/2006/relationships" xmlns:p="http://schemas.openxmlformats.org/presentationml/2006/main">
         <p:nvGraphicFramePr>
-          <p:cNvPr id="248473777" name=""/>
+          <p:cNvPr id="578455265" name=""/>
           <p:cNvGraphicFramePr>
             <a:graphicFrameLocks noGrp="true"/>
           </p:cNvGraphicFramePr>

--- a/demos/template-pptx.pptx
+++ b/demos/template-pptx.pptx
@@ -4033,7 +4033,7 @@
       </p:sp>
       <p:graphicFrame xmlns:a="http://schemas.openxmlformats.org/drawingml/2006/main" xmlns:r="http://schemas.openxmlformats.org/officeDocument/2006/relationships" xmlns:p="http://schemas.openxmlformats.org/presentationml/2006/main">
         <p:nvGraphicFramePr>
-          <p:cNvPr id="578455265" name=""/>
+          <p:cNvPr id="240306616" name=""/>
           <p:cNvGraphicFramePr>
             <a:graphicFrameLocks noGrp="true"/>
           </p:cNvGraphicFramePr>

--- a/demos/template-pptx.pptx
+++ b/demos/template-pptx.pptx
@@ -4033,7 +4033,7 @@
       </p:sp>
       <p:graphicFrame xmlns:a="http://schemas.openxmlformats.org/drawingml/2006/main" xmlns:r="http://schemas.openxmlformats.org/officeDocument/2006/relationships" xmlns:p="http://schemas.openxmlformats.org/presentationml/2006/main">
         <p:nvGraphicFramePr>
-          <p:cNvPr id="240306616" name=""/>
+          <p:cNvPr id="510779934" name=""/>
           <p:cNvGraphicFramePr>
             <a:graphicFrameLocks noGrp="true"/>
           </p:cNvGraphicFramePr>

--- a/demos/template-pptx.pptx
+++ b/demos/template-pptx.pptx
@@ -4033,7 +4033,7 @@
       </p:sp>
       <p:graphicFrame xmlns:a="http://schemas.openxmlformats.org/drawingml/2006/main" xmlns:r="http://schemas.openxmlformats.org/officeDocument/2006/relationships" xmlns:p="http://schemas.openxmlformats.org/presentationml/2006/main">
         <p:nvGraphicFramePr>
-          <p:cNvPr id="510779934" name=""/>
+          <p:cNvPr id="697465293" name=""/>
           <p:cNvGraphicFramePr>
             <a:graphicFrameLocks noGrp="true"/>
           </p:cNvGraphicFramePr>

--- a/demos/template-pptx.pptx
+++ b/demos/template-pptx.pptx
@@ -4033,7 +4033,7 @@
       </p:sp>
       <p:graphicFrame xmlns:a="http://schemas.openxmlformats.org/drawingml/2006/main" xmlns:r="http://schemas.openxmlformats.org/officeDocument/2006/relationships" xmlns:p="http://schemas.openxmlformats.org/presentationml/2006/main">
         <p:nvGraphicFramePr>
-          <p:cNvPr id="697465293" name=""/>
+          <p:cNvPr id="349572397" name=""/>
           <p:cNvGraphicFramePr>
             <a:graphicFrameLocks noGrp="true"/>
           </p:cNvGraphicFramePr>

--- a/demos/template-pptx.pptx
+++ b/demos/template-pptx.pptx
@@ -4033,7 +4033,7 @@
       </p:sp>
       <p:graphicFrame xmlns:a="http://schemas.openxmlformats.org/drawingml/2006/main" xmlns:r="http://schemas.openxmlformats.org/officeDocument/2006/relationships" xmlns:p="http://schemas.openxmlformats.org/presentationml/2006/main">
         <p:nvGraphicFramePr>
-          <p:cNvPr id="349572397" name=""/>
+          <p:cNvPr id="748081159" name=""/>
           <p:cNvGraphicFramePr>
             <a:graphicFrameLocks noGrp="true"/>
           </p:cNvGraphicFramePr>

--- a/demos/template-pptx.pptx
+++ b/demos/template-pptx.pptx
@@ -4033,7 +4033,7 @@
       </p:sp>
       <p:graphicFrame xmlns:a="http://schemas.openxmlformats.org/drawingml/2006/main" xmlns:r="http://schemas.openxmlformats.org/officeDocument/2006/relationships" xmlns:p="http://schemas.openxmlformats.org/presentationml/2006/main">
         <p:nvGraphicFramePr>
-          <p:cNvPr id="748081159" name=""/>
+          <p:cNvPr id="296309862" name=""/>
           <p:cNvGraphicFramePr>
             <a:graphicFrameLocks noGrp="true"/>
           </p:cNvGraphicFramePr>

--- a/demos/template-pptx.pptx
+++ b/demos/template-pptx.pptx
@@ -4033,7 +4033,7 @@
       </p:sp>
       <p:graphicFrame xmlns:a="http://schemas.openxmlformats.org/drawingml/2006/main" xmlns:r="http://schemas.openxmlformats.org/officeDocument/2006/relationships" xmlns:p="http://schemas.openxmlformats.org/presentationml/2006/main">
         <p:nvGraphicFramePr>
-          <p:cNvPr id="296309862" name=""/>
+          <p:cNvPr id="501758527" name=""/>
           <p:cNvGraphicFramePr>
             <a:graphicFrameLocks noGrp="true"/>
           </p:cNvGraphicFramePr>

--- a/demos/template-pptx.pptx
+++ b/demos/template-pptx.pptx
@@ -4033,7 +4033,7 @@
       </p:sp>
       <p:graphicFrame xmlns:a="http://schemas.openxmlformats.org/drawingml/2006/main" xmlns:r="http://schemas.openxmlformats.org/officeDocument/2006/relationships" xmlns:p="http://schemas.openxmlformats.org/presentationml/2006/main">
         <p:nvGraphicFramePr>
-          <p:cNvPr id="501758527" name=""/>
+          <p:cNvPr id="470660123" name=""/>
           <p:cNvGraphicFramePr>
             <a:graphicFrameLocks noGrp="true"/>
           </p:cNvGraphicFramePr>

--- a/demos/template-pptx.pptx
+++ b/demos/template-pptx.pptx
@@ -4033,7 +4033,7 @@
       </p:sp>
       <p:graphicFrame xmlns:a="http://schemas.openxmlformats.org/drawingml/2006/main" xmlns:r="http://schemas.openxmlformats.org/officeDocument/2006/relationships" xmlns:p="http://schemas.openxmlformats.org/presentationml/2006/main">
         <p:nvGraphicFramePr>
-          <p:cNvPr id="470660123" name=""/>
+          <p:cNvPr id="103365889" name=""/>
           <p:cNvGraphicFramePr>
             <a:graphicFrameLocks noGrp="true"/>
           </p:cNvGraphicFramePr>

--- a/demos/template-pptx.pptx
+++ b/demos/template-pptx.pptx
@@ -4033,7 +4033,7 @@
       </p:sp>
       <p:graphicFrame xmlns:a="http://schemas.openxmlformats.org/drawingml/2006/main" xmlns:r="http://schemas.openxmlformats.org/officeDocument/2006/relationships" xmlns:p="http://schemas.openxmlformats.org/presentationml/2006/main">
         <p:nvGraphicFramePr>
-          <p:cNvPr id="103365889" name=""/>
+          <p:cNvPr id="277199377" name=""/>
           <p:cNvGraphicFramePr>
             <a:graphicFrameLocks noGrp="true"/>
           </p:cNvGraphicFramePr>

--- a/demos/template-pptx.pptx
+++ b/demos/template-pptx.pptx
@@ -4033,7 +4033,7 @@
       </p:sp>
       <p:graphicFrame xmlns:a="http://schemas.openxmlformats.org/drawingml/2006/main" xmlns:r="http://schemas.openxmlformats.org/officeDocument/2006/relationships" xmlns:p="http://schemas.openxmlformats.org/presentationml/2006/main">
         <p:nvGraphicFramePr>
-          <p:cNvPr id="277199377" name=""/>
+          <p:cNvPr id="24771377" name=""/>
           <p:cNvGraphicFramePr>
             <a:graphicFrameLocks noGrp="true"/>
           </p:cNvGraphicFramePr>

--- a/demos/template-pptx.pptx
+++ b/demos/template-pptx.pptx
@@ -4033,7 +4033,7 @@
       </p:sp>
       <p:graphicFrame xmlns:a="http://schemas.openxmlformats.org/drawingml/2006/main" xmlns:r="http://schemas.openxmlformats.org/officeDocument/2006/relationships" xmlns:p="http://schemas.openxmlformats.org/presentationml/2006/main">
         <p:nvGraphicFramePr>
-          <p:cNvPr id="24771377" name=""/>
+          <p:cNvPr id="261406449" name=""/>
           <p:cNvGraphicFramePr>
             <a:graphicFrameLocks noGrp="true"/>
           </p:cNvGraphicFramePr>

--- a/demos/template-pptx.pptx
+++ b/demos/template-pptx.pptx
@@ -4033,7 +4033,7 @@
       </p:sp>
       <p:graphicFrame xmlns:a="http://schemas.openxmlformats.org/drawingml/2006/main" xmlns:r="http://schemas.openxmlformats.org/officeDocument/2006/relationships" xmlns:p="http://schemas.openxmlformats.org/presentationml/2006/main">
         <p:nvGraphicFramePr>
-          <p:cNvPr id="261406449" name=""/>
+          <p:cNvPr id="469507882" name=""/>
           <p:cNvGraphicFramePr>
             <a:graphicFrameLocks noGrp="true"/>
           </p:cNvGraphicFramePr>

--- a/demos/template-pptx.pptx
+++ b/demos/template-pptx.pptx
@@ -4033,7 +4033,7 @@
       </p:sp>
       <p:graphicFrame xmlns:a="http://schemas.openxmlformats.org/drawingml/2006/main" xmlns:r="http://schemas.openxmlformats.org/officeDocument/2006/relationships" xmlns:p="http://schemas.openxmlformats.org/presentationml/2006/main">
         <p:nvGraphicFramePr>
-          <p:cNvPr id="469507882" name=""/>
+          <p:cNvPr id="513682279" name=""/>
           <p:cNvGraphicFramePr>
             <a:graphicFrameLocks noGrp="true"/>
           </p:cNvGraphicFramePr>

--- a/demos/template-pptx.pptx
+++ b/demos/template-pptx.pptx
@@ -4033,7 +4033,7 @@
       </p:sp>
       <p:graphicFrame xmlns:a="http://schemas.openxmlformats.org/drawingml/2006/main" xmlns:r="http://schemas.openxmlformats.org/officeDocument/2006/relationships" xmlns:p="http://schemas.openxmlformats.org/presentationml/2006/main">
         <p:nvGraphicFramePr>
-          <p:cNvPr id="513682279" name=""/>
+          <p:cNvPr id="854691106" name=""/>
           <p:cNvGraphicFramePr>
             <a:graphicFrameLocks noGrp="true"/>
           </p:cNvGraphicFramePr>

--- a/demos/template-pptx.pptx
+++ b/demos/template-pptx.pptx
@@ -4033,7 +4033,7 @@
       </p:sp>
       <p:graphicFrame xmlns:a="http://schemas.openxmlformats.org/drawingml/2006/main" xmlns:r="http://schemas.openxmlformats.org/officeDocument/2006/relationships" xmlns:p="http://schemas.openxmlformats.org/presentationml/2006/main">
         <p:nvGraphicFramePr>
-          <p:cNvPr id="854691106" name=""/>
+          <p:cNvPr id="657272804" name=""/>
           <p:cNvGraphicFramePr>
             <a:graphicFrameLocks noGrp="true"/>
           </p:cNvGraphicFramePr>

--- a/demos/template-pptx.pptx
+++ b/demos/template-pptx.pptx
@@ -4033,7 +4033,7 @@
       </p:sp>
       <p:graphicFrame xmlns:a="http://schemas.openxmlformats.org/drawingml/2006/main" xmlns:r="http://schemas.openxmlformats.org/officeDocument/2006/relationships" xmlns:p="http://schemas.openxmlformats.org/presentationml/2006/main">
         <p:nvGraphicFramePr>
-          <p:cNvPr id="657272804" name=""/>
+          <p:cNvPr id="814080628" name=""/>
           <p:cNvGraphicFramePr>
             <a:graphicFrameLocks noGrp="true"/>
           </p:cNvGraphicFramePr>

--- a/demos/template-pptx.pptx
+++ b/demos/template-pptx.pptx
@@ -4033,7 +4033,7 @@
       </p:sp>
       <p:graphicFrame xmlns:a="http://schemas.openxmlformats.org/drawingml/2006/main" xmlns:r="http://schemas.openxmlformats.org/officeDocument/2006/relationships" xmlns:p="http://schemas.openxmlformats.org/presentationml/2006/main">
         <p:nvGraphicFramePr>
-          <p:cNvPr id="814080628" name=""/>
+          <p:cNvPr id="222053843" name=""/>
           <p:cNvGraphicFramePr>
             <a:graphicFrameLocks noGrp="true"/>
           </p:cNvGraphicFramePr>

--- a/demos/template-pptx.pptx
+++ b/demos/template-pptx.pptx
@@ -4033,7 +4033,7 @@
       </p:sp>
       <p:graphicFrame xmlns:a="http://schemas.openxmlformats.org/drawingml/2006/main" xmlns:r="http://schemas.openxmlformats.org/officeDocument/2006/relationships" xmlns:p="http://schemas.openxmlformats.org/presentationml/2006/main">
         <p:nvGraphicFramePr>
-          <p:cNvPr id="222053843" name=""/>
+          <p:cNvPr id="118626461" name=""/>
           <p:cNvGraphicFramePr>
             <a:graphicFrameLocks noGrp="true"/>
           </p:cNvGraphicFramePr>

--- a/demos/template-pptx.pptx
+++ b/demos/template-pptx.pptx
@@ -4033,7 +4033,7 @@
       </p:sp>
       <p:graphicFrame xmlns:a="http://schemas.openxmlformats.org/drawingml/2006/main" xmlns:r="http://schemas.openxmlformats.org/officeDocument/2006/relationships" xmlns:p="http://schemas.openxmlformats.org/presentationml/2006/main">
         <p:nvGraphicFramePr>
-          <p:cNvPr id="118626461" name=""/>
+          <p:cNvPr id="605953868" name=""/>
           <p:cNvGraphicFramePr>
             <a:graphicFrameLocks noGrp="true"/>
           </p:cNvGraphicFramePr>

--- a/demos/template-pptx.pptx
+++ b/demos/template-pptx.pptx
@@ -4033,7 +4033,7 @@
       </p:sp>
       <p:graphicFrame xmlns:a="http://schemas.openxmlformats.org/drawingml/2006/main" xmlns:r="http://schemas.openxmlformats.org/officeDocument/2006/relationships" xmlns:p="http://schemas.openxmlformats.org/presentationml/2006/main">
         <p:nvGraphicFramePr>
-          <p:cNvPr id="605953868" name=""/>
+          <p:cNvPr id="8131006" name=""/>
           <p:cNvGraphicFramePr>
             <a:graphicFrameLocks noGrp="true"/>
           </p:cNvGraphicFramePr>

--- a/demos/template-pptx.pptx
+++ b/demos/template-pptx.pptx
@@ -4033,7 +4033,7 @@
       </p:sp>
       <p:graphicFrame xmlns:a="http://schemas.openxmlformats.org/drawingml/2006/main" xmlns:r="http://schemas.openxmlformats.org/officeDocument/2006/relationships" xmlns:p="http://schemas.openxmlformats.org/presentationml/2006/main">
         <p:nvGraphicFramePr>
-          <p:cNvPr id="8131006" name=""/>
+          <p:cNvPr id="613245871" name=""/>
           <p:cNvGraphicFramePr>
             <a:graphicFrameLocks noGrp="true"/>
           </p:cNvGraphicFramePr>

--- a/demos/template-pptx.pptx
+++ b/demos/template-pptx.pptx
@@ -4033,7 +4033,7 @@
       </p:sp>
       <p:graphicFrame xmlns:a="http://schemas.openxmlformats.org/drawingml/2006/main" xmlns:r="http://schemas.openxmlformats.org/officeDocument/2006/relationships" xmlns:p="http://schemas.openxmlformats.org/presentationml/2006/main">
         <p:nvGraphicFramePr>
-          <p:cNvPr id="613245871" name=""/>
+          <p:cNvPr id="512678816" name=""/>
           <p:cNvGraphicFramePr>
             <a:graphicFrameLocks noGrp="true"/>
           </p:cNvGraphicFramePr>

--- a/demos/template-pptx.pptx
+++ b/demos/template-pptx.pptx
@@ -4033,7 +4033,7 @@
       </p:sp>
       <p:graphicFrame xmlns:a="http://schemas.openxmlformats.org/drawingml/2006/main" xmlns:r="http://schemas.openxmlformats.org/officeDocument/2006/relationships" xmlns:p="http://schemas.openxmlformats.org/presentationml/2006/main">
         <p:nvGraphicFramePr>
-          <p:cNvPr id="512678816" name=""/>
+          <p:cNvPr id="388711300" name=""/>
           <p:cNvGraphicFramePr>
             <a:graphicFrameLocks noGrp="true"/>
           </p:cNvGraphicFramePr>
@@ -6639,6 +6639,17 @@
                         </a:spcAft>
                         <a:buNone/>
                       </a:pPr>
+                      <a:endParaRPr cap="none" sz="1100" i="0" b="0" u="none">
+                        <a:solidFill>
+                          <a:srgbClr val="414042">
+                            <a:alpha val="100000"/>
+                          </a:srgbClr>
+                        </a:solidFill>
+                        <a:latin typeface="Arial"/>
+                        <a:cs typeface="Arial"/>
+                        <a:ea typeface="Arial"/>
+                        <a:sym typeface="Arial"/>
+                      </a:endParaRPr>
                       <a:r>
                         <a:rPr cap="none" sz="1100" i="0" b="0" u="none">
                           <a:solidFill>
@@ -6712,6 +6723,17 @@
                         </a:spcAft>
                         <a:buNone/>
                       </a:pPr>
+                      <a:endParaRPr cap="none" sz="1100" i="0" b="0" u="none">
+                        <a:solidFill>
+                          <a:srgbClr val="414042">
+                            <a:alpha val="100000"/>
+                          </a:srgbClr>
+                        </a:solidFill>
+                        <a:latin typeface="Arial"/>
+                        <a:cs typeface="Arial"/>
+                        <a:ea typeface="Arial"/>
+                        <a:sym typeface="Arial"/>
+                      </a:endParaRPr>
                       <a:r>
                         <a:rPr cap="none" sz="1100" i="0" b="0" u="none">
                           <a:solidFill>
@@ -7225,6 +7247,17 @@
                         </a:spcAft>
                         <a:buNone/>
                       </a:pPr>
+                      <a:endParaRPr cap="none" sz="1100" i="0" b="0" u="none">
+                        <a:solidFill>
+                          <a:srgbClr val="414042">
+                            <a:alpha val="100000"/>
+                          </a:srgbClr>
+                        </a:solidFill>
+                        <a:latin typeface="Arial"/>
+                        <a:cs typeface="Arial"/>
+                        <a:ea typeface="Arial"/>
+                        <a:sym typeface="Arial"/>
+                      </a:endParaRPr>
                       <a:r>
                         <a:rPr cap="none" sz="1100" i="0" b="0" u="none">
                           <a:solidFill>

--- a/demos/template-pptx.pptx
+++ b/demos/template-pptx.pptx
@@ -4033,7 +4033,7 @@
       </p:sp>
       <p:graphicFrame xmlns:a="http://schemas.openxmlformats.org/drawingml/2006/main" xmlns:r="http://schemas.openxmlformats.org/officeDocument/2006/relationships" xmlns:p="http://schemas.openxmlformats.org/presentationml/2006/main">
         <p:nvGraphicFramePr>
-          <p:cNvPr id="388711300" name=""/>
+          <p:cNvPr id="684779220" name=""/>
           <p:cNvGraphicFramePr>
             <a:graphicFrameLocks noGrp="true"/>
           </p:cNvGraphicFramePr>

--- a/demos/template-pptx.pptx
+++ b/demos/template-pptx.pptx
@@ -4033,7 +4033,7 @@
       </p:sp>
       <p:graphicFrame xmlns:a="http://schemas.openxmlformats.org/drawingml/2006/main" xmlns:r="http://schemas.openxmlformats.org/officeDocument/2006/relationships" xmlns:p="http://schemas.openxmlformats.org/presentationml/2006/main">
         <p:nvGraphicFramePr>
-          <p:cNvPr id="684779220" name=""/>
+          <p:cNvPr id="992701781" name=""/>
           <p:cNvGraphicFramePr>
             <a:graphicFrameLocks noGrp="true"/>
           </p:cNvGraphicFramePr>

--- a/demos/template-pptx.pptx
+++ b/demos/template-pptx.pptx
@@ -4033,7 +4033,7 @@
       </p:sp>
       <p:graphicFrame xmlns:a="http://schemas.openxmlformats.org/drawingml/2006/main" xmlns:r="http://schemas.openxmlformats.org/officeDocument/2006/relationships" xmlns:p="http://schemas.openxmlformats.org/presentationml/2006/main">
         <p:nvGraphicFramePr>
-          <p:cNvPr id="992701781" name=""/>
+          <p:cNvPr id="383215247" name=""/>
           <p:cNvGraphicFramePr>
             <a:graphicFrameLocks noGrp="true"/>
           </p:cNvGraphicFramePr>

--- a/demos/template-pptx.pptx
+++ b/demos/template-pptx.pptx
@@ -4033,7 +4033,7 @@
       </p:sp>
       <p:graphicFrame xmlns:a="http://schemas.openxmlformats.org/drawingml/2006/main" xmlns:r="http://schemas.openxmlformats.org/officeDocument/2006/relationships" xmlns:p="http://schemas.openxmlformats.org/presentationml/2006/main">
         <p:nvGraphicFramePr>
-          <p:cNvPr id="383215247" name=""/>
+          <p:cNvPr id="428197905" name=""/>
           <p:cNvGraphicFramePr>
             <a:graphicFrameLocks noGrp="true"/>
           </p:cNvGraphicFramePr>

--- a/demos/template-pptx.pptx
+++ b/demos/template-pptx.pptx
@@ -4033,7 +4033,7 @@
       </p:sp>
       <p:graphicFrame xmlns:a="http://schemas.openxmlformats.org/drawingml/2006/main" xmlns:r="http://schemas.openxmlformats.org/officeDocument/2006/relationships" xmlns:p="http://schemas.openxmlformats.org/presentationml/2006/main">
         <p:nvGraphicFramePr>
-          <p:cNvPr id="428197905" name=""/>
+          <p:cNvPr id="292541097" name=""/>
           <p:cNvGraphicFramePr>
             <a:graphicFrameLocks noGrp="true"/>
           </p:cNvGraphicFramePr>

--- a/demos/template-pptx.pptx
+++ b/demos/template-pptx.pptx
@@ -4033,7 +4033,7 @@
       </p:sp>
       <p:graphicFrame xmlns:a="http://schemas.openxmlformats.org/drawingml/2006/main" xmlns:r="http://schemas.openxmlformats.org/officeDocument/2006/relationships" xmlns:p="http://schemas.openxmlformats.org/presentationml/2006/main">
         <p:nvGraphicFramePr>
-          <p:cNvPr id="292541097" name=""/>
+          <p:cNvPr id="890455217" name=""/>
           <p:cNvGraphicFramePr>
             <a:graphicFrameLocks noGrp="true"/>
           </p:cNvGraphicFramePr>

--- a/demos/template-pptx.pptx
+++ b/demos/template-pptx.pptx
@@ -4033,7 +4033,7 @@
       </p:sp>
       <p:graphicFrame xmlns:a="http://schemas.openxmlformats.org/drawingml/2006/main" xmlns:r="http://schemas.openxmlformats.org/officeDocument/2006/relationships" xmlns:p="http://schemas.openxmlformats.org/presentationml/2006/main">
         <p:nvGraphicFramePr>
-          <p:cNvPr id="890455217" name=""/>
+          <p:cNvPr id="829984745" name=""/>
           <p:cNvGraphicFramePr>
             <a:graphicFrameLocks noGrp="true"/>
           </p:cNvGraphicFramePr>

--- a/demos/template-pptx.pptx
+++ b/demos/template-pptx.pptx
@@ -4033,7 +4033,7 @@
       </p:sp>
       <p:graphicFrame xmlns:a="http://schemas.openxmlformats.org/drawingml/2006/main" xmlns:r="http://schemas.openxmlformats.org/officeDocument/2006/relationships" xmlns:p="http://schemas.openxmlformats.org/presentationml/2006/main">
         <p:nvGraphicFramePr>
-          <p:cNvPr id="829984745" name=""/>
+          <p:cNvPr id="492647916" name=""/>
           <p:cNvGraphicFramePr>
             <a:graphicFrameLocks noGrp="true"/>
           </p:cNvGraphicFramePr>

--- a/demos/template-pptx.pptx
+++ b/demos/template-pptx.pptx
@@ -4033,7 +4033,7 @@
       </p:sp>
       <p:graphicFrame xmlns:a="http://schemas.openxmlformats.org/drawingml/2006/main" xmlns:r="http://schemas.openxmlformats.org/officeDocument/2006/relationships" xmlns:p="http://schemas.openxmlformats.org/presentationml/2006/main">
         <p:nvGraphicFramePr>
-          <p:cNvPr id="492647916" name=""/>
+          <p:cNvPr id="747581559" name=""/>
           <p:cNvGraphicFramePr>
             <a:graphicFrameLocks noGrp="true"/>
           </p:cNvGraphicFramePr>

--- a/demos/template-pptx.pptx
+++ b/demos/template-pptx.pptx
@@ -4033,7 +4033,7 @@
       </p:sp>
       <p:graphicFrame xmlns:a="http://schemas.openxmlformats.org/drawingml/2006/main" xmlns:r="http://schemas.openxmlformats.org/officeDocument/2006/relationships" xmlns:p="http://schemas.openxmlformats.org/presentationml/2006/main">
         <p:nvGraphicFramePr>
-          <p:cNvPr id="747581559" name=""/>
+          <p:cNvPr id="145301230" name=""/>
           <p:cNvGraphicFramePr>
             <a:graphicFrameLocks noGrp="true"/>
           </p:cNvGraphicFramePr>

--- a/demos/template-pptx.pptx
+++ b/demos/template-pptx.pptx
@@ -4033,7 +4033,7 @@
       </p:sp>
       <p:graphicFrame xmlns:a="http://schemas.openxmlformats.org/drawingml/2006/main" xmlns:r="http://schemas.openxmlformats.org/officeDocument/2006/relationships" xmlns:p="http://schemas.openxmlformats.org/presentationml/2006/main">
         <p:nvGraphicFramePr>
-          <p:cNvPr id="145301230" name=""/>
+          <p:cNvPr id="958164009" name=""/>
           <p:cNvGraphicFramePr>
             <a:graphicFrameLocks noGrp="true"/>
           </p:cNvGraphicFramePr>

--- a/demos/template-pptx.pptx
+++ b/demos/template-pptx.pptx
@@ -4033,7 +4033,7 @@
       </p:sp>
       <p:graphicFrame xmlns:a="http://schemas.openxmlformats.org/drawingml/2006/main" xmlns:r="http://schemas.openxmlformats.org/officeDocument/2006/relationships" xmlns:p="http://schemas.openxmlformats.org/presentationml/2006/main">
         <p:nvGraphicFramePr>
-          <p:cNvPr id="958164009" name=""/>
+          <p:cNvPr id="414520162" name=""/>
           <p:cNvGraphicFramePr>
             <a:graphicFrameLocks noGrp="true"/>
           </p:cNvGraphicFramePr>

--- a/demos/template-pptx.pptx
+++ b/demos/template-pptx.pptx
@@ -4033,7 +4033,7 @@
       </p:sp>
       <p:graphicFrame xmlns:a="http://schemas.openxmlformats.org/drawingml/2006/main" xmlns:r="http://schemas.openxmlformats.org/officeDocument/2006/relationships" xmlns:p="http://schemas.openxmlformats.org/presentationml/2006/main">
         <p:nvGraphicFramePr>
-          <p:cNvPr id="414520162" name=""/>
+          <p:cNvPr id="53347590" name=""/>
           <p:cNvGraphicFramePr>
             <a:graphicFrameLocks noGrp="true"/>
           </p:cNvGraphicFramePr>

--- a/demos/template-pptx.pptx
+++ b/demos/template-pptx.pptx
@@ -4033,7 +4033,7 @@
       </p:sp>
       <p:graphicFrame xmlns:a="http://schemas.openxmlformats.org/drawingml/2006/main" xmlns:r="http://schemas.openxmlformats.org/officeDocument/2006/relationships" xmlns:p="http://schemas.openxmlformats.org/presentationml/2006/main">
         <p:nvGraphicFramePr>
-          <p:cNvPr id="53347590" name=""/>
+          <p:cNvPr id="995464386" name=""/>
           <p:cNvGraphicFramePr>
             <a:graphicFrameLocks noGrp="true"/>
           </p:cNvGraphicFramePr>

--- a/demos/template-pptx.pptx
+++ b/demos/template-pptx.pptx
@@ -4033,7 +4033,7 @@
       </p:sp>
       <p:graphicFrame xmlns:a="http://schemas.openxmlformats.org/drawingml/2006/main" xmlns:r="http://schemas.openxmlformats.org/officeDocument/2006/relationships" xmlns:p="http://schemas.openxmlformats.org/presentationml/2006/main">
         <p:nvGraphicFramePr>
-          <p:cNvPr id="995464386" name=""/>
+          <p:cNvPr id="663793093" name=""/>
           <p:cNvGraphicFramePr>
             <a:graphicFrameLocks noGrp="true"/>
           </p:cNvGraphicFramePr>

--- a/demos/template-pptx.pptx
+++ b/demos/template-pptx.pptx
@@ -4033,7 +4033,7 @@
       </p:sp>
       <p:graphicFrame xmlns:a="http://schemas.openxmlformats.org/drawingml/2006/main" xmlns:r="http://schemas.openxmlformats.org/officeDocument/2006/relationships" xmlns:p="http://schemas.openxmlformats.org/presentationml/2006/main">
         <p:nvGraphicFramePr>
-          <p:cNvPr id="663793093" name=""/>
+          <p:cNvPr id="370519920" name=""/>
           <p:cNvGraphicFramePr>
             <a:graphicFrameLocks noGrp="true"/>
           </p:cNvGraphicFramePr>

--- a/demos/template-pptx.pptx
+++ b/demos/template-pptx.pptx
@@ -4033,7 +4033,7 @@
       </p:sp>
       <p:graphicFrame xmlns:a="http://schemas.openxmlformats.org/drawingml/2006/main" xmlns:r="http://schemas.openxmlformats.org/officeDocument/2006/relationships" xmlns:p="http://schemas.openxmlformats.org/presentationml/2006/main">
         <p:nvGraphicFramePr>
-          <p:cNvPr id="370519920" name=""/>
+          <p:cNvPr id="643240499" name=""/>
           <p:cNvGraphicFramePr>
             <a:graphicFrameLocks noGrp="true"/>
           </p:cNvGraphicFramePr>

--- a/demos/template-pptx.pptx
+++ b/demos/template-pptx.pptx
@@ -4033,7 +4033,7 @@
       </p:sp>
       <p:graphicFrame xmlns:a="http://schemas.openxmlformats.org/drawingml/2006/main" xmlns:r="http://schemas.openxmlformats.org/officeDocument/2006/relationships" xmlns:p="http://schemas.openxmlformats.org/presentationml/2006/main">
         <p:nvGraphicFramePr>
-          <p:cNvPr id="643240499" name=""/>
+          <p:cNvPr id="614040844" name=""/>
           <p:cNvGraphicFramePr>
             <a:graphicFrameLocks noGrp="true"/>
           </p:cNvGraphicFramePr>

--- a/demos/template-pptx.pptx
+++ b/demos/template-pptx.pptx
@@ -4033,7 +4033,7 @@
       </p:sp>
       <p:graphicFrame xmlns:a="http://schemas.openxmlformats.org/drawingml/2006/main" xmlns:r="http://schemas.openxmlformats.org/officeDocument/2006/relationships" xmlns:p="http://schemas.openxmlformats.org/presentationml/2006/main">
         <p:nvGraphicFramePr>
-          <p:cNvPr id="614040844" name=""/>
+          <p:cNvPr id="71782513" name=""/>
           <p:cNvGraphicFramePr>
             <a:graphicFrameLocks noGrp="true"/>
           </p:cNvGraphicFramePr>

--- a/demos/template-pptx.pptx
+++ b/demos/template-pptx.pptx
@@ -4033,7 +4033,7 @@
       </p:sp>
       <p:graphicFrame xmlns:a="http://schemas.openxmlformats.org/drawingml/2006/main" xmlns:r="http://schemas.openxmlformats.org/officeDocument/2006/relationships" xmlns:p="http://schemas.openxmlformats.org/presentationml/2006/main">
         <p:nvGraphicFramePr>
-          <p:cNvPr id="71782513" name=""/>
+          <p:cNvPr id="771935044" name=""/>
           <p:cNvGraphicFramePr>
             <a:graphicFrameLocks noGrp="true"/>
           </p:cNvGraphicFramePr>

--- a/demos/template-pptx.pptx
+++ b/demos/template-pptx.pptx
@@ -4033,7 +4033,7 @@
       </p:sp>
       <p:graphicFrame xmlns:a="http://schemas.openxmlformats.org/drawingml/2006/main" xmlns:r="http://schemas.openxmlformats.org/officeDocument/2006/relationships" xmlns:p="http://schemas.openxmlformats.org/presentationml/2006/main">
         <p:nvGraphicFramePr>
-          <p:cNvPr id="771935044" name=""/>
+          <p:cNvPr id="31466394" name=""/>
           <p:cNvGraphicFramePr>
             <a:graphicFrameLocks noGrp="true"/>
           </p:cNvGraphicFramePr>

--- a/demos/template-pptx.pptx
+++ b/demos/template-pptx.pptx
@@ -4033,7 +4033,7 @@
       </p:sp>
       <p:graphicFrame xmlns:a="http://schemas.openxmlformats.org/drawingml/2006/main" xmlns:r="http://schemas.openxmlformats.org/officeDocument/2006/relationships" xmlns:p="http://schemas.openxmlformats.org/presentationml/2006/main">
         <p:nvGraphicFramePr>
-          <p:cNvPr id="31466394" name=""/>
+          <p:cNvPr id="132204107" name=""/>
           <p:cNvGraphicFramePr>
             <a:graphicFrameLocks noGrp="true"/>
           </p:cNvGraphicFramePr>

--- a/demos/template-pptx.pptx
+++ b/demos/template-pptx.pptx
@@ -4033,7 +4033,7 @@
       </p:sp>
       <p:graphicFrame xmlns:a="http://schemas.openxmlformats.org/drawingml/2006/main" xmlns:r="http://schemas.openxmlformats.org/officeDocument/2006/relationships" xmlns:p="http://schemas.openxmlformats.org/presentationml/2006/main">
         <p:nvGraphicFramePr>
-          <p:cNvPr id="132204107" name=""/>
+          <p:cNvPr id="827591038" name=""/>
           <p:cNvGraphicFramePr>
             <a:graphicFrameLocks noGrp="true"/>
           </p:cNvGraphicFramePr>

--- a/demos/template-pptx.pptx
+++ b/demos/template-pptx.pptx
@@ -4033,7 +4033,7 @@
       </p:sp>
       <p:graphicFrame xmlns:a="http://schemas.openxmlformats.org/drawingml/2006/main" xmlns:r="http://schemas.openxmlformats.org/officeDocument/2006/relationships" xmlns:p="http://schemas.openxmlformats.org/presentationml/2006/main">
         <p:nvGraphicFramePr>
-          <p:cNvPr id="827591038" name=""/>
+          <p:cNvPr id="610918260" name=""/>
           <p:cNvGraphicFramePr>
             <a:graphicFrameLocks noGrp="true"/>
           </p:cNvGraphicFramePr>

--- a/demos/template-pptx.pptx
+++ b/demos/template-pptx.pptx
@@ -4033,7 +4033,7 @@
       </p:sp>
       <p:graphicFrame xmlns:a="http://schemas.openxmlformats.org/drawingml/2006/main" xmlns:r="http://schemas.openxmlformats.org/officeDocument/2006/relationships" xmlns:p="http://schemas.openxmlformats.org/presentationml/2006/main">
         <p:nvGraphicFramePr>
-          <p:cNvPr id="610918260" name=""/>
+          <p:cNvPr id="698477060" name=""/>
           <p:cNvGraphicFramePr>
             <a:graphicFrameLocks noGrp="true"/>
           </p:cNvGraphicFramePr>

--- a/demos/template-pptx.pptx
+++ b/demos/template-pptx.pptx
@@ -4033,7 +4033,7 @@
       </p:sp>
       <p:graphicFrame xmlns:a="http://schemas.openxmlformats.org/drawingml/2006/main" xmlns:r="http://schemas.openxmlformats.org/officeDocument/2006/relationships" xmlns:p="http://schemas.openxmlformats.org/presentationml/2006/main">
         <p:nvGraphicFramePr>
-          <p:cNvPr id="698477060" name=""/>
+          <p:cNvPr id="723936156" name=""/>
           <p:cNvGraphicFramePr>
             <a:graphicFrameLocks noGrp="true"/>
           </p:cNvGraphicFramePr>

--- a/demos/template-pptx.pptx
+++ b/demos/template-pptx.pptx
@@ -4033,7 +4033,7 @@
       </p:sp>
       <p:graphicFrame xmlns:a="http://schemas.openxmlformats.org/drawingml/2006/main" xmlns:r="http://schemas.openxmlformats.org/officeDocument/2006/relationships" xmlns:p="http://schemas.openxmlformats.org/presentationml/2006/main">
         <p:nvGraphicFramePr>
-          <p:cNvPr id="723936156" name=""/>
+          <p:cNvPr id="617293142" name=""/>
           <p:cNvGraphicFramePr>
             <a:graphicFrameLocks noGrp="true"/>
           </p:cNvGraphicFramePr>

--- a/demos/template-pptx.pptx
+++ b/demos/template-pptx.pptx
@@ -4033,7 +4033,7 @@
       </p:sp>
       <p:graphicFrame xmlns:a="http://schemas.openxmlformats.org/drawingml/2006/main" xmlns:r="http://schemas.openxmlformats.org/officeDocument/2006/relationships" xmlns:p="http://schemas.openxmlformats.org/presentationml/2006/main">
         <p:nvGraphicFramePr>
-          <p:cNvPr id="617293142" name=""/>
+          <p:cNvPr id="79019385" name=""/>
           <p:cNvGraphicFramePr>
             <a:graphicFrameLocks noGrp="true"/>
           </p:cNvGraphicFramePr>

--- a/demos/template-pptx.pptx
+++ b/demos/template-pptx.pptx
@@ -4033,7 +4033,7 @@
       </p:sp>
       <p:graphicFrame xmlns:a="http://schemas.openxmlformats.org/drawingml/2006/main" xmlns:r="http://schemas.openxmlformats.org/officeDocument/2006/relationships" xmlns:p="http://schemas.openxmlformats.org/presentationml/2006/main">
         <p:nvGraphicFramePr>
-          <p:cNvPr id="79019385" name=""/>
+          <p:cNvPr id="236933776" name=""/>
           <p:cNvGraphicFramePr>
             <a:graphicFrameLocks noGrp="true"/>
           </p:cNvGraphicFramePr>

--- a/demos/template-pptx.pptx
+++ b/demos/template-pptx.pptx
@@ -4033,7 +4033,7 @@
       </p:sp>
       <p:graphicFrame xmlns:a="http://schemas.openxmlformats.org/drawingml/2006/main" xmlns:r="http://schemas.openxmlformats.org/officeDocument/2006/relationships" xmlns:p="http://schemas.openxmlformats.org/presentationml/2006/main">
         <p:nvGraphicFramePr>
-          <p:cNvPr id="236933776" name=""/>
+          <p:cNvPr id="985683486" name=""/>
           <p:cNvGraphicFramePr>
             <a:graphicFrameLocks noGrp="true"/>
           </p:cNvGraphicFramePr>

--- a/demos/template-pptx.pptx
+++ b/demos/template-pptx.pptx
@@ -4033,7 +4033,7 @@
       </p:sp>
       <p:graphicFrame xmlns:a="http://schemas.openxmlformats.org/drawingml/2006/main" xmlns:r="http://schemas.openxmlformats.org/officeDocument/2006/relationships" xmlns:p="http://schemas.openxmlformats.org/presentationml/2006/main">
         <p:nvGraphicFramePr>
-          <p:cNvPr id="985683486" name=""/>
+          <p:cNvPr id="312085609" name=""/>
           <p:cNvGraphicFramePr>
             <a:graphicFrameLocks noGrp="true"/>
           </p:cNvGraphicFramePr>

--- a/demos/template-pptx.pptx
+++ b/demos/template-pptx.pptx
@@ -4033,7 +4033,7 @@
       </p:sp>
       <p:graphicFrame xmlns:a="http://schemas.openxmlformats.org/drawingml/2006/main" xmlns:r="http://schemas.openxmlformats.org/officeDocument/2006/relationships" xmlns:p="http://schemas.openxmlformats.org/presentationml/2006/main">
         <p:nvGraphicFramePr>
-          <p:cNvPr id="312085609" name=""/>
+          <p:cNvPr id="335935584" name=""/>
           <p:cNvGraphicFramePr>
             <a:graphicFrameLocks noGrp="true"/>
           </p:cNvGraphicFramePr>

--- a/demos/template-pptx.pptx
+++ b/demos/template-pptx.pptx
@@ -4033,7 +4033,7 @@
       </p:sp>
       <p:graphicFrame xmlns:a="http://schemas.openxmlformats.org/drawingml/2006/main" xmlns:r="http://schemas.openxmlformats.org/officeDocument/2006/relationships" xmlns:p="http://schemas.openxmlformats.org/presentationml/2006/main">
         <p:nvGraphicFramePr>
-          <p:cNvPr id="335935584" name=""/>
+          <p:cNvPr id="455614448" name=""/>
           <p:cNvGraphicFramePr>
             <a:graphicFrameLocks noGrp="true"/>
           </p:cNvGraphicFramePr>
@@ -4048,15 +4048,15 @@
             <a:tbl>
               <a:tblPr/>
               <a:tblGrid>
-                <a:gridCol w="687650"/>
-                <a:gridCol w="749860"/>
-                <a:gridCol w="602111"/>
-                <a:gridCol w="633352"/>
-                <a:gridCol w="679669"/>
-                <a:gridCol w="517049"/>
-                <a:gridCol w="1098973"/>
+                <a:gridCol w="751019"/>
+                <a:gridCol w="829055"/>
+                <a:gridCol w="662206"/>
+                <a:gridCol w="696381"/>
+                <a:gridCol w="761456"/>
+                <a:gridCol w="562070"/>
+                <a:gridCol w="1261593"/>
               </a:tblGrid>
-              <a:tr h="390173">
+              <a:tr h="392765">
                 <a:tc>
                   <a:txBody>
                     <a:bodyPr/>
@@ -4081,10 +4081,10 @@
                               <a:alpha val="100000"/>
                             </a:srgbClr>
                           </a:solidFill>
-                          <a:latin typeface="Arial"/>
-                          <a:cs typeface="Arial"/>
-                          <a:ea typeface="Arial"/>
-                          <a:sym typeface="Arial"/>
+                          <a:latin typeface="DejaVu Sans"/>
+                          <a:cs typeface="DejaVu Sans"/>
+                          <a:ea typeface="DejaVu Sans"/>
+                          <a:sym typeface="DejaVu Sans"/>
                         </a:rPr>
                         <a:t>Ozone</a:t>
                       </a:r>
@@ -4154,10 +4154,10 @@
                               <a:alpha val="100000"/>
                             </a:srgbClr>
                           </a:solidFill>
-                          <a:latin typeface="Arial"/>
-                          <a:cs typeface="Arial"/>
-                          <a:ea typeface="Arial"/>
-                          <a:sym typeface="Arial"/>
+                          <a:latin typeface="DejaVu Sans"/>
+                          <a:cs typeface="DejaVu Sans"/>
+                          <a:ea typeface="DejaVu Sans"/>
+                          <a:sym typeface="DejaVu Sans"/>
                         </a:rPr>
                         <a:t>Solar.R</a:t>
                       </a:r>
@@ -4227,10 +4227,10 @@
                               <a:alpha val="100000"/>
                             </a:srgbClr>
                           </a:solidFill>
-                          <a:latin typeface="Arial"/>
-                          <a:cs typeface="Arial"/>
-                          <a:ea typeface="Arial"/>
-                          <a:sym typeface="Arial"/>
+                          <a:latin typeface="DejaVu Sans"/>
+                          <a:cs typeface="DejaVu Sans"/>
+                          <a:ea typeface="DejaVu Sans"/>
+                          <a:sym typeface="DejaVu Sans"/>
                         </a:rPr>
                         <a:t>Wind</a:t>
                       </a:r>
@@ -4300,10 +4300,10 @@
                               <a:alpha val="100000"/>
                             </a:srgbClr>
                           </a:solidFill>
-                          <a:latin typeface="Arial"/>
-                          <a:cs typeface="Arial"/>
-                          <a:ea typeface="Arial"/>
-                          <a:sym typeface="Arial"/>
+                          <a:latin typeface="DejaVu Sans"/>
+                          <a:cs typeface="DejaVu Sans"/>
+                          <a:ea typeface="DejaVu Sans"/>
+                          <a:sym typeface="DejaVu Sans"/>
                         </a:rPr>
                         <a:t>Temp</a:t>
                       </a:r>
@@ -4373,10 +4373,10 @@
                               <a:alpha val="100000"/>
                             </a:srgbClr>
                           </a:solidFill>
-                          <a:latin typeface="Arial"/>
-                          <a:cs typeface="Arial"/>
-                          <a:ea typeface="Arial"/>
-                          <a:sym typeface="Arial"/>
+                          <a:latin typeface="DejaVu Sans"/>
+                          <a:cs typeface="DejaVu Sans"/>
+                          <a:ea typeface="DejaVu Sans"/>
+                          <a:sym typeface="DejaVu Sans"/>
                         </a:rPr>
                         <a:t>Month</a:t>
                       </a:r>
@@ -4446,10 +4446,10 @@
                               <a:alpha val="100000"/>
                             </a:srgbClr>
                           </a:solidFill>
-                          <a:latin typeface="Arial"/>
-                          <a:cs typeface="Arial"/>
-                          <a:ea typeface="Arial"/>
-                          <a:sym typeface="Arial"/>
+                          <a:latin typeface="DejaVu Sans"/>
+                          <a:cs typeface="DejaVu Sans"/>
+                          <a:ea typeface="DejaVu Sans"/>
+                          <a:sym typeface="DejaVu Sans"/>
                         </a:rPr>
                         <a:t>Day</a:t>
                       </a:r>
@@ -4519,10 +4519,10 @@
                               <a:alpha val="100000"/>
                             </a:srgbClr>
                           </a:solidFill>
-                          <a:latin typeface="Arial"/>
-                          <a:cs typeface="Arial"/>
-                          <a:ea typeface="Arial"/>
-                          <a:sym typeface="Arial"/>
+                          <a:latin typeface="DejaVu Sans"/>
+                          <a:cs typeface="DejaVu Sans"/>
+                          <a:ea typeface="DejaVu Sans"/>
+                          <a:sym typeface="DejaVu Sans"/>
                         </a:rPr>
                         <a:t>Month Name</a:t>
                       </a:r>
@@ -4569,7 +4569,7 @@
                   </a:tcPr>
                 </a:tc>
               </a:tr>
-              <a:tr h="390173">
+              <a:tr h="391674">
                 <a:tc>
                   <a:txBody>
                     <a:bodyPr/>
@@ -4594,10 +4594,10 @@
                               <a:alpha val="100000"/>
                             </a:srgbClr>
                           </a:solidFill>
-                          <a:latin typeface="Arial"/>
-                          <a:cs typeface="Arial"/>
-                          <a:ea typeface="Arial"/>
-                          <a:sym typeface="Arial"/>
+                          <a:latin typeface="DejaVu Sans"/>
+                          <a:cs typeface="DejaVu Sans"/>
+                          <a:ea typeface="DejaVu Sans"/>
+                          <a:sym typeface="DejaVu Sans"/>
                         </a:rPr>
                         <a:t>41</a:t>
                       </a:r>
@@ -4667,10 +4667,10 @@
                               <a:alpha val="100000"/>
                             </a:srgbClr>
                           </a:solidFill>
-                          <a:latin typeface="Arial"/>
-                          <a:cs typeface="Arial"/>
-                          <a:ea typeface="Arial"/>
-                          <a:sym typeface="Arial"/>
+                          <a:latin typeface="DejaVu Sans"/>
+                          <a:cs typeface="DejaVu Sans"/>
+                          <a:ea typeface="DejaVu Sans"/>
+                          <a:sym typeface="DejaVu Sans"/>
                         </a:rPr>
                         <a:t>190</a:t>
                       </a:r>
@@ -4740,10 +4740,10 @@
                               <a:alpha val="100000"/>
                             </a:srgbClr>
                           </a:solidFill>
-                          <a:latin typeface="Arial"/>
-                          <a:cs typeface="Arial"/>
-                          <a:ea typeface="Arial"/>
-                          <a:sym typeface="Arial"/>
+                          <a:latin typeface="DejaVu Sans"/>
+                          <a:cs typeface="DejaVu Sans"/>
+                          <a:ea typeface="DejaVu Sans"/>
+                          <a:sym typeface="DejaVu Sans"/>
                         </a:rPr>
                         <a:t>7.4</a:t>
                       </a:r>
@@ -4813,10 +4813,10 @@
                               <a:alpha val="100000"/>
                             </a:srgbClr>
                           </a:solidFill>
-                          <a:latin typeface="Arial"/>
-                          <a:cs typeface="Arial"/>
-                          <a:ea typeface="Arial"/>
-                          <a:sym typeface="Arial"/>
+                          <a:latin typeface="DejaVu Sans"/>
+                          <a:cs typeface="DejaVu Sans"/>
+                          <a:ea typeface="DejaVu Sans"/>
+                          <a:sym typeface="DejaVu Sans"/>
                         </a:rPr>
                         <a:t>67</a:t>
                       </a:r>
@@ -4886,10 +4886,10 @@
                               <a:alpha val="100000"/>
                             </a:srgbClr>
                           </a:solidFill>
-                          <a:latin typeface="Arial"/>
-                          <a:cs typeface="Arial"/>
-                          <a:ea typeface="Arial"/>
-                          <a:sym typeface="Arial"/>
+                          <a:latin typeface="DejaVu Sans"/>
+                          <a:cs typeface="DejaVu Sans"/>
+                          <a:ea typeface="DejaVu Sans"/>
+                          <a:sym typeface="DejaVu Sans"/>
                         </a:rPr>
                         <a:t>5</a:t>
                       </a:r>
@@ -4959,10 +4959,10 @@
                               <a:alpha val="100000"/>
                             </a:srgbClr>
                           </a:solidFill>
-                          <a:latin typeface="Arial"/>
-                          <a:cs typeface="Arial"/>
-                          <a:ea typeface="Arial"/>
-                          <a:sym typeface="Arial"/>
+                          <a:latin typeface="DejaVu Sans"/>
+                          <a:cs typeface="DejaVu Sans"/>
+                          <a:ea typeface="DejaVu Sans"/>
+                          <a:sym typeface="DejaVu Sans"/>
                         </a:rPr>
                         <a:t>1</a:t>
                       </a:r>
@@ -5032,10 +5032,10 @@
                               <a:alpha val="100000"/>
                             </a:srgbClr>
                           </a:solidFill>
-                          <a:latin typeface="Arial"/>
-                          <a:cs typeface="Arial"/>
-                          <a:ea typeface="Arial"/>
-                          <a:sym typeface="Arial"/>
+                          <a:latin typeface="DejaVu Sans"/>
+                          <a:cs typeface="DejaVu Sans"/>
+                          <a:ea typeface="DejaVu Sans"/>
+                          <a:sym typeface="DejaVu Sans"/>
                         </a:rPr>
                         <a:t>May</a:t>
                       </a:r>
@@ -5082,7 +5082,7 @@
                   </a:tcPr>
                 </a:tc>
               </a:tr>
-              <a:tr h="390173">
+              <a:tr h="391674">
                 <a:tc>
                   <a:txBody>
                     <a:bodyPr/>
@@ -5107,10 +5107,10 @@
                               <a:alpha val="100000"/>
                             </a:srgbClr>
                           </a:solidFill>
-                          <a:latin typeface="Arial"/>
-                          <a:cs typeface="Arial"/>
-                          <a:ea typeface="Arial"/>
-                          <a:sym typeface="Arial"/>
+                          <a:latin typeface="DejaVu Sans"/>
+                          <a:cs typeface="DejaVu Sans"/>
+                          <a:ea typeface="DejaVu Sans"/>
+                          <a:sym typeface="DejaVu Sans"/>
                         </a:rPr>
                         <a:t>36</a:t>
                       </a:r>
@@ -5180,10 +5180,10 @@
                               <a:alpha val="100000"/>
                             </a:srgbClr>
                           </a:solidFill>
-                          <a:latin typeface="Arial"/>
-                          <a:cs typeface="Arial"/>
-                          <a:ea typeface="Arial"/>
-                          <a:sym typeface="Arial"/>
+                          <a:latin typeface="DejaVu Sans"/>
+                          <a:cs typeface="DejaVu Sans"/>
+                          <a:ea typeface="DejaVu Sans"/>
+                          <a:sym typeface="DejaVu Sans"/>
                         </a:rPr>
                         <a:t>118</a:t>
                       </a:r>
@@ -5253,10 +5253,10 @@
                               <a:alpha val="100000"/>
                             </a:srgbClr>
                           </a:solidFill>
-                          <a:latin typeface="Arial"/>
-                          <a:cs typeface="Arial"/>
-                          <a:ea typeface="Arial"/>
-                          <a:sym typeface="Arial"/>
+                          <a:latin typeface="DejaVu Sans"/>
+                          <a:cs typeface="DejaVu Sans"/>
+                          <a:ea typeface="DejaVu Sans"/>
+                          <a:sym typeface="DejaVu Sans"/>
                         </a:rPr>
                         <a:t>8.0</a:t>
                       </a:r>
@@ -5326,10 +5326,10 @@
                               <a:alpha val="100000"/>
                             </a:srgbClr>
                           </a:solidFill>
-                          <a:latin typeface="Arial"/>
-                          <a:cs typeface="Arial"/>
-                          <a:ea typeface="Arial"/>
-                          <a:sym typeface="Arial"/>
+                          <a:latin typeface="DejaVu Sans"/>
+                          <a:cs typeface="DejaVu Sans"/>
+                          <a:ea typeface="DejaVu Sans"/>
+                          <a:sym typeface="DejaVu Sans"/>
                         </a:rPr>
                         <a:t>72</a:t>
                       </a:r>
@@ -5399,10 +5399,10 @@
                               <a:alpha val="100000"/>
                             </a:srgbClr>
                           </a:solidFill>
-                          <a:latin typeface="Arial"/>
-                          <a:cs typeface="Arial"/>
-                          <a:ea typeface="Arial"/>
-                          <a:sym typeface="Arial"/>
+                          <a:latin typeface="DejaVu Sans"/>
+                          <a:cs typeface="DejaVu Sans"/>
+                          <a:ea typeface="DejaVu Sans"/>
+                          <a:sym typeface="DejaVu Sans"/>
                         </a:rPr>
                         <a:t>5</a:t>
                       </a:r>
@@ -5472,10 +5472,10 @@
                               <a:alpha val="100000"/>
                             </a:srgbClr>
                           </a:solidFill>
-                          <a:latin typeface="Arial"/>
-                          <a:cs typeface="Arial"/>
-                          <a:ea typeface="Arial"/>
-                          <a:sym typeface="Arial"/>
+                          <a:latin typeface="DejaVu Sans"/>
+                          <a:cs typeface="DejaVu Sans"/>
+                          <a:ea typeface="DejaVu Sans"/>
+                          <a:sym typeface="DejaVu Sans"/>
                         </a:rPr>
                         <a:t>2</a:t>
                       </a:r>
@@ -5545,10 +5545,10 @@
                               <a:alpha val="100000"/>
                             </a:srgbClr>
                           </a:solidFill>
-                          <a:latin typeface="Arial"/>
-                          <a:cs typeface="Arial"/>
-                          <a:ea typeface="Arial"/>
-                          <a:sym typeface="Arial"/>
+                          <a:latin typeface="DejaVu Sans"/>
+                          <a:cs typeface="DejaVu Sans"/>
+                          <a:ea typeface="DejaVu Sans"/>
+                          <a:sym typeface="DejaVu Sans"/>
                         </a:rPr>
                         <a:t>May</a:t>
                       </a:r>
@@ -5595,7 +5595,7 @@
                   </a:tcPr>
                 </a:tc>
               </a:tr>
-              <a:tr h="390173">
+              <a:tr h="391674">
                 <a:tc>
                   <a:txBody>
                     <a:bodyPr/>
@@ -5620,10 +5620,10 @@
                               <a:alpha val="100000"/>
                             </a:srgbClr>
                           </a:solidFill>
-                          <a:latin typeface="Arial"/>
-                          <a:cs typeface="Arial"/>
-                          <a:ea typeface="Arial"/>
-                          <a:sym typeface="Arial"/>
+                          <a:latin typeface="DejaVu Sans"/>
+                          <a:cs typeface="DejaVu Sans"/>
+                          <a:ea typeface="DejaVu Sans"/>
+                          <a:sym typeface="DejaVu Sans"/>
                         </a:rPr>
                         <a:t>12</a:t>
                       </a:r>
@@ -5693,10 +5693,10 @@
                               <a:alpha val="100000"/>
                             </a:srgbClr>
                           </a:solidFill>
-                          <a:latin typeface="Arial"/>
-                          <a:cs typeface="Arial"/>
-                          <a:ea typeface="Arial"/>
-                          <a:sym typeface="Arial"/>
+                          <a:latin typeface="DejaVu Sans"/>
+                          <a:cs typeface="DejaVu Sans"/>
+                          <a:ea typeface="DejaVu Sans"/>
+                          <a:sym typeface="DejaVu Sans"/>
                         </a:rPr>
                         <a:t>149</a:t>
                       </a:r>
@@ -5766,10 +5766,10 @@
                               <a:alpha val="100000"/>
                             </a:srgbClr>
                           </a:solidFill>
-                          <a:latin typeface="Arial"/>
-                          <a:cs typeface="Arial"/>
-                          <a:ea typeface="Arial"/>
-                          <a:sym typeface="Arial"/>
+                          <a:latin typeface="DejaVu Sans"/>
+                          <a:cs typeface="DejaVu Sans"/>
+                          <a:ea typeface="DejaVu Sans"/>
+                          <a:sym typeface="DejaVu Sans"/>
                         </a:rPr>
                         <a:t>12.6</a:t>
                       </a:r>
@@ -5839,10 +5839,10 @@
                               <a:alpha val="100000"/>
                             </a:srgbClr>
                           </a:solidFill>
-                          <a:latin typeface="Arial"/>
-                          <a:cs typeface="Arial"/>
-                          <a:ea typeface="Arial"/>
-                          <a:sym typeface="Arial"/>
+                          <a:latin typeface="DejaVu Sans"/>
+                          <a:cs typeface="DejaVu Sans"/>
+                          <a:ea typeface="DejaVu Sans"/>
+                          <a:sym typeface="DejaVu Sans"/>
                         </a:rPr>
                         <a:t>74</a:t>
                       </a:r>
@@ -5912,10 +5912,10 @@
                               <a:alpha val="100000"/>
                             </a:srgbClr>
                           </a:solidFill>
-                          <a:latin typeface="Arial"/>
-                          <a:cs typeface="Arial"/>
-                          <a:ea typeface="Arial"/>
-                          <a:sym typeface="Arial"/>
+                          <a:latin typeface="DejaVu Sans"/>
+                          <a:cs typeface="DejaVu Sans"/>
+                          <a:ea typeface="DejaVu Sans"/>
+                          <a:sym typeface="DejaVu Sans"/>
                         </a:rPr>
                         <a:t>5</a:t>
                       </a:r>
@@ -5985,10 +5985,10 @@
                               <a:alpha val="100000"/>
                             </a:srgbClr>
                           </a:solidFill>
-                          <a:latin typeface="Arial"/>
-                          <a:cs typeface="Arial"/>
-                          <a:ea typeface="Arial"/>
-                          <a:sym typeface="Arial"/>
+                          <a:latin typeface="DejaVu Sans"/>
+                          <a:cs typeface="DejaVu Sans"/>
+                          <a:ea typeface="DejaVu Sans"/>
+                          <a:sym typeface="DejaVu Sans"/>
                         </a:rPr>
                         <a:t>3</a:t>
                       </a:r>
@@ -6058,10 +6058,10 @@
                               <a:alpha val="100000"/>
                             </a:srgbClr>
                           </a:solidFill>
-                          <a:latin typeface="Arial"/>
-                          <a:cs typeface="Arial"/>
-                          <a:ea typeface="Arial"/>
-                          <a:sym typeface="Arial"/>
+                          <a:latin typeface="DejaVu Sans"/>
+                          <a:cs typeface="DejaVu Sans"/>
+                          <a:ea typeface="DejaVu Sans"/>
+                          <a:sym typeface="DejaVu Sans"/>
                         </a:rPr>
                         <a:t>May</a:t>
                       </a:r>
@@ -6108,7 +6108,7 @@
                   </a:tcPr>
                 </a:tc>
               </a:tr>
-              <a:tr h="390173">
+              <a:tr h="391674">
                 <a:tc>
                   <a:txBody>
                     <a:bodyPr/>
@@ -6133,10 +6133,10 @@
                               <a:alpha val="100000"/>
                             </a:srgbClr>
                           </a:solidFill>
-                          <a:latin typeface="Arial"/>
-                          <a:cs typeface="Arial"/>
-                          <a:ea typeface="Arial"/>
-                          <a:sym typeface="Arial"/>
+                          <a:latin typeface="DejaVu Sans"/>
+                          <a:cs typeface="DejaVu Sans"/>
+                          <a:ea typeface="DejaVu Sans"/>
+                          <a:sym typeface="DejaVu Sans"/>
                         </a:rPr>
                         <a:t>18</a:t>
                       </a:r>
@@ -6206,10 +6206,10 @@
                               <a:alpha val="100000"/>
                             </a:srgbClr>
                           </a:solidFill>
-                          <a:latin typeface="Arial"/>
-                          <a:cs typeface="Arial"/>
-                          <a:ea typeface="Arial"/>
-                          <a:sym typeface="Arial"/>
+                          <a:latin typeface="DejaVu Sans"/>
+                          <a:cs typeface="DejaVu Sans"/>
+                          <a:ea typeface="DejaVu Sans"/>
+                          <a:sym typeface="DejaVu Sans"/>
                         </a:rPr>
                         <a:t>313</a:t>
                       </a:r>
@@ -6279,10 +6279,10 @@
                               <a:alpha val="100000"/>
                             </a:srgbClr>
                           </a:solidFill>
-                          <a:latin typeface="Arial"/>
-                          <a:cs typeface="Arial"/>
-                          <a:ea typeface="Arial"/>
-                          <a:sym typeface="Arial"/>
+                          <a:latin typeface="DejaVu Sans"/>
+                          <a:cs typeface="DejaVu Sans"/>
+                          <a:ea typeface="DejaVu Sans"/>
+                          <a:sym typeface="DejaVu Sans"/>
                         </a:rPr>
                         <a:t>11.5</a:t>
                       </a:r>
@@ -6352,10 +6352,10 @@
                               <a:alpha val="100000"/>
                             </a:srgbClr>
                           </a:solidFill>
-                          <a:latin typeface="Arial"/>
-                          <a:cs typeface="Arial"/>
-                          <a:ea typeface="Arial"/>
-                          <a:sym typeface="Arial"/>
+                          <a:latin typeface="DejaVu Sans"/>
+                          <a:cs typeface="DejaVu Sans"/>
+                          <a:ea typeface="DejaVu Sans"/>
+                          <a:sym typeface="DejaVu Sans"/>
                         </a:rPr>
                         <a:t>62</a:t>
                       </a:r>
@@ -6425,10 +6425,10 @@
                               <a:alpha val="100000"/>
                             </a:srgbClr>
                           </a:solidFill>
-                          <a:latin typeface="Arial"/>
-                          <a:cs typeface="Arial"/>
-                          <a:ea typeface="Arial"/>
-                          <a:sym typeface="Arial"/>
+                          <a:latin typeface="DejaVu Sans"/>
+                          <a:cs typeface="DejaVu Sans"/>
+                          <a:ea typeface="DejaVu Sans"/>
+                          <a:sym typeface="DejaVu Sans"/>
                         </a:rPr>
                         <a:t>5</a:t>
                       </a:r>
@@ -6498,10 +6498,10 @@
                               <a:alpha val="100000"/>
                             </a:srgbClr>
                           </a:solidFill>
-                          <a:latin typeface="Arial"/>
-                          <a:cs typeface="Arial"/>
-                          <a:ea typeface="Arial"/>
-                          <a:sym typeface="Arial"/>
+                          <a:latin typeface="DejaVu Sans"/>
+                          <a:cs typeface="DejaVu Sans"/>
+                          <a:ea typeface="DejaVu Sans"/>
+                          <a:sym typeface="DejaVu Sans"/>
                         </a:rPr>
                         <a:t>4</a:t>
                       </a:r>
@@ -6571,10 +6571,10 @@
                               <a:alpha val="100000"/>
                             </a:srgbClr>
                           </a:solidFill>
-                          <a:latin typeface="Arial"/>
-                          <a:cs typeface="Arial"/>
-                          <a:ea typeface="Arial"/>
-                          <a:sym typeface="Arial"/>
+                          <a:latin typeface="DejaVu Sans"/>
+                          <a:cs typeface="DejaVu Sans"/>
+                          <a:ea typeface="DejaVu Sans"/>
+                          <a:sym typeface="DejaVu Sans"/>
                         </a:rPr>
                         <a:t>May</a:t>
                       </a:r>
@@ -6621,7 +6621,7 @@
                   </a:tcPr>
                 </a:tc>
               </a:tr>
-              <a:tr h="390173">
+              <a:tr h="391674">
                 <a:tc>
                   <a:txBody>
                     <a:bodyPr/>
@@ -6645,10 +6645,10 @@
                             <a:alpha val="100000"/>
                           </a:srgbClr>
                         </a:solidFill>
-                        <a:latin typeface="Arial"/>
-                        <a:cs typeface="Arial"/>
-                        <a:ea typeface="Arial"/>
-                        <a:sym typeface="Arial"/>
+                        <a:latin typeface="DejaVu Sans"/>
+                        <a:cs typeface="DejaVu Sans"/>
+                        <a:ea typeface="DejaVu Sans"/>
+                        <a:sym typeface="DejaVu Sans"/>
                       </a:endParaRPr>
                       <a:r>
                         <a:rPr cap="none" sz="1100" i="0" b="0" u="none">
@@ -6657,10 +6657,10 @@
                               <a:alpha val="100000"/>
                             </a:srgbClr>
                           </a:solidFill>
-                          <a:latin typeface="Arial"/>
-                          <a:cs typeface="Arial"/>
-                          <a:ea typeface="Arial"/>
-                          <a:sym typeface="Arial"/>
+                          <a:latin typeface="DejaVu Sans"/>
+                          <a:cs typeface="DejaVu Sans"/>
+                          <a:ea typeface="DejaVu Sans"/>
+                          <a:sym typeface="DejaVu Sans"/>
                         </a:rPr>
                         <a:t/>
                       </a:r>
@@ -6729,10 +6729,10 @@
                             <a:alpha val="100000"/>
                           </a:srgbClr>
                         </a:solidFill>
-                        <a:latin typeface="Arial"/>
-                        <a:cs typeface="Arial"/>
-                        <a:ea typeface="Arial"/>
-                        <a:sym typeface="Arial"/>
+                        <a:latin typeface="DejaVu Sans"/>
+                        <a:cs typeface="DejaVu Sans"/>
+                        <a:ea typeface="DejaVu Sans"/>
+                        <a:sym typeface="DejaVu Sans"/>
                       </a:endParaRPr>
                       <a:r>
                         <a:rPr cap="none" sz="1100" i="0" b="0" u="none">
@@ -6741,10 +6741,10 @@
                               <a:alpha val="100000"/>
                             </a:srgbClr>
                           </a:solidFill>
-                          <a:latin typeface="Arial"/>
-                          <a:cs typeface="Arial"/>
-                          <a:ea typeface="Arial"/>
-                          <a:sym typeface="Arial"/>
+                          <a:latin typeface="DejaVu Sans"/>
+                          <a:cs typeface="DejaVu Sans"/>
+                          <a:ea typeface="DejaVu Sans"/>
+                          <a:sym typeface="DejaVu Sans"/>
                         </a:rPr>
                         <a:t/>
                       </a:r>
@@ -6814,10 +6814,10 @@
                               <a:alpha val="100000"/>
                             </a:srgbClr>
                           </a:solidFill>
-                          <a:latin typeface="Arial"/>
-                          <a:cs typeface="Arial"/>
-                          <a:ea typeface="Arial"/>
-                          <a:sym typeface="Arial"/>
+                          <a:latin typeface="DejaVu Sans"/>
+                          <a:cs typeface="DejaVu Sans"/>
+                          <a:ea typeface="DejaVu Sans"/>
+                          <a:sym typeface="DejaVu Sans"/>
                         </a:rPr>
                         <a:t>14.3</a:t>
                       </a:r>
@@ -6887,10 +6887,10 @@
                               <a:alpha val="100000"/>
                             </a:srgbClr>
                           </a:solidFill>
-                          <a:latin typeface="Arial"/>
-                          <a:cs typeface="Arial"/>
-                          <a:ea typeface="Arial"/>
-                          <a:sym typeface="Arial"/>
+                          <a:latin typeface="DejaVu Sans"/>
+                          <a:cs typeface="DejaVu Sans"/>
+                          <a:ea typeface="DejaVu Sans"/>
+                          <a:sym typeface="DejaVu Sans"/>
                         </a:rPr>
                         <a:t>56</a:t>
                       </a:r>
@@ -6960,10 +6960,10 @@
                               <a:alpha val="100000"/>
                             </a:srgbClr>
                           </a:solidFill>
-                          <a:latin typeface="Arial"/>
-                          <a:cs typeface="Arial"/>
-                          <a:ea typeface="Arial"/>
-                          <a:sym typeface="Arial"/>
+                          <a:latin typeface="DejaVu Sans"/>
+                          <a:cs typeface="DejaVu Sans"/>
+                          <a:ea typeface="DejaVu Sans"/>
+                          <a:sym typeface="DejaVu Sans"/>
                         </a:rPr>
                         <a:t>5</a:t>
                       </a:r>
@@ -7033,10 +7033,10 @@
                               <a:alpha val="100000"/>
                             </a:srgbClr>
                           </a:solidFill>
-                          <a:latin typeface="Arial"/>
-                          <a:cs typeface="Arial"/>
-                          <a:ea typeface="Arial"/>
-                          <a:sym typeface="Arial"/>
+                          <a:latin typeface="DejaVu Sans"/>
+                          <a:cs typeface="DejaVu Sans"/>
+                          <a:ea typeface="DejaVu Sans"/>
+                          <a:sym typeface="DejaVu Sans"/>
                         </a:rPr>
                         <a:t>5</a:t>
                       </a:r>
@@ -7106,10 +7106,10 @@
                               <a:alpha val="100000"/>
                             </a:srgbClr>
                           </a:solidFill>
-                          <a:latin typeface="Arial"/>
-                          <a:cs typeface="Arial"/>
-                          <a:ea typeface="Arial"/>
-                          <a:sym typeface="Arial"/>
+                          <a:latin typeface="DejaVu Sans"/>
+                          <a:cs typeface="DejaVu Sans"/>
+                          <a:ea typeface="DejaVu Sans"/>
+                          <a:sym typeface="DejaVu Sans"/>
                         </a:rPr>
                         <a:t>May</a:t>
                       </a:r>
@@ -7156,7 +7156,7 @@
                   </a:tcPr>
                 </a:tc>
               </a:tr>
-              <a:tr h="390173">
+              <a:tr h="391674">
                 <a:tc>
                   <a:txBody>
                     <a:bodyPr/>
@@ -7181,10 +7181,10 @@
                               <a:alpha val="100000"/>
                             </a:srgbClr>
                           </a:solidFill>
-                          <a:latin typeface="Arial"/>
-                          <a:cs typeface="Arial"/>
-                          <a:ea typeface="Arial"/>
-                          <a:sym typeface="Arial"/>
+                          <a:latin typeface="DejaVu Sans"/>
+                          <a:cs typeface="DejaVu Sans"/>
+                          <a:ea typeface="DejaVu Sans"/>
+                          <a:sym typeface="DejaVu Sans"/>
                         </a:rPr>
                         <a:t>28</a:t>
                       </a:r>
@@ -7253,10 +7253,10 @@
                             <a:alpha val="100000"/>
                           </a:srgbClr>
                         </a:solidFill>
-                        <a:latin typeface="Arial"/>
-                        <a:cs typeface="Arial"/>
-                        <a:ea typeface="Arial"/>
-                        <a:sym typeface="Arial"/>
+                        <a:latin typeface="DejaVu Sans"/>
+                        <a:cs typeface="DejaVu Sans"/>
+                        <a:ea typeface="DejaVu Sans"/>
+                        <a:sym typeface="DejaVu Sans"/>
                       </a:endParaRPr>
                       <a:r>
                         <a:rPr cap="none" sz="1100" i="0" b="0" u="none">
@@ -7265,10 +7265,10 @@
                               <a:alpha val="100000"/>
                             </a:srgbClr>
                           </a:solidFill>
-                          <a:latin typeface="Arial"/>
-                          <a:cs typeface="Arial"/>
-                          <a:ea typeface="Arial"/>
-                          <a:sym typeface="Arial"/>
+                          <a:latin typeface="DejaVu Sans"/>
+                          <a:cs typeface="DejaVu Sans"/>
+                          <a:ea typeface="DejaVu Sans"/>
+                          <a:sym typeface="DejaVu Sans"/>
                         </a:rPr>
                         <a:t/>
                       </a:r>
@@ -7338,10 +7338,10 @@
                               <a:alpha val="100000"/>
                             </a:srgbClr>
                           </a:solidFill>
-                          <a:latin typeface="Arial"/>
-                          <a:cs typeface="Arial"/>
-                          <a:ea typeface="Arial"/>
-                          <a:sym typeface="Arial"/>
+                          <a:latin typeface="DejaVu Sans"/>
+                          <a:cs typeface="DejaVu Sans"/>
+                          <a:ea typeface="DejaVu Sans"/>
+                          <a:sym typeface="DejaVu Sans"/>
                         </a:rPr>
                         <a:t>14.9</a:t>
                       </a:r>
@@ -7411,10 +7411,10 @@
                               <a:alpha val="100000"/>
                             </a:srgbClr>
                           </a:solidFill>
-                          <a:latin typeface="Arial"/>
-                          <a:cs typeface="Arial"/>
-                          <a:ea typeface="Arial"/>
-                          <a:sym typeface="Arial"/>
+                          <a:latin typeface="DejaVu Sans"/>
+                          <a:cs typeface="DejaVu Sans"/>
+                          <a:ea typeface="DejaVu Sans"/>
+                          <a:sym typeface="DejaVu Sans"/>
                         </a:rPr>
                         <a:t>66</a:t>
                       </a:r>
@@ -7484,10 +7484,10 @@
                               <a:alpha val="100000"/>
                             </a:srgbClr>
                           </a:solidFill>
-                          <a:latin typeface="Arial"/>
-                          <a:cs typeface="Arial"/>
-                          <a:ea typeface="Arial"/>
-                          <a:sym typeface="Arial"/>
+                          <a:latin typeface="DejaVu Sans"/>
+                          <a:cs typeface="DejaVu Sans"/>
+                          <a:ea typeface="DejaVu Sans"/>
+                          <a:sym typeface="DejaVu Sans"/>
                         </a:rPr>
                         <a:t>5</a:t>
                       </a:r>
@@ -7557,10 +7557,10 @@
                               <a:alpha val="100000"/>
                             </a:srgbClr>
                           </a:solidFill>
-                          <a:latin typeface="Arial"/>
-                          <a:cs typeface="Arial"/>
-                          <a:ea typeface="Arial"/>
-                          <a:sym typeface="Arial"/>
+                          <a:latin typeface="DejaVu Sans"/>
+                          <a:cs typeface="DejaVu Sans"/>
+                          <a:ea typeface="DejaVu Sans"/>
+                          <a:sym typeface="DejaVu Sans"/>
                         </a:rPr>
                         <a:t>6</a:t>
                       </a:r>
@@ -7630,10 +7630,10 @@
                               <a:alpha val="100000"/>
                             </a:srgbClr>
                           </a:solidFill>
-                          <a:latin typeface="Arial"/>
-                          <a:cs typeface="Arial"/>
-                          <a:ea typeface="Arial"/>
-                          <a:sym typeface="Arial"/>
+                          <a:latin typeface="DejaVu Sans"/>
+                          <a:cs typeface="DejaVu Sans"/>
+                          <a:ea typeface="DejaVu Sans"/>
+                          <a:sym typeface="DejaVu Sans"/>
                         </a:rPr>
                         <a:t>May</a:t>
                       </a:r>

--- a/demos/template-pptx.pptx
+++ b/demos/template-pptx.pptx
@@ -4033,7 +4033,7 @@
       </p:sp>
       <p:graphicFrame xmlns:a="http://schemas.openxmlformats.org/drawingml/2006/main" xmlns:r="http://schemas.openxmlformats.org/officeDocument/2006/relationships" xmlns:p="http://schemas.openxmlformats.org/presentationml/2006/main">
         <p:nvGraphicFramePr>
-          <p:cNvPr id="455614448" name=""/>
+          <p:cNvPr id="373037572" name=""/>
           <p:cNvGraphicFramePr>
             <a:graphicFrameLocks noGrp="true"/>
           </p:cNvGraphicFramePr>

--- a/demos/template-pptx.pptx
+++ b/demos/template-pptx.pptx
@@ -4033,7 +4033,7 @@
       </p:sp>
       <p:graphicFrame xmlns:a="http://schemas.openxmlformats.org/drawingml/2006/main" xmlns:r="http://schemas.openxmlformats.org/officeDocument/2006/relationships" xmlns:p="http://schemas.openxmlformats.org/presentationml/2006/main">
         <p:nvGraphicFramePr>
-          <p:cNvPr id="373037572" name=""/>
+          <p:cNvPr id="661086572" name=""/>
           <p:cNvGraphicFramePr>
             <a:graphicFrameLocks noGrp="true"/>
           </p:cNvGraphicFramePr>

--- a/demos/template-pptx.pptx
+++ b/demos/template-pptx.pptx
@@ -4033,7 +4033,7 @@
       </p:sp>
       <p:graphicFrame xmlns:a="http://schemas.openxmlformats.org/drawingml/2006/main" xmlns:r="http://schemas.openxmlformats.org/officeDocument/2006/relationships" xmlns:p="http://schemas.openxmlformats.org/presentationml/2006/main">
         <p:nvGraphicFramePr>
-          <p:cNvPr id="661086572" name=""/>
+          <p:cNvPr id="709080815" name=""/>
           <p:cNvGraphicFramePr>
             <a:graphicFrameLocks noGrp="true"/>
           </p:cNvGraphicFramePr>

--- a/demos/template-pptx.pptx
+++ b/demos/template-pptx.pptx
@@ -4033,7 +4033,7 @@
       </p:sp>
       <p:graphicFrame xmlns:a="http://schemas.openxmlformats.org/drawingml/2006/main" xmlns:r="http://schemas.openxmlformats.org/officeDocument/2006/relationships" xmlns:p="http://schemas.openxmlformats.org/presentationml/2006/main">
         <p:nvGraphicFramePr>
-          <p:cNvPr id="709080815" name=""/>
+          <p:cNvPr id="134241892" name=""/>
           <p:cNvGraphicFramePr>
             <a:graphicFrameLocks noGrp="true"/>
           </p:cNvGraphicFramePr>

--- a/demos/template-pptx.pptx
+++ b/demos/template-pptx.pptx
@@ -4033,7 +4033,7 @@
       </p:sp>
       <p:graphicFrame xmlns:a="http://schemas.openxmlformats.org/drawingml/2006/main" xmlns:r="http://schemas.openxmlformats.org/officeDocument/2006/relationships" xmlns:p="http://schemas.openxmlformats.org/presentationml/2006/main">
         <p:nvGraphicFramePr>
-          <p:cNvPr id="134241892" name=""/>
+          <p:cNvPr id="72613687" name=""/>
           <p:cNvGraphicFramePr>
             <a:graphicFrameLocks noGrp="true"/>
           </p:cNvGraphicFramePr>

--- a/demos/template-pptx.pptx
+++ b/demos/template-pptx.pptx
@@ -4033,7 +4033,7 @@
       </p:sp>
       <p:graphicFrame xmlns:a="http://schemas.openxmlformats.org/drawingml/2006/main" xmlns:r="http://schemas.openxmlformats.org/officeDocument/2006/relationships" xmlns:p="http://schemas.openxmlformats.org/presentationml/2006/main">
         <p:nvGraphicFramePr>
-          <p:cNvPr id="72613687" name=""/>
+          <p:cNvPr id="658853213" name=""/>
           <p:cNvGraphicFramePr>
             <a:graphicFrameLocks noGrp="true"/>
           </p:cNvGraphicFramePr>

--- a/demos/template-pptx.pptx
+++ b/demos/template-pptx.pptx
@@ -4033,7 +4033,7 @@
       </p:sp>
       <p:graphicFrame xmlns:a="http://schemas.openxmlformats.org/drawingml/2006/main" xmlns:r="http://schemas.openxmlformats.org/officeDocument/2006/relationships" xmlns:p="http://schemas.openxmlformats.org/presentationml/2006/main">
         <p:nvGraphicFramePr>
-          <p:cNvPr id="658853213" name=""/>
+          <p:cNvPr id="772885535" name=""/>
           <p:cNvGraphicFramePr>
             <a:graphicFrameLocks noGrp="true"/>
           </p:cNvGraphicFramePr>

--- a/demos/template-pptx.pptx
+++ b/demos/template-pptx.pptx
@@ -4033,7 +4033,7 @@
       </p:sp>
       <p:graphicFrame xmlns:a="http://schemas.openxmlformats.org/drawingml/2006/main" xmlns:r="http://schemas.openxmlformats.org/officeDocument/2006/relationships" xmlns:p="http://schemas.openxmlformats.org/presentationml/2006/main">
         <p:nvGraphicFramePr>
-          <p:cNvPr id="772885535" name=""/>
+          <p:cNvPr id="424011853" name=""/>
           <p:cNvGraphicFramePr>
             <a:graphicFrameLocks noGrp="true"/>
           </p:cNvGraphicFramePr>

--- a/demos/template-pptx.pptx
+++ b/demos/template-pptx.pptx
@@ -4033,7 +4033,7 @@
       </p:sp>
       <p:graphicFrame xmlns:a="http://schemas.openxmlformats.org/drawingml/2006/main" xmlns:r="http://schemas.openxmlformats.org/officeDocument/2006/relationships" xmlns:p="http://schemas.openxmlformats.org/presentationml/2006/main">
         <p:nvGraphicFramePr>
-          <p:cNvPr id="424011853" name=""/>
+          <p:cNvPr id="867960809" name=""/>
           <p:cNvGraphicFramePr>
             <a:graphicFrameLocks noGrp="true"/>
           </p:cNvGraphicFramePr>

--- a/demos/template-pptx.pptx
+++ b/demos/template-pptx.pptx
@@ -4033,7 +4033,7 @@
       </p:sp>
       <p:graphicFrame xmlns:a="http://schemas.openxmlformats.org/drawingml/2006/main" xmlns:r="http://schemas.openxmlformats.org/officeDocument/2006/relationships" xmlns:p="http://schemas.openxmlformats.org/presentationml/2006/main">
         <p:nvGraphicFramePr>
-          <p:cNvPr id="867960809" name=""/>
+          <p:cNvPr id="942691077" name=""/>
           <p:cNvGraphicFramePr>
             <a:graphicFrameLocks noGrp="true"/>
           </p:cNvGraphicFramePr>

--- a/demos/template-pptx.pptx
+++ b/demos/template-pptx.pptx
@@ -4033,7 +4033,7 @@
       </p:sp>
       <p:graphicFrame xmlns:a="http://schemas.openxmlformats.org/drawingml/2006/main" xmlns:r="http://schemas.openxmlformats.org/officeDocument/2006/relationships" xmlns:p="http://schemas.openxmlformats.org/presentationml/2006/main">
         <p:nvGraphicFramePr>
-          <p:cNvPr id="942691077" name=""/>
+          <p:cNvPr id="876760079" name=""/>
           <p:cNvGraphicFramePr>
             <a:graphicFrameLocks noGrp="true"/>
           </p:cNvGraphicFramePr>

--- a/demos/template-pptx.pptx
+++ b/demos/template-pptx.pptx
@@ -4033,7 +4033,7 @@
       </p:sp>
       <p:graphicFrame xmlns:a="http://schemas.openxmlformats.org/drawingml/2006/main" xmlns:r="http://schemas.openxmlformats.org/officeDocument/2006/relationships" xmlns:p="http://schemas.openxmlformats.org/presentationml/2006/main">
         <p:nvGraphicFramePr>
-          <p:cNvPr id="876760079" name=""/>
+          <p:cNvPr id="354895922" name=""/>
           <p:cNvGraphicFramePr>
             <a:graphicFrameLocks noGrp="true"/>
           </p:cNvGraphicFramePr>

--- a/demos/template-pptx.pptx
+++ b/demos/template-pptx.pptx
@@ -4033,7 +4033,7 @@
       </p:sp>
       <p:graphicFrame xmlns:a="http://schemas.openxmlformats.org/drawingml/2006/main" xmlns:r="http://schemas.openxmlformats.org/officeDocument/2006/relationships" xmlns:p="http://schemas.openxmlformats.org/presentationml/2006/main">
         <p:nvGraphicFramePr>
-          <p:cNvPr id="354895922" name=""/>
+          <p:cNvPr id="687166850" name=""/>
           <p:cNvGraphicFramePr>
             <a:graphicFrameLocks noGrp="true"/>
           </p:cNvGraphicFramePr>

--- a/demos/template-pptx.pptx
+++ b/demos/template-pptx.pptx
@@ -4033,7 +4033,7 @@
       </p:sp>
       <p:graphicFrame xmlns:a="http://schemas.openxmlformats.org/drawingml/2006/main" xmlns:r="http://schemas.openxmlformats.org/officeDocument/2006/relationships" xmlns:p="http://schemas.openxmlformats.org/presentationml/2006/main">
         <p:nvGraphicFramePr>
-          <p:cNvPr id="687166850" name=""/>
+          <p:cNvPr id="477373605" name=""/>
           <p:cNvGraphicFramePr>
             <a:graphicFrameLocks noGrp="true"/>
           </p:cNvGraphicFramePr>

--- a/demos/template-pptx.pptx
+++ b/demos/template-pptx.pptx
@@ -4033,7 +4033,7 @@
       </p:sp>
       <p:graphicFrame xmlns:a="http://schemas.openxmlformats.org/drawingml/2006/main" xmlns:r="http://schemas.openxmlformats.org/officeDocument/2006/relationships" xmlns:p="http://schemas.openxmlformats.org/presentationml/2006/main">
         <p:nvGraphicFramePr>
-          <p:cNvPr id="477373605" name=""/>
+          <p:cNvPr id="603375620" name=""/>
           <p:cNvGraphicFramePr>
             <a:graphicFrameLocks noGrp="true"/>
           </p:cNvGraphicFramePr>

--- a/demos/template-pptx.pptx
+++ b/demos/template-pptx.pptx
@@ -4033,7 +4033,7 @@
       </p:sp>
       <p:graphicFrame xmlns:a="http://schemas.openxmlformats.org/drawingml/2006/main" xmlns:r="http://schemas.openxmlformats.org/officeDocument/2006/relationships" xmlns:p="http://schemas.openxmlformats.org/presentationml/2006/main">
         <p:nvGraphicFramePr>
-          <p:cNvPr id="603375620" name=""/>
+          <p:cNvPr id="139374859" name=""/>
           <p:cNvGraphicFramePr>
             <a:graphicFrameLocks noGrp="true"/>
           </p:cNvGraphicFramePr>

--- a/demos/template-pptx.pptx
+++ b/demos/template-pptx.pptx
@@ -4033,7 +4033,7 @@
       </p:sp>
       <p:graphicFrame xmlns:a="http://schemas.openxmlformats.org/drawingml/2006/main" xmlns:r="http://schemas.openxmlformats.org/officeDocument/2006/relationships" xmlns:p="http://schemas.openxmlformats.org/presentationml/2006/main">
         <p:nvGraphicFramePr>
-          <p:cNvPr id="139374859" name=""/>
+          <p:cNvPr id="936010375" name=""/>
           <p:cNvGraphicFramePr>
             <a:graphicFrameLocks noGrp="true"/>
           </p:cNvGraphicFramePr>

--- a/demos/template-pptx.pptx
+++ b/demos/template-pptx.pptx
@@ -1,6 +1,6 @@
 
 <file path=ppt/presentation.xml><?xml version="1.0" encoding="utf-8"?>
-<p:presentation xmlns:a="http://schemas.openxmlformats.org/drawingml/2006/main" xmlns:p="http://schemas.openxmlformats.org/presentationml/2006/main" xmlns:r="http://schemas.openxmlformats.org/officeDocument/2006/relationships" autoCompressPictures="0" saveSubsetFonts="1">
+<p:presentation xmlns:a="http://schemas.openxmlformats.org/drawingml/2006/main" xmlns:p="http://schemas.openxmlformats.org/presentationml/2006/main" xmlns:r="http://schemas.openxmlformats.org/officeDocument/2006/relationships" autoCompressPictures="0" saveSubsetFonts="1" showSpecialPlsOnTitleSld="0">
   <p:sldMasterIdLst>
     <p:sldMasterId id="2147483648" r:id="rId1"/>
   </p:sldMasterIdLst>
@@ -16,13 +16,13 @@
     <p:sldId id="264" r:id="rId10"/>
     <p:sldId id="265" r:id="rId11"/>
   </p:sldIdLst>
-  <p:sldSz cx="9144000" cy="5143500" type="screen16x9"/>
+  <p:sldSz cx="12192000" cy="6858000"/>
   <p:notesSz cx="6858000" cy="9144000"/>
   <p:defaultTextStyle>
     <a:defPPr>
       <a:defRPr lang="en-US"/>
     </a:defPPr>
-    <a:lvl1pPr algn="l" defTabSz="457200" eaLnBrk="1" hangingPunct="1" latinLnBrk="0" marL="0" rtl="0">
+    <a:lvl1pPr algn="l" defTabSz="914400" eaLnBrk="1" hangingPunct="1" latinLnBrk="0" marL="0" rtl="0">
       <a:defRPr kern="1200" sz="1800">
         <a:solidFill>
           <a:schemeClr val="tx1"/>
@@ -32,7 +32,7 @@
         <a:cs typeface="+mn-cs"/>
       </a:defRPr>
     </a:lvl1pPr>
-    <a:lvl2pPr algn="l" defTabSz="457200" eaLnBrk="1" hangingPunct="1" latinLnBrk="0" marL="457200" rtl="0">
+    <a:lvl2pPr algn="l" defTabSz="914400" eaLnBrk="1" hangingPunct="1" latinLnBrk="0" marL="457200" rtl="0">
       <a:defRPr kern="1200" sz="1800">
         <a:solidFill>
           <a:schemeClr val="tx1"/>
@@ -42,7 +42,7 @@
         <a:cs typeface="+mn-cs"/>
       </a:defRPr>
     </a:lvl2pPr>
-    <a:lvl3pPr algn="l" defTabSz="457200" eaLnBrk="1" hangingPunct="1" latinLnBrk="0" marL="914400" rtl="0">
+    <a:lvl3pPr algn="l" defTabSz="914400" eaLnBrk="1" hangingPunct="1" latinLnBrk="0" marL="914400" rtl="0">
       <a:defRPr kern="1200" sz="1800">
         <a:solidFill>
           <a:schemeClr val="tx1"/>
@@ -52,7 +52,7 @@
         <a:cs typeface="+mn-cs"/>
       </a:defRPr>
     </a:lvl3pPr>
-    <a:lvl4pPr algn="l" defTabSz="457200" eaLnBrk="1" hangingPunct="1" latinLnBrk="0" marL="1371600" rtl="0">
+    <a:lvl4pPr algn="l" defTabSz="914400" eaLnBrk="1" hangingPunct="1" latinLnBrk="0" marL="1371600" rtl="0">
       <a:defRPr kern="1200" sz="1800">
         <a:solidFill>
           <a:schemeClr val="tx1"/>
@@ -62,7 +62,7 @@
         <a:cs typeface="+mn-cs"/>
       </a:defRPr>
     </a:lvl4pPr>
-    <a:lvl5pPr algn="l" defTabSz="457200" eaLnBrk="1" hangingPunct="1" latinLnBrk="0" marL="1828800" rtl="0">
+    <a:lvl5pPr algn="l" defTabSz="914400" eaLnBrk="1" hangingPunct="1" latinLnBrk="0" marL="1828800" rtl="0">
       <a:defRPr kern="1200" sz="1800">
         <a:solidFill>
           <a:schemeClr val="tx1"/>
@@ -72,7 +72,7 @@
         <a:cs typeface="+mn-cs"/>
       </a:defRPr>
     </a:lvl5pPr>
-    <a:lvl6pPr algn="l" defTabSz="457200" eaLnBrk="1" hangingPunct="1" latinLnBrk="0" marL="2286000" rtl="0">
+    <a:lvl6pPr algn="l" defTabSz="914400" eaLnBrk="1" hangingPunct="1" latinLnBrk="0" marL="2286000" rtl="0">
       <a:defRPr kern="1200" sz="1800">
         <a:solidFill>
           <a:schemeClr val="tx1"/>
@@ -82,7 +82,7 @@
         <a:cs typeface="+mn-cs"/>
       </a:defRPr>
     </a:lvl6pPr>
-    <a:lvl7pPr algn="l" defTabSz="457200" eaLnBrk="1" hangingPunct="1" latinLnBrk="0" marL="2743200" rtl="0">
+    <a:lvl7pPr algn="l" defTabSz="914400" eaLnBrk="1" hangingPunct="1" latinLnBrk="0" marL="2743200" rtl="0">
       <a:defRPr kern="1200" sz="1800">
         <a:solidFill>
           <a:schemeClr val="tx1"/>
@@ -92,7 +92,7 @@
         <a:cs typeface="+mn-cs"/>
       </a:defRPr>
     </a:lvl7pPr>
-    <a:lvl8pPr algn="l" defTabSz="457200" eaLnBrk="1" hangingPunct="1" latinLnBrk="0" marL="3200400" rtl="0">
+    <a:lvl8pPr algn="l" defTabSz="914400" eaLnBrk="1" hangingPunct="1" latinLnBrk="0" marL="3200400" rtl="0">
       <a:defRPr kern="1200" sz="1800">
         <a:solidFill>
           <a:schemeClr val="tx1"/>
@@ -102,7 +102,7 @@
         <a:cs typeface="+mn-cs"/>
       </a:defRPr>
     </a:lvl8pPr>
-    <a:lvl9pPr algn="l" defTabSz="457200" eaLnBrk="1" hangingPunct="1" latinLnBrk="0" marL="3657600" rtl="0">
+    <a:lvl9pPr algn="l" defTabSz="914400" eaLnBrk="1" hangingPunct="1" latinLnBrk="0" marL="3657600" rtl="0">
       <a:defRPr kern="1200" sz="1800">
         <a:solidFill>
           <a:schemeClr val="tx1"/>
@@ -115,21 +115,7 @@
   </p:defaultTextStyle>
   <p:extLst>
     <p:ext uri="{EFAFB233-063F-42B5-8137-9DF3F51BA10A}">
-      <p15:sldGuideLst xmlns:p15="http://schemas.microsoft.com/office/powerpoint/2012/main">
-        <p15:guide id="1" orient="horz" pos="1620" userDrawn="1">
-          <p15:clr>
-            <a:srgbClr val="A4A3A4"/>
-          </p15:clr>
-        </p15:guide>
-        <p15:guide id="2" pos="2880" userDrawn="1">
-          <p15:clr>
-            <a:srgbClr val="A4A3A4"/>
-          </p15:clr>
-        </p15:guide>
-      </p15:sldGuideLst>
-    </p:ext>
-    <p:ext uri="{2D200454-40CA-4A62-9FC3-DE9A4176ACB9}">
-      <p15:notesGuideLst xmlns:p15="http://schemas.microsoft.com/office/powerpoint/2012/main"/>
+      <p15:sldGuideLst xmlns:p15="http://schemas.microsoft.com/office/powerpoint/2012/main"/>
     </p:ext>
   </p:extLst>
 </p:presentation>
@@ -152,165 +138,12 @@
           <a:chExt cx="0" cy="0"/>
         </a:xfrm>
       </p:grpSpPr>
-      <p:sp>
-        <p:nvSpPr>
-          <p:cNvPr id="2" name="Title 1"/>
-          <p:cNvSpPr>
-            <a:spLocks noGrp="1"/>
-          </p:cNvSpPr>
-          <p:nvPr>
-            <p:ph type="ctrTitle"/>
-          </p:nvPr>
-        </p:nvSpPr>
-        <p:spPr>
-          <a:xfrm>
-            <a:off x="685799" y="1234763"/>
-            <a:ext cx="7772400" cy="819151"/>
-          </a:xfrm>
-        </p:spPr>
-        <p:txBody>
-          <a:bodyPr>
-            <a:normAutofit/>
-          </a:bodyPr>
-          <a:lstStyle>
-            <a:lvl1pPr>
-              <a:defRPr sz="4400"/>
-            </a:lvl1pPr>
-          </a:lstStyle>
-          <a:p>
-            <a:r>
-              <a:rPr lang="en-US" dirty="0"/>
-              <a:t>Click to edit Master title style</a:t>
-            </a:r>
-          </a:p>
-        </p:txBody>
-      </p:sp>
-      <p:sp>
-        <p:nvSpPr>
-          <p:cNvPr id="3" name="Subtitle 2"/>
-          <p:cNvSpPr>
-            <a:spLocks noGrp="1"/>
-          </p:cNvSpPr>
-          <p:nvPr>
-            <p:ph type="subTitle" idx="1"/>
-          </p:nvPr>
-        </p:nvSpPr>
-        <p:spPr>
-          <a:xfrm>
-            <a:off x="1371600" y="1404872"/>
-            <a:ext cx="6400800" cy="478932"/>
-          </a:xfrm>
-        </p:spPr>
-        <p:txBody>
-          <a:bodyPr>
-            <a:noAutofit/>
-          </a:bodyPr>
-          <a:lstStyle>
-            <a:lvl1pPr marL="0" indent="0" algn="ctr">
-              <a:buNone/>
-              <a:defRPr sz="2600">
-                <a:solidFill>
-                  <a:schemeClr val="tx1">
-                    <a:tint val="75000"/>
-                  </a:schemeClr>
-                </a:solidFill>
-              </a:defRPr>
-            </a:lvl1pPr>
-            <a:lvl2pPr marL="342900" indent="0" algn="ctr">
-              <a:buNone/>
-              <a:defRPr>
-                <a:solidFill>
-                  <a:schemeClr val="tx1">
-                    <a:tint val="75000"/>
-                  </a:schemeClr>
-                </a:solidFill>
-              </a:defRPr>
-            </a:lvl2pPr>
-            <a:lvl3pPr marL="685800" indent="0" algn="ctr">
-              <a:buNone/>
-              <a:defRPr>
-                <a:solidFill>
-                  <a:schemeClr val="tx1">
-                    <a:tint val="75000"/>
-                  </a:schemeClr>
-                </a:solidFill>
-              </a:defRPr>
-            </a:lvl3pPr>
-            <a:lvl4pPr marL="1028700" indent="0" algn="ctr">
-              <a:buNone/>
-              <a:defRPr>
-                <a:solidFill>
-                  <a:schemeClr val="tx1">
-                    <a:tint val="75000"/>
-                  </a:schemeClr>
-                </a:solidFill>
-              </a:defRPr>
-            </a:lvl4pPr>
-            <a:lvl5pPr marL="1371600" indent="0" algn="ctr">
-              <a:buNone/>
-              <a:defRPr>
-                <a:solidFill>
-                  <a:schemeClr val="tx1">
-                    <a:tint val="75000"/>
-                  </a:schemeClr>
-                </a:solidFill>
-              </a:defRPr>
-            </a:lvl5pPr>
-            <a:lvl6pPr marL="1714500" indent="0" algn="ctr">
-              <a:buNone/>
-              <a:defRPr>
-                <a:solidFill>
-                  <a:schemeClr val="tx1">
-                    <a:tint val="75000"/>
-                  </a:schemeClr>
-                </a:solidFill>
-              </a:defRPr>
-            </a:lvl6pPr>
-            <a:lvl7pPr marL="2057400" indent="0" algn="ctr">
-              <a:buNone/>
-              <a:defRPr>
-                <a:solidFill>
-                  <a:schemeClr val="tx1">
-                    <a:tint val="75000"/>
-                  </a:schemeClr>
-                </a:solidFill>
-              </a:defRPr>
-            </a:lvl7pPr>
-            <a:lvl8pPr marL="2400300" indent="0" algn="ctr">
-              <a:buNone/>
-              <a:defRPr>
-                <a:solidFill>
-                  <a:schemeClr val="tx1">
-                    <a:tint val="75000"/>
-                  </a:schemeClr>
-                </a:solidFill>
-              </a:defRPr>
-            </a:lvl8pPr>
-            <a:lvl9pPr marL="2743200" indent="0" algn="ctr">
-              <a:buNone/>
-              <a:defRPr>
-                <a:solidFill>
-                  <a:schemeClr val="tx1">
-                    <a:tint val="75000"/>
-                  </a:schemeClr>
-                </a:solidFill>
-              </a:defRPr>
-            </a:lvl9pPr>
-          </a:lstStyle>
-          <a:p>
-            <a:r>
-              <a:rPr lang="en-US" dirty="0"/>
-              <a:t>Click to edit Master subtitle style</a:t>
-            </a:r>
-          </a:p>
-        </p:txBody>
-      </p:sp>
       <p:pic>
         <p:nvPicPr>
-          <p:cNvPr id="8" name="Graphic 7">
+          <p:cNvPr id="10" name="Picture 9" descr="A field of green grass&#10;&#10;Description automatically generated">
             <a:extLst>
               <a:ext uri="{FF2B5EF4-FFF2-40B4-BE49-F238E27FC236}">
-                <a16:creationId xmlns:a16="http://schemas.microsoft.com/office/drawing/2014/main" id="{A9CDAFC7-FEB8-2492-D81C-76A52EAAC782}"/>
+                <a16:creationId xmlns:a16="http://schemas.microsoft.com/office/drawing/2014/main" id="{67DEEFD8-A26F-0552-6E75-D0EB6FF334A5}"/>
               </a:ext>
             </a:extLst>
           </p:cNvPr>
@@ -322,8 +155,8 @@
         <p:blipFill>
           <a:blip r:embed="rId2">
             <a:extLst>
-              <a:ext uri="{96DAC541-7B7A-43D3-8B79-37D633B846F1}">
-                <asvg:svgBlip xmlns:asvg="http://schemas.microsoft.com/office/drawing/2016/SVG/main" r:embed="rId3"/>
+              <a:ext uri="{28A0092B-C50C-407E-A947-70E740481C1C}">
+                <a14:useLocalDpi xmlns:a14="http://schemas.microsoft.com/office/drawing/2010/main" val="0"/>
               </a:ext>
             </a:extLst>
           </a:blip>
@@ -333,99 +166,374 @@
         </p:blipFill>
         <p:spPr>
           <a:xfrm>
-            <a:off x="3709987" y="160986"/>
-            <a:ext cx="1724025" cy="819150"/>
+            <a:off x="0" y="3972988"/>
+            <a:ext cx="12192000" cy="1807397"/>
           </a:xfrm>
           <a:prstGeom prst="rect">
             <a:avLst/>
           </a:prstGeom>
         </p:spPr>
       </p:pic>
-      <p:grpSp>
-        <p:nvGrpSpPr>
-          <p:cNvPr id="4" name="Group 3">
+      <p:pic>
+        <p:nvPicPr>
+          <p:cNvPr id="12" name="Picture 11">
             <a:extLst>
               <a:ext uri="{FF2B5EF4-FFF2-40B4-BE49-F238E27FC236}">
-                <a16:creationId xmlns:a16="http://schemas.microsoft.com/office/drawing/2014/main" id="{E040FFE2-1F49-CFD4-35D5-0676EF053EE9}"/>
+                <a16:creationId xmlns:a16="http://schemas.microsoft.com/office/drawing/2014/main" id="{1887C5C5-483C-D40F-BDF0-ACB78D9FC9E8}"/>
               </a:ext>
             </a:extLst>
           </p:cNvPr>
-          <p:cNvGrpSpPr/>
+          <p:cNvPicPr>
+            <a:picLocks noChangeAspect="1"/>
+          </p:cNvPicPr>
           <p:nvPr userDrawn="1"/>
-        </p:nvGrpSpPr>
-        <p:grpSpPr>
+        </p:nvPicPr>
+        <p:blipFill>
+          <a:blip r:embed="rId3">
+            <a:extLst>
+              <a:ext uri="{28A0092B-C50C-407E-A947-70E740481C1C}">
+                <a14:useLocalDpi xmlns:a14="http://schemas.microsoft.com/office/drawing/2010/main" val="0"/>
+              </a:ext>
+            </a:extLst>
+          </a:blip>
+          <a:stretch>
+            <a:fillRect/>
+          </a:stretch>
+        </p:blipFill>
+        <p:spPr>
           <a:xfrm>
-            <a:off x="0" y="3065843"/>
-            <a:ext cx="9144000" cy="1943716"/>
-            <a:chOff x="0" y="3065843"/>
-            <a:chExt cx="9144000" cy="1943716"/>
+            <a:off x="0" y="5807075"/>
+            <a:ext cx="12192000" cy="784225"/>
           </a:xfrm>
-        </p:grpSpPr>
-        <p:pic>
-          <p:nvPicPr>
-            <p:cNvPr id="10" name="Picture 9" descr="A field of green grass&#10;&#10;Description automatically generated">
-              <a:extLst>
-                <a:ext uri="{FF2B5EF4-FFF2-40B4-BE49-F238E27FC236}">
-                  <a16:creationId xmlns:a16="http://schemas.microsoft.com/office/drawing/2014/main" id="{3E2CD667-FEAD-9552-24D6-4B4F45093CE5}"/>
-                </a:ext>
-              </a:extLst>
-            </p:cNvPr>
-            <p:cNvPicPr>
-              <a:picLocks noChangeAspect="1"/>
-            </p:cNvPicPr>
-            <p:nvPr userDrawn="1"/>
-          </p:nvPicPr>
-          <p:blipFill>
-            <a:blip r:embed="rId4"/>
-            <a:stretch>
-              <a:fillRect/>
-            </a:stretch>
-          </p:blipFill>
-          <p:spPr>
-            <a:xfrm>
-              <a:off x="0" y="3065843"/>
-              <a:ext cx="9144000" cy="1355547"/>
-            </a:xfrm>
-            <a:prstGeom prst="rect">
-              <a:avLst/>
-            </a:prstGeom>
-          </p:spPr>
-        </p:pic>
-        <p:pic>
-          <p:nvPicPr>
-            <p:cNvPr id="12" name="Picture 11">
-              <a:extLst>
-                <a:ext uri="{FF2B5EF4-FFF2-40B4-BE49-F238E27FC236}">
-                  <a16:creationId xmlns:a16="http://schemas.microsoft.com/office/drawing/2014/main" id="{A3E822F0-F8B6-4566-CA49-2425D5752B22}"/>
-                </a:ext>
-              </a:extLst>
-            </p:cNvPr>
-            <p:cNvPicPr>
-              <a:picLocks noChangeAspect="1"/>
-            </p:cNvPicPr>
-            <p:nvPr userDrawn="1"/>
-          </p:nvPicPr>
-          <p:blipFill>
-            <a:blip r:embed="rId5"/>
-            <a:stretch>
-              <a:fillRect/>
-            </a:stretch>
-          </p:blipFill>
-          <p:spPr>
-            <a:xfrm>
-              <a:off x="0" y="4421390"/>
-              <a:ext cx="9144000" cy="588169"/>
-            </a:xfrm>
-            <a:prstGeom prst="rect">
-              <a:avLst/>
-            </a:prstGeom>
-          </p:spPr>
-        </p:pic>
-      </p:grpSp>
+          <a:prstGeom prst="rect">
+            <a:avLst/>
+          </a:prstGeom>
+        </p:spPr>
+      </p:pic>
+      <p:sp>
+        <p:nvSpPr>
+          <p:cNvPr id="13" name="Rectangle 12">
+            <a:extLst>
+              <a:ext uri="{FF2B5EF4-FFF2-40B4-BE49-F238E27FC236}">
+                <a16:creationId xmlns:a16="http://schemas.microsoft.com/office/drawing/2014/main" id="{670E77EE-767E-8A55-D776-A103AA19663A}"/>
+              </a:ext>
+            </a:extLst>
+          </p:cNvPr>
+          <p:cNvSpPr/>
+          <p:nvPr userDrawn="1"/>
+        </p:nvSpPr>
+        <p:spPr>
+          <a:xfrm>
+            <a:off x="0" y="6629400"/>
+            <a:ext cx="12192000" cy="228600"/>
+          </a:xfrm>
+          <a:prstGeom prst="rect">
+            <a:avLst/>
+          </a:prstGeom>
+          <a:solidFill>
+            <a:srgbClr val="00808B"/>
+          </a:solidFill>
+          <a:ln>
+            <a:noFill/>
+          </a:ln>
+        </p:spPr>
+        <p:style>
+          <a:lnRef idx="2">
+            <a:schemeClr val="accent1">
+              <a:shade val="15000"/>
+            </a:schemeClr>
+          </a:lnRef>
+          <a:fillRef idx="1">
+            <a:schemeClr val="accent1"/>
+          </a:fillRef>
+          <a:effectRef idx="0">
+            <a:schemeClr val="accent1"/>
+          </a:effectRef>
+          <a:fontRef idx="minor">
+            <a:schemeClr val="lt1"/>
+          </a:fontRef>
+        </p:style>
+        <p:txBody>
+          <a:bodyPr rtlCol="0" anchor="ctr"/>
+          <a:lstStyle/>
+          <a:p>
+            <a:pPr algn="ctr"/>
+            <a:endParaRPr lang="en-AU"/>
+          </a:p>
+        </p:txBody>
+      </p:sp>
+      <p:pic>
+        <p:nvPicPr>
+          <p:cNvPr id="8" name="Picture 7" descr="A logo with text on it&#10;&#10;Description automatically generated">
+            <a:extLst>
+              <a:ext uri="{FF2B5EF4-FFF2-40B4-BE49-F238E27FC236}">
+                <a16:creationId xmlns:a16="http://schemas.microsoft.com/office/drawing/2014/main" id="{015EA684-83CA-628D-D588-008A8D93ED26}"/>
+              </a:ext>
+            </a:extLst>
+          </p:cNvPr>
+          <p:cNvPicPr>
+            <a:picLocks noChangeAspect="1"/>
+          </p:cNvPicPr>
+          <p:nvPr userDrawn="1"/>
+        </p:nvPicPr>
+        <p:blipFill>
+          <a:blip r:embed="rId4">
+            <a:extLst>
+              <a:ext uri="{28A0092B-C50C-407E-A947-70E740481C1C}">
+                <a14:useLocalDpi xmlns:a14="http://schemas.microsoft.com/office/drawing/2010/main" val="0"/>
+              </a:ext>
+            </a:extLst>
+          </a:blip>
+          <a:stretch>
+            <a:fillRect/>
+          </a:stretch>
+        </p:blipFill>
+        <p:spPr>
+          <a:xfrm>
+            <a:off x="4946901" y="366914"/>
+            <a:ext cx="2298197" cy="1097282"/>
+          </a:xfrm>
+          <a:prstGeom prst="rect">
+            <a:avLst/>
+          </a:prstGeom>
+        </p:spPr>
+      </p:pic>
+      <p:sp>
+        <p:nvSpPr>
+          <p:cNvPr id="4" name="Date Placeholder 3">
+            <a:extLst>
+              <a:ext uri="{FF2B5EF4-FFF2-40B4-BE49-F238E27FC236}">
+                <a16:creationId xmlns:a16="http://schemas.microsoft.com/office/drawing/2014/main" id="{54643924-913F-FDD7-9FF0-43B3A7DBE6A3}"/>
+              </a:ext>
+            </a:extLst>
+          </p:cNvPr>
+          <p:cNvSpPr>
+            <a:spLocks noGrp="1"/>
+          </p:cNvSpPr>
+          <p:nvPr>
+            <p:ph type="dt" sz="half" idx="10"/>
+          </p:nvPr>
+        </p:nvSpPr>
+        <p:spPr>
+          <a:xfrm>
+            <a:off x="0" y="6629400"/>
+            <a:ext cx="2743200" cy="228600"/>
+          </a:xfrm>
+        </p:spPr>
+        <p:txBody>
+          <a:bodyPr/>
+          <a:lstStyle>
+            <a:lvl1pPr>
+              <a:defRPr>
+                <a:solidFill>
+                  <a:schemeClr val="bg1"/>
+                </a:solidFill>
+              </a:defRPr>
+            </a:lvl1pPr>
+          </a:lstStyle>
+          <a:p>
+            <a:endParaRPr lang="en-AU" dirty="0"/>
+          </a:p>
+        </p:txBody>
+      </p:sp>
+      <p:sp>
+        <p:nvSpPr>
+          <p:cNvPr id="5" name="Footer Placeholder 4">
+            <a:extLst>
+              <a:ext uri="{FF2B5EF4-FFF2-40B4-BE49-F238E27FC236}">
+                <a16:creationId xmlns:a16="http://schemas.microsoft.com/office/drawing/2014/main" id="{DF1AD0EA-A977-8A4F-2F2A-A50F6BF663F6}"/>
+              </a:ext>
+            </a:extLst>
+          </p:cNvPr>
+          <p:cNvSpPr>
+            <a:spLocks noGrp="1"/>
+          </p:cNvSpPr>
+          <p:nvPr>
+            <p:ph type="ftr" sz="quarter" idx="11"/>
+          </p:nvPr>
+        </p:nvSpPr>
+        <p:spPr>
+          <a:xfrm>
+            <a:off x="4038600" y="6629400"/>
+            <a:ext cx="4114800" cy="228600"/>
+          </a:xfrm>
+        </p:spPr>
+        <p:txBody>
+          <a:bodyPr/>
+          <a:lstStyle>
+            <a:lvl1pPr>
+              <a:defRPr>
+                <a:solidFill>
+                  <a:schemeClr val="bg1"/>
+                </a:solidFill>
+              </a:defRPr>
+            </a:lvl1pPr>
+          </a:lstStyle>
+          <a:p>
+            <a:endParaRPr lang="en-AU" dirty="0"/>
+          </a:p>
+        </p:txBody>
+      </p:sp>
+      <p:sp>
+        <p:nvSpPr>
+          <p:cNvPr id="6" name="Slide Number Placeholder 5">
+            <a:extLst>
+              <a:ext uri="{FF2B5EF4-FFF2-40B4-BE49-F238E27FC236}">
+                <a16:creationId xmlns:a16="http://schemas.microsoft.com/office/drawing/2014/main" id="{DC1215AE-C556-9EB7-0D5C-DF70CB8A1D0E}"/>
+              </a:ext>
+            </a:extLst>
+          </p:cNvPr>
+          <p:cNvSpPr>
+            <a:spLocks noGrp="1"/>
+          </p:cNvSpPr>
+          <p:nvPr>
+            <p:ph type="sldNum" sz="quarter" idx="12"/>
+          </p:nvPr>
+        </p:nvSpPr>
+        <p:spPr>
+          <a:xfrm>
+            <a:off x="9448800" y="6629400"/>
+            <a:ext cx="2743200" cy="228600"/>
+          </a:xfrm>
+        </p:spPr>
+        <p:txBody>
+          <a:bodyPr/>
+          <a:lstStyle>
+            <a:lvl1pPr>
+              <a:defRPr>
+                <a:solidFill>
+                  <a:schemeClr val="bg1"/>
+                </a:solidFill>
+              </a:defRPr>
+            </a:lvl1pPr>
+          </a:lstStyle>
+          <a:p>
+            <a:fld id="{D8E684C7-7750-4CD9-985D-E80E6D7E3A96}" type="slidenum">
+              <a:rPr lang="en-AU" smtClean="0"/>
+              <a:pPr/>
+              <a:t>‹#›</a:t>
+            </a:fld>
+            <a:endParaRPr lang="en-AU" dirty="0"/>
+          </a:p>
+        </p:txBody>
+      </p:sp>
+      <p:sp>
+        <p:nvSpPr>
+          <p:cNvPr id="2" name="Title 1">
+            <a:extLst>
+              <a:ext uri="{FF2B5EF4-FFF2-40B4-BE49-F238E27FC236}">
+                <a16:creationId xmlns:a16="http://schemas.microsoft.com/office/drawing/2014/main" id="{F3D5F800-A766-84B3-EE1A-4EB9243A9F8C}"/>
+              </a:ext>
+            </a:extLst>
+          </p:cNvPr>
+          <p:cNvSpPr>
+            <a:spLocks noGrp="1"/>
+          </p:cNvSpPr>
+          <p:nvPr>
+            <p:ph type="ctrTitle"/>
+          </p:nvPr>
+        </p:nvSpPr>
+        <p:spPr>
+          <a:xfrm>
+            <a:off x="838200" y="2077879"/>
+            <a:ext cx="10515600" cy="791701"/>
+          </a:xfrm>
+        </p:spPr>
+        <p:txBody>
+          <a:bodyPr anchor="b">
+            <a:normAutofit/>
+          </a:bodyPr>
+          <a:lstStyle>
+            <a:lvl1pPr algn="ctr">
+              <a:defRPr sz="4400"/>
+            </a:lvl1pPr>
+          </a:lstStyle>
+          <a:p>
+            <a:r>
+              <a:rPr lang="en-US"/>
+              <a:t>Click to edit Master title style</a:t>
+            </a:r>
+            <a:endParaRPr lang="en-AU" dirty="0"/>
+          </a:p>
+        </p:txBody>
+      </p:sp>
+      <p:sp>
+        <p:nvSpPr>
+          <p:cNvPr id="3" name="Subtitle 2">
+            <a:extLst>
+              <a:ext uri="{FF2B5EF4-FFF2-40B4-BE49-F238E27FC236}">
+                <a16:creationId xmlns:a16="http://schemas.microsoft.com/office/drawing/2014/main" id="{55199397-2104-6355-A974-0FA3299F642A}"/>
+              </a:ext>
+            </a:extLst>
+          </p:cNvPr>
+          <p:cNvSpPr>
+            <a:spLocks noGrp="1"/>
+          </p:cNvSpPr>
+          <p:nvPr>
+            <p:ph type="subTitle" idx="1"/>
+          </p:nvPr>
+        </p:nvSpPr>
+        <p:spPr>
+          <a:xfrm>
+            <a:off x="838200" y="3036612"/>
+            <a:ext cx="10515600" cy="395851"/>
+          </a:xfrm>
+        </p:spPr>
+        <p:txBody>
+          <a:bodyPr>
+            <a:noAutofit/>
+          </a:bodyPr>
+          <a:lstStyle>
+            <a:lvl1pPr marL="0" indent="0" algn="ctr">
+              <a:buNone/>
+              <a:defRPr sz="2200"/>
+            </a:lvl1pPr>
+            <a:lvl2pPr marL="457200" indent="0" algn="ctr">
+              <a:buNone/>
+              <a:defRPr sz="2000"/>
+            </a:lvl2pPr>
+            <a:lvl3pPr marL="914400" indent="0" algn="ctr">
+              <a:buNone/>
+              <a:defRPr sz="1800"/>
+            </a:lvl3pPr>
+            <a:lvl4pPr marL="1371600" indent="0" algn="ctr">
+              <a:buNone/>
+              <a:defRPr sz="1600"/>
+            </a:lvl4pPr>
+            <a:lvl5pPr marL="1828800" indent="0" algn="ctr">
+              <a:buNone/>
+              <a:defRPr sz="1600"/>
+            </a:lvl5pPr>
+            <a:lvl6pPr marL="2286000" indent="0" algn="ctr">
+              <a:buNone/>
+              <a:defRPr sz="1600"/>
+            </a:lvl6pPr>
+            <a:lvl7pPr marL="2743200" indent="0" algn="ctr">
+              <a:buNone/>
+              <a:defRPr sz="1600"/>
+            </a:lvl7pPr>
+            <a:lvl8pPr marL="3200400" indent="0" algn="ctr">
+              <a:buNone/>
+              <a:defRPr sz="1600"/>
+            </a:lvl8pPr>
+            <a:lvl9pPr marL="3657600" indent="0" algn="ctr">
+              <a:buNone/>
+              <a:defRPr sz="1600"/>
+            </a:lvl9pPr>
+          </a:lstStyle>
+          <a:p>
+            <a:r>
+              <a:rPr lang="en-US"/>
+              <a:t>Click to edit Master subtitle style</a:t>
+            </a:r>
+            <a:endParaRPr lang="en-AU" dirty="0"/>
+          </a:p>
+        </p:txBody>
+      </p:sp>
     </p:spTree>
     <p:extLst>
       <p:ext uri="{BB962C8B-B14F-4D97-AF65-F5344CB8AC3E}">
-        <p14:creationId xmlns:p14="http://schemas.microsoft.com/office/powerpoint/2010/main" val="1444357513"/>
+        <p14:creationId xmlns:p14="http://schemas.microsoft.com/office/powerpoint/2010/main" val="453083621"/>
       </p:ext>
     </p:extLst>
   </p:cSld>
@@ -525,42 +633,71 @@
           </a:p>
         </p:txBody>
       </p:sp>
-      <p:pic>
-        <p:nvPicPr>
-          <p:cNvPr id="7" name="Graphic 6">
-            <a:extLst>
-              <a:ext uri="{FF2B5EF4-FFF2-40B4-BE49-F238E27FC236}">
-                <a16:creationId xmlns:a16="http://schemas.microsoft.com/office/drawing/2014/main" id="{BA545FEA-8B39-6D37-E1AD-B563A4CF245A}"/>
-              </a:ext>
-            </a:extLst>
-          </p:cNvPr>
-          <p:cNvPicPr>
-            <a:picLocks noChangeAspect="1"/>
-          </p:cNvPicPr>
-          <p:nvPr userDrawn="1"/>
-        </p:nvPicPr>
-        <p:blipFill>
-          <a:blip r:embed="rId2">
-            <a:extLst>
-              <a:ext uri="{96DAC541-7B7A-43D3-8B79-37D633B846F1}">
-                <asvg:svgBlip xmlns:asvg="http://schemas.microsoft.com/office/drawing/2016/SVG/main" r:embed="rId3"/>
-              </a:ext>
-            </a:extLst>
-          </a:blip>
-          <a:stretch>
-            <a:fillRect/>
-          </a:stretch>
-        </p:blipFill>
-        <p:spPr>
-          <a:xfrm>
-            <a:off x="7959975" y="121455"/>
-            <a:ext cx="1080000" cy="513149"/>
-          </a:xfrm>
-          <a:prstGeom prst="rect">
-            <a:avLst/>
-          </a:prstGeom>
-        </p:spPr>
-      </p:pic>
+      <p:sp>
+        <p:nvSpPr>
+          <p:cNvPr id="4" name="Date Placeholder 3"/>
+          <p:cNvSpPr>
+            <a:spLocks noGrp="1"/>
+          </p:cNvSpPr>
+          <p:nvPr>
+            <p:ph type="dt" sz="half" idx="10"/>
+          </p:nvPr>
+        </p:nvSpPr>
+        <p:spPr/>
+        <p:txBody>
+          <a:bodyPr/>
+          <a:lstStyle/>
+          <a:p>
+            <a:fld id="{241EB5C9-1307-BA42-ABA2-0BC069CD8E7F}" type="datetimeFigureOut">
+              <a:rPr lang="en-US" smtClean="0"/>
+              <a:t>1/2/22</a:t>
+            </a:fld>
+            <a:endParaRPr lang="en-US"/>
+          </a:p>
+        </p:txBody>
+      </p:sp>
+      <p:sp>
+        <p:nvSpPr>
+          <p:cNvPr id="5" name="Footer Placeholder 4"/>
+          <p:cNvSpPr>
+            <a:spLocks noGrp="1"/>
+          </p:cNvSpPr>
+          <p:nvPr>
+            <p:ph type="ftr" sz="quarter" idx="11"/>
+          </p:nvPr>
+        </p:nvSpPr>
+        <p:spPr/>
+        <p:txBody>
+          <a:bodyPr/>
+          <a:lstStyle/>
+          <a:p>
+            <a:endParaRPr lang="en-US"/>
+          </a:p>
+        </p:txBody>
+      </p:sp>
+      <p:sp>
+        <p:nvSpPr>
+          <p:cNvPr id="6" name="Slide Number Placeholder 5"/>
+          <p:cNvSpPr>
+            <a:spLocks noGrp="1"/>
+          </p:cNvSpPr>
+          <p:nvPr>
+            <p:ph type="sldNum" sz="quarter" idx="12"/>
+          </p:nvPr>
+        </p:nvSpPr>
+        <p:spPr/>
+        <p:txBody>
+          <a:bodyPr/>
+          <a:lstStyle/>
+          <a:p>
+            <a:fld id="{C5EF2332-01BF-834F-8236-50238282D533}" type="slidenum">
+              <a:rPr lang="en-US" smtClean="0"/>
+              <a:t>‹#›</a:t>
+            </a:fld>
+            <a:endParaRPr lang="en-US"/>
+          </a:p>
+        </p:txBody>
+      </p:sp>
     </p:spTree>
     <p:extLst>
       <p:ext uri="{BB962C8B-B14F-4D97-AF65-F5344CB8AC3E}">
@@ -674,42 +811,71 @@
           </a:p>
         </p:txBody>
       </p:sp>
-      <p:pic>
-        <p:nvPicPr>
-          <p:cNvPr id="7" name="Graphic 6">
-            <a:extLst>
-              <a:ext uri="{FF2B5EF4-FFF2-40B4-BE49-F238E27FC236}">
-                <a16:creationId xmlns:a16="http://schemas.microsoft.com/office/drawing/2014/main" id="{D451F791-AB1D-1F04-F53B-61966DFB4AD1}"/>
-              </a:ext>
-            </a:extLst>
-          </p:cNvPr>
-          <p:cNvPicPr>
-            <a:picLocks noChangeAspect="1"/>
-          </p:cNvPicPr>
-          <p:nvPr userDrawn="1"/>
-        </p:nvPicPr>
-        <p:blipFill>
-          <a:blip r:embed="rId2">
-            <a:extLst>
-              <a:ext uri="{96DAC541-7B7A-43D3-8B79-37D633B846F1}">
-                <asvg:svgBlip xmlns:asvg="http://schemas.microsoft.com/office/drawing/2016/SVG/main" r:embed="rId3"/>
-              </a:ext>
-            </a:extLst>
-          </a:blip>
-          <a:stretch>
-            <a:fillRect/>
-          </a:stretch>
-        </p:blipFill>
-        <p:spPr>
-          <a:xfrm rot="5400000">
-            <a:off x="8146799" y="356697"/>
-            <a:ext cx="1080000" cy="513149"/>
-          </a:xfrm>
-          <a:prstGeom prst="rect">
-            <a:avLst/>
-          </a:prstGeom>
-        </p:spPr>
-      </p:pic>
+      <p:sp>
+        <p:nvSpPr>
+          <p:cNvPr id="4" name="Date Placeholder 3"/>
+          <p:cNvSpPr>
+            <a:spLocks noGrp="1"/>
+          </p:cNvSpPr>
+          <p:nvPr>
+            <p:ph type="dt" sz="half" idx="10"/>
+          </p:nvPr>
+        </p:nvSpPr>
+        <p:spPr/>
+        <p:txBody>
+          <a:bodyPr/>
+          <a:lstStyle/>
+          <a:p>
+            <a:fld id="{241EB5C9-1307-BA42-ABA2-0BC069CD8E7F}" type="datetimeFigureOut">
+              <a:rPr lang="en-US" smtClean="0"/>
+              <a:t>1/2/22</a:t>
+            </a:fld>
+            <a:endParaRPr lang="en-US"/>
+          </a:p>
+        </p:txBody>
+      </p:sp>
+      <p:sp>
+        <p:nvSpPr>
+          <p:cNvPr id="5" name="Footer Placeholder 4"/>
+          <p:cNvSpPr>
+            <a:spLocks noGrp="1"/>
+          </p:cNvSpPr>
+          <p:nvPr>
+            <p:ph type="ftr" sz="quarter" idx="11"/>
+          </p:nvPr>
+        </p:nvSpPr>
+        <p:spPr/>
+        <p:txBody>
+          <a:bodyPr/>
+          <a:lstStyle/>
+          <a:p>
+            <a:endParaRPr lang="en-US"/>
+          </a:p>
+        </p:txBody>
+      </p:sp>
+      <p:sp>
+        <p:nvSpPr>
+          <p:cNvPr id="6" name="Slide Number Placeholder 5"/>
+          <p:cNvSpPr>
+            <a:spLocks noGrp="1"/>
+          </p:cNvSpPr>
+          <p:nvPr>
+            <p:ph type="sldNum" sz="quarter" idx="12"/>
+          </p:nvPr>
+        </p:nvSpPr>
+        <p:spPr/>
+        <p:txBody>
+          <a:bodyPr/>
+          <a:lstStyle/>
+          <a:p>
+            <a:fld id="{C5EF2332-01BF-834F-8236-50238282D533}" type="slidenum">
+              <a:rPr lang="en-US" smtClean="0"/>
+              <a:t>‹#›</a:t>
+            </a:fld>
+            <a:endParaRPr lang="en-US"/>
+          </a:p>
+        </p:txBody>
+      </p:sp>
     </p:spTree>
     <p:extLst>
       <p:ext uri="{BB962C8B-B14F-4D97-AF65-F5344CB8AC3E}">
@@ -740,121 +906,12 @@
           <a:chExt cx="0" cy="0"/>
         </a:xfrm>
       </p:grpSpPr>
-      <p:sp>
-        <p:nvSpPr>
-          <p:cNvPr id="2" name="Title 1"/>
-          <p:cNvSpPr>
-            <a:spLocks noGrp="1"/>
-          </p:cNvSpPr>
-          <p:nvPr>
-            <p:ph type="title"/>
-          </p:nvPr>
-        </p:nvSpPr>
-        <p:spPr/>
-        <p:txBody>
-          <a:bodyPr/>
-          <a:lstStyle/>
-          <a:p>
-            <a:r>
-              <a:rPr lang="en-US" dirty="0"/>
-              <a:t>Click to edit Master title style</a:t>
-            </a:r>
-          </a:p>
-        </p:txBody>
-      </p:sp>
-      <p:sp>
-        <p:nvSpPr>
-          <p:cNvPr id="3" name="Content Placeholder 2"/>
-          <p:cNvSpPr>
-            <a:spLocks noGrp="1"/>
-          </p:cNvSpPr>
-          <p:nvPr>
-            <p:ph idx="1"/>
-          </p:nvPr>
-        </p:nvSpPr>
-        <p:spPr/>
-        <p:txBody>
-          <a:bodyPr/>
-          <a:lstStyle>
-            <a:lvl1pPr>
-              <a:defRPr>
-                <a:solidFill>
-                  <a:srgbClr val="414042"/>
-                </a:solidFill>
-              </a:defRPr>
-            </a:lvl1pPr>
-            <a:lvl2pPr>
-              <a:defRPr>
-                <a:solidFill>
-                  <a:srgbClr val="414042"/>
-                </a:solidFill>
-              </a:defRPr>
-            </a:lvl2pPr>
-            <a:lvl3pPr>
-              <a:defRPr>
-                <a:solidFill>
-                  <a:srgbClr val="414042"/>
-                </a:solidFill>
-              </a:defRPr>
-            </a:lvl3pPr>
-            <a:lvl4pPr>
-              <a:defRPr>
-                <a:solidFill>
-                  <a:srgbClr val="414042"/>
-                </a:solidFill>
-              </a:defRPr>
-            </a:lvl4pPr>
-            <a:lvl5pPr>
-              <a:defRPr>
-                <a:solidFill>
-                  <a:srgbClr val="414042"/>
-                </a:solidFill>
-              </a:defRPr>
-            </a:lvl5pPr>
-          </a:lstStyle>
-          <a:p>
-            <a:pPr lvl="0"/>
-            <a:r>
-              <a:rPr lang="en-US" dirty="0"/>
-              <a:t>Click to edit Master text styles</a:t>
-            </a:r>
-          </a:p>
-          <a:p>
-            <a:pPr lvl="1"/>
-            <a:r>
-              <a:rPr lang="en-US" dirty="0"/>
-              <a:t>Second level</a:t>
-            </a:r>
-          </a:p>
-          <a:p>
-            <a:pPr lvl="2"/>
-            <a:r>
-              <a:rPr lang="en-US" dirty="0"/>
-              <a:t>Third level</a:t>
-            </a:r>
-          </a:p>
-          <a:p>
-            <a:pPr lvl="3"/>
-            <a:r>
-              <a:rPr lang="en-US" dirty="0"/>
-              <a:t>Fourth level</a:t>
-            </a:r>
-          </a:p>
-          <a:p>
-            <a:pPr lvl="4"/>
-            <a:r>
-              <a:rPr lang="en-US" dirty="0"/>
-              <a:t>Fifth level</a:t>
-            </a:r>
-          </a:p>
-        </p:txBody>
-      </p:sp>
       <p:pic>
         <p:nvPicPr>
-          <p:cNvPr id="8" name="Graphic 7">
+          <p:cNvPr id="16" name="Picture 15" descr="A logo with text on it&#10;&#10;Description automatically generated">
             <a:extLst>
               <a:ext uri="{FF2B5EF4-FFF2-40B4-BE49-F238E27FC236}">
-                <a16:creationId xmlns:a16="http://schemas.microsoft.com/office/drawing/2014/main" id="{A0F63513-01B6-7421-ED12-3A2D51F8C2A6}"/>
+                <a16:creationId xmlns:a16="http://schemas.microsoft.com/office/drawing/2014/main" id="{B733C679-43F2-33AC-661C-E0FC65300A1F}"/>
               </a:ext>
             </a:extLst>
           </p:cNvPr>
@@ -866,8 +923,8 @@
         <p:blipFill>
           <a:blip r:embed="rId2">
             <a:extLst>
-              <a:ext uri="{96DAC541-7B7A-43D3-8B79-37D633B846F1}">
-                <asvg:svgBlip xmlns:asvg="http://schemas.microsoft.com/office/drawing/2016/SVG/main" r:embed="rId3"/>
+              <a:ext uri="{28A0092B-C50C-407E-A947-70E740481C1C}">
+                <a14:useLocalDpi xmlns:a14="http://schemas.microsoft.com/office/drawing/2010/main" val="0"/>
               </a:ext>
             </a:extLst>
           </a:blip>
@@ -877,18 +934,312 @@
         </p:blipFill>
         <p:spPr>
           <a:xfrm>
-            <a:off x="7959975" y="121455"/>
-            <a:ext cx="1080000" cy="513149"/>
+            <a:off x="10191750" y="168275"/>
+            <a:ext cx="1768474" cy="844364"/>
           </a:xfrm>
           <a:prstGeom prst="rect">
             <a:avLst/>
           </a:prstGeom>
         </p:spPr>
       </p:pic>
+      <p:sp>
+        <p:nvSpPr>
+          <p:cNvPr id="10" name="Rectangle 9">
+            <a:extLst>
+              <a:ext uri="{FF2B5EF4-FFF2-40B4-BE49-F238E27FC236}">
+                <a16:creationId xmlns:a16="http://schemas.microsoft.com/office/drawing/2014/main" id="{94753271-AED9-02D0-0BBD-A75CEC9DC94C}"/>
+              </a:ext>
+            </a:extLst>
+          </p:cNvPr>
+          <p:cNvSpPr/>
+          <p:nvPr userDrawn="1"/>
+        </p:nvSpPr>
+        <p:spPr>
+          <a:xfrm>
+            <a:off x="0" y="6629400"/>
+            <a:ext cx="12192000" cy="228600"/>
+          </a:xfrm>
+          <a:prstGeom prst="rect">
+            <a:avLst/>
+          </a:prstGeom>
+          <a:solidFill>
+            <a:srgbClr val="00808B"/>
+          </a:solidFill>
+          <a:ln>
+            <a:noFill/>
+          </a:ln>
+        </p:spPr>
+        <p:style>
+          <a:lnRef idx="2">
+            <a:schemeClr val="accent1">
+              <a:shade val="15000"/>
+            </a:schemeClr>
+          </a:lnRef>
+          <a:fillRef idx="1">
+            <a:schemeClr val="accent1"/>
+          </a:fillRef>
+          <a:effectRef idx="0">
+            <a:schemeClr val="accent1"/>
+          </a:effectRef>
+          <a:fontRef idx="minor">
+            <a:schemeClr val="lt1"/>
+          </a:fontRef>
+        </p:style>
+        <p:txBody>
+          <a:bodyPr rtlCol="0" anchor="ctr"/>
+          <a:lstStyle/>
+          <a:p>
+            <a:pPr algn="ctr"/>
+            <a:endParaRPr lang="en-AU"/>
+          </a:p>
+        </p:txBody>
+      </p:sp>
+      <p:sp>
+        <p:nvSpPr>
+          <p:cNvPr id="11" name="Date Placeholder 3">
+            <a:extLst>
+              <a:ext uri="{FF2B5EF4-FFF2-40B4-BE49-F238E27FC236}">
+                <a16:creationId xmlns:a16="http://schemas.microsoft.com/office/drawing/2014/main" id="{2282C182-213E-857B-91CD-C9E61BC5B253}"/>
+              </a:ext>
+            </a:extLst>
+          </p:cNvPr>
+          <p:cNvSpPr>
+            <a:spLocks noGrp="1"/>
+          </p:cNvSpPr>
+          <p:nvPr>
+            <p:ph type="dt" sz="half" idx="10"/>
+          </p:nvPr>
+        </p:nvSpPr>
+        <p:spPr>
+          <a:xfrm>
+            <a:off x="0" y="6629400"/>
+            <a:ext cx="2743200" cy="228600"/>
+          </a:xfrm>
+        </p:spPr>
+        <p:txBody>
+          <a:bodyPr/>
+          <a:lstStyle>
+            <a:lvl1pPr>
+              <a:defRPr>
+                <a:solidFill>
+                  <a:schemeClr val="bg1"/>
+                </a:solidFill>
+              </a:defRPr>
+            </a:lvl1pPr>
+          </a:lstStyle>
+          <a:p>
+            <a:endParaRPr lang="en-AU" dirty="0"/>
+          </a:p>
+        </p:txBody>
+      </p:sp>
+      <p:sp>
+        <p:nvSpPr>
+          <p:cNvPr id="12" name="Footer Placeholder 4">
+            <a:extLst>
+              <a:ext uri="{FF2B5EF4-FFF2-40B4-BE49-F238E27FC236}">
+                <a16:creationId xmlns:a16="http://schemas.microsoft.com/office/drawing/2014/main" id="{3F839BB0-7B6B-E5D8-1C7E-7A9ACEB6EC47}"/>
+              </a:ext>
+            </a:extLst>
+          </p:cNvPr>
+          <p:cNvSpPr>
+            <a:spLocks noGrp="1"/>
+          </p:cNvSpPr>
+          <p:nvPr>
+            <p:ph type="ftr" sz="quarter" idx="11"/>
+          </p:nvPr>
+        </p:nvSpPr>
+        <p:spPr>
+          <a:xfrm>
+            <a:off x="4038600" y="6629400"/>
+            <a:ext cx="4114800" cy="228600"/>
+          </a:xfrm>
+        </p:spPr>
+        <p:txBody>
+          <a:bodyPr/>
+          <a:lstStyle>
+            <a:lvl1pPr>
+              <a:defRPr>
+                <a:solidFill>
+                  <a:schemeClr val="bg1"/>
+                </a:solidFill>
+              </a:defRPr>
+            </a:lvl1pPr>
+          </a:lstStyle>
+          <a:p>
+            <a:endParaRPr lang="en-AU" dirty="0"/>
+          </a:p>
+        </p:txBody>
+      </p:sp>
+      <p:sp>
+        <p:nvSpPr>
+          <p:cNvPr id="13" name="Slide Number Placeholder 5">
+            <a:extLst>
+              <a:ext uri="{FF2B5EF4-FFF2-40B4-BE49-F238E27FC236}">
+                <a16:creationId xmlns:a16="http://schemas.microsoft.com/office/drawing/2014/main" id="{D9D80738-ACDC-3B67-1ED3-1B320F625400}"/>
+              </a:ext>
+            </a:extLst>
+          </p:cNvPr>
+          <p:cNvSpPr>
+            <a:spLocks noGrp="1"/>
+          </p:cNvSpPr>
+          <p:nvPr>
+            <p:ph type="sldNum" sz="quarter" idx="12"/>
+          </p:nvPr>
+        </p:nvSpPr>
+        <p:spPr>
+          <a:xfrm>
+            <a:off x="9448800" y="6629400"/>
+            <a:ext cx="2743200" cy="228600"/>
+          </a:xfrm>
+        </p:spPr>
+        <p:txBody>
+          <a:bodyPr/>
+          <a:lstStyle>
+            <a:lvl1pPr>
+              <a:defRPr>
+                <a:solidFill>
+                  <a:schemeClr val="bg1"/>
+                </a:solidFill>
+              </a:defRPr>
+            </a:lvl1pPr>
+          </a:lstStyle>
+          <a:p>
+            <a:fld id="{D8E684C7-7750-4CD9-985D-E80E6D7E3A96}" type="slidenum">
+              <a:rPr lang="en-AU" smtClean="0"/>
+              <a:pPr/>
+              <a:t>‹#›</a:t>
+            </a:fld>
+            <a:endParaRPr lang="en-AU" dirty="0"/>
+          </a:p>
+        </p:txBody>
+      </p:sp>
+      <p:sp>
+        <p:nvSpPr>
+          <p:cNvPr id="2" name="Title 1">
+            <a:extLst>
+              <a:ext uri="{FF2B5EF4-FFF2-40B4-BE49-F238E27FC236}">
+                <a16:creationId xmlns:a16="http://schemas.microsoft.com/office/drawing/2014/main" id="{FEB7501B-E29E-9380-EF6F-54697E247B0D}"/>
+              </a:ext>
+            </a:extLst>
+          </p:cNvPr>
+          <p:cNvSpPr>
+            <a:spLocks noGrp="1"/>
+          </p:cNvSpPr>
+          <p:nvPr>
+            <p:ph type="title"/>
+          </p:nvPr>
+        </p:nvSpPr>
+        <p:spPr/>
+        <p:txBody>
+          <a:bodyPr/>
+          <a:lstStyle/>
+          <a:p>
+            <a:r>
+              <a:rPr lang="en-US"/>
+              <a:t>Click to edit Master title style</a:t>
+            </a:r>
+            <a:endParaRPr lang="en-AU" dirty="0"/>
+          </a:p>
+        </p:txBody>
+      </p:sp>
+      <p:sp>
+        <p:nvSpPr>
+          <p:cNvPr id="3" name="Content Placeholder 2">
+            <a:extLst>
+              <a:ext uri="{FF2B5EF4-FFF2-40B4-BE49-F238E27FC236}">
+                <a16:creationId xmlns:a16="http://schemas.microsoft.com/office/drawing/2014/main" id="{3CBDE32D-4DB1-B264-D689-AEF82481FA8C}"/>
+              </a:ext>
+            </a:extLst>
+          </p:cNvPr>
+          <p:cNvSpPr>
+            <a:spLocks noGrp="1"/>
+          </p:cNvSpPr>
+          <p:nvPr>
+            <p:ph idx="1"/>
+          </p:nvPr>
+        </p:nvSpPr>
+        <p:spPr/>
+        <p:txBody>
+          <a:bodyPr/>
+          <a:lstStyle>
+            <a:lvl1pPr>
+              <a:buClr>
+                <a:srgbClr val="00808B"/>
+              </a:buClr>
+              <a:buSzPct val="110000"/>
+              <a:defRPr/>
+            </a:lvl1pPr>
+            <a:lvl2pPr>
+              <a:buClr>
+                <a:srgbClr val="00808B"/>
+              </a:buClr>
+              <a:buSzPct val="110000"/>
+              <a:defRPr/>
+            </a:lvl2pPr>
+            <a:lvl3pPr>
+              <a:buClr>
+                <a:srgbClr val="00808B"/>
+              </a:buClr>
+              <a:buSzPct val="110000"/>
+              <a:defRPr/>
+            </a:lvl3pPr>
+            <a:lvl4pPr>
+              <a:buClr>
+                <a:srgbClr val="00808B"/>
+              </a:buClr>
+              <a:buSzPct val="110000"/>
+              <a:defRPr/>
+            </a:lvl4pPr>
+            <a:lvl5pPr>
+              <a:buClr>
+                <a:srgbClr val="00808B"/>
+              </a:buClr>
+              <a:buSzPct val="110000"/>
+              <a:defRPr/>
+            </a:lvl5pPr>
+          </a:lstStyle>
+          <a:p>
+            <a:pPr lvl="0"/>
+            <a:r>
+              <a:rPr lang="en-US"/>
+              <a:t>Click to edit Master text styles</a:t>
+            </a:r>
+          </a:p>
+          <a:p>
+            <a:pPr lvl="1"/>
+            <a:r>
+              <a:rPr lang="en-US"/>
+              <a:t>Second level</a:t>
+            </a:r>
+          </a:p>
+          <a:p>
+            <a:pPr lvl="2"/>
+            <a:r>
+              <a:rPr lang="en-US"/>
+              <a:t>Third level</a:t>
+            </a:r>
+          </a:p>
+          <a:p>
+            <a:pPr lvl="3"/>
+            <a:r>
+              <a:rPr lang="en-US"/>
+              <a:t>Fourth level</a:t>
+            </a:r>
+          </a:p>
+          <a:p>
+            <a:pPr lvl="4"/>
+            <a:r>
+              <a:rPr lang="en-US"/>
+              <a:t>Fifth level</a:t>
+            </a:r>
+            <a:endParaRPr lang="en-AU" dirty="0"/>
+          </a:p>
+        </p:txBody>
+      </p:sp>
     </p:spTree>
     <p:extLst>
       <p:ext uri="{BB962C8B-B14F-4D97-AF65-F5344CB8AC3E}">
-        <p14:creationId xmlns:p14="http://schemas.microsoft.com/office/powerpoint/2010/main" val="338346009"/>
+        <p14:creationId xmlns:p14="http://schemas.microsoft.com/office/powerpoint/2010/main" val="2522801991"/>
       </p:ext>
     </p:extLst>
   </p:cSld>
@@ -927,7 +1278,7 @@
         </p:nvSpPr>
         <p:spPr>
           <a:xfrm>
-            <a:off x="722313" y="1946455"/>
+            <a:off x="722313" y="3305176"/>
             <a:ext cx="7772400" cy="1021556"/>
           </a:xfrm>
         </p:spPr>
@@ -940,7 +1291,7 @@
           </a:lstStyle>
           <a:p>
             <a:r>
-              <a:rPr lang="en-US" dirty="0"/>
+              <a:rPr lang="en-US"/>
               <a:t>Click to edit Master title style</a:t>
             </a:r>
           </a:p>
@@ -958,7 +1309,7 @@
         </p:nvSpPr>
         <p:spPr>
           <a:xfrm>
-            <a:off x="722313" y="821314"/>
+            <a:off x="722313" y="2180035"/>
             <a:ext cx="7772400" cy="1125140"/>
           </a:xfrm>
         </p:spPr>
@@ -1059,129 +1410,77 @@
           <a:p>
             <a:pPr lvl="0"/>
             <a:r>
-              <a:rPr lang="en-US" dirty="0"/>
+              <a:rPr lang="en-US"/>
               <a:t>Click to edit Master text styles</a:t>
             </a:r>
           </a:p>
         </p:txBody>
       </p:sp>
-      <p:pic>
-        <p:nvPicPr>
-          <p:cNvPr id="7" name="Graphic 6">
-            <a:extLst>
-              <a:ext uri="{FF2B5EF4-FFF2-40B4-BE49-F238E27FC236}">
-                <a16:creationId xmlns:a16="http://schemas.microsoft.com/office/drawing/2014/main" id="{9AACD83E-0B0F-ECA2-8537-FB4CE2DDF234}"/>
-              </a:ext>
-            </a:extLst>
-          </p:cNvPr>
-          <p:cNvPicPr>
-            <a:picLocks noChangeAspect="1"/>
-          </p:cNvPicPr>
-          <p:nvPr userDrawn="1"/>
-        </p:nvPicPr>
-        <p:blipFill>
-          <a:blip r:embed="rId2">
-            <a:extLst>
-              <a:ext uri="{96DAC541-7B7A-43D3-8B79-37D633B846F1}">
-                <asvg:svgBlip xmlns:asvg="http://schemas.microsoft.com/office/drawing/2016/SVG/main" r:embed="rId3"/>
-              </a:ext>
-            </a:extLst>
-          </a:blip>
-          <a:stretch>
-            <a:fillRect/>
-          </a:stretch>
-        </p:blipFill>
-        <p:spPr>
-          <a:xfrm>
-            <a:off x="7959975" y="121455"/>
-            <a:ext cx="1080000" cy="513149"/>
-          </a:xfrm>
-          <a:prstGeom prst="rect">
-            <a:avLst/>
-          </a:prstGeom>
-        </p:spPr>
-      </p:pic>
-      <p:grpSp>
-        <p:nvGrpSpPr>
-          <p:cNvPr id="4" name="Group 3">
-            <a:extLst>
-              <a:ext uri="{FF2B5EF4-FFF2-40B4-BE49-F238E27FC236}">
-                <a16:creationId xmlns:a16="http://schemas.microsoft.com/office/drawing/2014/main" id="{A69090DD-6782-679B-30C2-9CCA806765E1}"/>
-              </a:ext>
-            </a:extLst>
-          </p:cNvPr>
-          <p:cNvGrpSpPr/>
-          <p:nvPr userDrawn="1"/>
-        </p:nvGrpSpPr>
-        <p:grpSpPr>
-          <a:xfrm>
-            <a:off x="0" y="3065843"/>
-            <a:ext cx="9144000" cy="1943716"/>
-            <a:chOff x="0" y="3065843"/>
-            <a:chExt cx="9144000" cy="1943716"/>
-          </a:xfrm>
-        </p:grpSpPr>
-        <p:pic>
-          <p:nvPicPr>
-            <p:cNvPr id="5" name="Picture 4" descr="A field of green grass&#10;&#10;Description automatically generated">
-              <a:extLst>
-                <a:ext uri="{FF2B5EF4-FFF2-40B4-BE49-F238E27FC236}">
-                  <a16:creationId xmlns:a16="http://schemas.microsoft.com/office/drawing/2014/main" id="{4C2318AA-10D9-8301-A28D-4749C723C06D}"/>
-                </a:ext>
-              </a:extLst>
-            </p:cNvPr>
-            <p:cNvPicPr>
-              <a:picLocks noChangeAspect="1"/>
-            </p:cNvPicPr>
-            <p:nvPr userDrawn="1"/>
-          </p:nvPicPr>
-          <p:blipFill>
-            <a:blip r:embed="rId4"/>
-            <a:stretch>
-              <a:fillRect/>
-            </a:stretch>
-          </p:blipFill>
-          <p:spPr>
-            <a:xfrm>
-              <a:off x="0" y="3065843"/>
-              <a:ext cx="9144000" cy="1355547"/>
-            </a:xfrm>
-            <a:prstGeom prst="rect">
-              <a:avLst/>
-            </a:prstGeom>
-          </p:spPr>
-        </p:pic>
-        <p:pic>
-          <p:nvPicPr>
-            <p:cNvPr id="6" name="Picture 5">
-              <a:extLst>
-                <a:ext uri="{FF2B5EF4-FFF2-40B4-BE49-F238E27FC236}">
-                  <a16:creationId xmlns:a16="http://schemas.microsoft.com/office/drawing/2014/main" id="{73444379-9612-51C0-BF42-5A0614F8AAE3}"/>
-                </a:ext>
-              </a:extLst>
-            </p:cNvPr>
-            <p:cNvPicPr>
-              <a:picLocks noChangeAspect="1"/>
-            </p:cNvPicPr>
-            <p:nvPr userDrawn="1"/>
-          </p:nvPicPr>
-          <p:blipFill>
-            <a:blip r:embed="rId5"/>
-            <a:stretch>
-              <a:fillRect/>
-            </a:stretch>
-          </p:blipFill>
-          <p:spPr>
-            <a:xfrm>
-              <a:off x="0" y="4421390"/>
-              <a:ext cx="9144000" cy="588169"/>
-            </a:xfrm>
-            <a:prstGeom prst="rect">
-              <a:avLst/>
-            </a:prstGeom>
-          </p:spPr>
-        </p:pic>
-      </p:grpSp>
+      <p:sp>
+        <p:nvSpPr>
+          <p:cNvPr id="4" name="Date Placeholder 3"/>
+          <p:cNvSpPr>
+            <a:spLocks noGrp="1"/>
+          </p:cNvSpPr>
+          <p:nvPr>
+            <p:ph type="dt" sz="half" idx="10"/>
+          </p:nvPr>
+        </p:nvSpPr>
+        <p:spPr/>
+        <p:txBody>
+          <a:bodyPr/>
+          <a:lstStyle/>
+          <a:p>
+            <a:fld id="{241EB5C9-1307-BA42-ABA2-0BC069CD8E7F}" type="datetimeFigureOut">
+              <a:rPr lang="en-US" smtClean="0"/>
+              <a:t>1/2/22</a:t>
+            </a:fld>
+            <a:endParaRPr lang="en-US"/>
+          </a:p>
+        </p:txBody>
+      </p:sp>
+      <p:sp>
+        <p:nvSpPr>
+          <p:cNvPr id="5" name="Footer Placeholder 4"/>
+          <p:cNvSpPr>
+            <a:spLocks noGrp="1"/>
+          </p:cNvSpPr>
+          <p:nvPr>
+            <p:ph type="ftr" sz="quarter" idx="11"/>
+          </p:nvPr>
+        </p:nvSpPr>
+        <p:spPr/>
+        <p:txBody>
+          <a:bodyPr/>
+          <a:lstStyle/>
+          <a:p>
+            <a:endParaRPr lang="en-US"/>
+          </a:p>
+        </p:txBody>
+      </p:sp>
+      <p:sp>
+        <p:nvSpPr>
+          <p:cNvPr id="6" name="Slide Number Placeholder 5"/>
+          <p:cNvSpPr>
+            <a:spLocks noGrp="1"/>
+          </p:cNvSpPr>
+          <p:nvPr>
+            <p:ph type="sldNum" sz="quarter" idx="12"/>
+          </p:nvPr>
+        </p:nvSpPr>
+        <p:spPr/>
+        <p:txBody>
+          <a:bodyPr/>
+          <a:lstStyle/>
+          <a:p>
+            <a:fld id="{C5EF2332-01BF-834F-8236-50238282D533}" type="slidenum">
+              <a:rPr lang="en-US" smtClean="0"/>
+              <a:t>‹#›</a:t>
+            </a:fld>
+            <a:endParaRPr lang="en-US"/>
+          </a:p>
+        </p:txBody>
+      </p:sp>
     </p:spTree>
     <p:extLst>
       <p:ext uri="{BB962C8B-B14F-4D97-AF65-F5344CB8AC3E}">
@@ -1196,8 +1495,8 @@
 </file>
 
 <file path=ppt/slideLayouts/slideLayout4.xml><?xml version="1.0" encoding="utf-8"?>
-<p:sldLayout xmlns:a="http://schemas.openxmlformats.org/drawingml/2006/main" xmlns:r="http://schemas.openxmlformats.org/officeDocument/2006/relationships" xmlns:p="http://schemas.openxmlformats.org/presentationml/2006/main" type="twoObj" preserve="1">
-  <p:cSld name="Two Content">
+<p:sldLayout xmlns:a="http://schemas.openxmlformats.org/drawingml/2006/main" xmlns:r="http://schemas.openxmlformats.org/officeDocument/2006/relationships" xmlns:p="http://schemas.openxmlformats.org/presentationml/2006/main" type="titleOnly" preserve="1">
+  <p:cSld name="Title Only">
     <p:spTree>
       <p:nvGrpSpPr>
         <p:cNvPr id="1" name=""/>
@@ -1212,208 +1511,12 @@
           <a:chExt cx="0" cy="0"/>
         </a:xfrm>
       </p:grpSpPr>
-      <p:sp>
-        <p:nvSpPr>
-          <p:cNvPr id="2" name="Title 1"/>
-          <p:cNvSpPr>
-            <a:spLocks noGrp="1"/>
-          </p:cNvSpPr>
-          <p:nvPr>
-            <p:ph type="title"/>
-          </p:nvPr>
-        </p:nvSpPr>
-        <p:spPr/>
-        <p:txBody>
-          <a:bodyPr>
-            <a:normAutofit/>
-          </a:bodyPr>
-          <a:lstStyle>
-            <a:lvl1pPr>
-              <a:defRPr sz="4400"/>
-            </a:lvl1pPr>
-          </a:lstStyle>
-          <a:p>
-            <a:r>
-              <a:rPr lang="en-US" dirty="0"/>
-              <a:t>Click to edit Master title style</a:t>
-            </a:r>
-          </a:p>
-        </p:txBody>
-      </p:sp>
-      <p:sp>
-        <p:nvSpPr>
-          <p:cNvPr id="3" name="Content Placeholder 2"/>
-          <p:cNvSpPr>
-            <a:spLocks noGrp="1"/>
-          </p:cNvSpPr>
-          <p:nvPr>
-            <p:ph sz="half" idx="1"/>
-          </p:nvPr>
-        </p:nvSpPr>
-        <p:spPr>
-          <a:xfrm>
-            <a:off x="457200" y="1200151"/>
-            <a:ext cx="4038600" cy="3394472"/>
-          </a:xfrm>
-        </p:spPr>
-        <p:txBody>
-          <a:bodyPr/>
-          <a:lstStyle>
-            <a:lvl1pPr>
-              <a:defRPr sz="2100"/>
-            </a:lvl1pPr>
-            <a:lvl2pPr>
-              <a:defRPr sz="1800"/>
-            </a:lvl2pPr>
-            <a:lvl3pPr>
-              <a:defRPr sz="1500"/>
-            </a:lvl3pPr>
-            <a:lvl4pPr>
-              <a:defRPr sz="1350"/>
-            </a:lvl4pPr>
-            <a:lvl5pPr>
-              <a:defRPr sz="1350"/>
-            </a:lvl5pPr>
-            <a:lvl6pPr>
-              <a:defRPr sz="1350"/>
-            </a:lvl6pPr>
-            <a:lvl7pPr>
-              <a:defRPr sz="1350"/>
-            </a:lvl7pPr>
-            <a:lvl8pPr>
-              <a:defRPr sz="1350"/>
-            </a:lvl8pPr>
-            <a:lvl9pPr>
-              <a:defRPr sz="1350"/>
-            </a:lvl9pPr>
-          </a:lstStyle>
-          <a:p>
-            <a:pPr lvl="0"/>
-            <a:r>
-              <a:rPr lang="en-US"/>
-              <a:t>Click to edit Master text styles</a:t>
-            </a:r>
-          </a:p>
-          <a:p>
-            <a:pPr lvl="1"/>
-            <a:r>
-              <a:rPr lang="en-US"/>
-              <a:t>Second level</a:t>
-            </a:r>
-          </a:p>
-          <a:p>
-            <a:pPr lvl="2"/>
-            <a:r>
-              <a:rPr lang="en-US"/>
-              <a:t>Third level</a:t>
-            </a:r>
-          </a:p>
-          <a:p>
-            <a:pPr lvl="3"/>
-            <a:r>
-              <a:rPr lang="en-US"/>
-              <a:t>Fourth level</a:t>
-            </a:r>
-          </a:p>
-          <a:p>
-            <a:pPr lvl="4"/>
-            <a:r>
-              <a:rPr lang="en-US"/>
-              <a:t>Fifth level</a:t>
-            </a:r>
-          </a:p>
-        </p:txBody>
-      </p:sp>
-      <p:sp>
-        <p:nvSpPr>
-          <p:cNvPr id="4" name="Content Placeholder 3"/>
-          <p:cNvSpPr>
-            <a:spLocks noGrp="1"/>
-          </p:cNvSpPr>
-          <p:nvPr>
-            <p:ph sz="half" idx="2"/>
-          </p:nvPr>
-        </p:nvSpPr>
-        <p:spPr>
-          <a:xfrm>
-            <a:off x="4648200" y="1200151"/>
-            <a:ext cx="4038600" cy="3394472"/>
-          </a:xfrm>
-        </p:spPr>
-        <p:txBody>
-          <a:bodyPr/>
-          <a:lstStyle>
-            <a:lvl1pPr>
-              <a:defRPr sz="2100"/>
-            </a:lvl1pPr>
-            <a:lvl2pPr>
-              <a:defRPr sz="1800"/>
-            </a:lvl2pPr>
-            <a:lvl3pPr>
-              <a:defRPr sz="1500"/>
-            </a:lvl3pPr>
-            <a:lvl4pPr>
-              <a:defRPr sz="1350"/>
-            </a:lvl4pPr>
-            <a:lvl5pPr>
-              <a:defRPr sz="1350"/>
-            </a:lvl5pPr>
-            <a:lvl6pPr>
-              <a:defRPr sz="1350"/>
-            </a:lvl6pPr>
-            <a:lvl7pPr>
-              <a:defRPr sz="1350"/>
-            </a:lvl7pPr>
-            <a:lvl8pPr>
-              <a:defRPr sz="1350"/>
-            </a:lvl8pPr>
-            <a:lvl9pPr>
-              <a:defRPr sz="1350"/>
-            </a:lvl9pPr>
-          </a:lstStyle>
-          <a:p>
-            <a:pPr lvl="0"/>
-            <a:r>
-              <a:rPr lang="en-US"/>
-              <a:t>Click to edit Master text styles</a:t>
-            </a:r>
-          </a:p>
-          <a:p>
-            <a:pPr lvl="1"/>
-            <a:r>
-              <a:rPr lang="en-US"/>
-              <a:t>Second level</a:t>
-            </a:r>
-          </a:p>
-          <a:p>
-            <a:pPr lvl="2"/>
-            <a:r>
-              <a:rPr lang="en-US"/>
-              <a:t>Third level</a:t>
-            </a:r>
-          </a:p>
-          <a:p>
-            <a:pPr lvl="3"/>
-            <a:r>
-              <a:rPr lang="en-US"/>
-              <a:t>Fourth level</a:t>
-            </a:r>
-          </a:p>
-          <a:p>
-            <a:pPr lvl="4"/>
-            <a:r>
-              <a:rPr lang="en-US"/>
-              <a:t>Fifth level</a:t>
-            </a:r>
-          </a:p>
-        </p:txBody>
-      </p:sp>
       <p:pic>
         <p:nvPicPr>
-          <p:cNvPr id="8" name="Graphic 7">
+          <p:cNvPr id="13" name="Picture 12" descr="A logo with text on it&#10;&#10;Description automatically generated">
             <a:extLst>
               <a:ext uri="{FF2B5EF4-FFF2-40B4-BE49-F238E27FC236}">
-                <a16:creationId xmlns:a16="http://schemas.microsoft.com/office/drawing/2014/main" id="{3F223702-C483-BBAF-6827-96FB9ABB4258}"/>
+                <a16:creationId xmlns:a16="http://schemas.microsoft.com/office/drawing/2014/main" id="{9027D8AF-06AD-8F11-7B98-75448F1EDB8F}"/>
               </a:ext>
             </a:extLst>
           </p:cNvPr>
@@ -1425,8 +1528,8 @@
         <p:blipFill>
           <a:blip r:embed="rId2">
             <a:extLst>
-              <a:ext uri="{96DAC541-7B7A-43D3-8B79-37D633B846F1}">
-                <asvg:svgBlip xmlns:asvg="http://schemas.microsoft.com/office/drawing/2016/SVG/main" r:embed="rId3"/>
+              <a:ext uri="{28A0092B-C50C-407E-A947-70E740481C1C}">
+                <a14:useLocalDpi xmlns:a14="http://schemas.microsoft.com/office/drawing/2010/main" val="0"/>
               </a:ext>
             </a:extLst>
           </a:blip>
@@ -1436,18 +1539,218 @@
         </p:blipFill>
         <p:spPr>
           <a:xfrm>
-            <a:off x="7959975" y="121455"/>
-            <a:ext cx="1080000" cy="513149"/>
+            <a:off x="10191750" y="168275"/>
+            <a:ext cx="1768474" cy="844364"/>
           </a:xfrm>
           <a:prstGeom prst="rect">
             <a:avLst/>
           </a:prstGeom>
         </p:spPr>
       </p:pic>
+      <p:sp>
+        <p:nvSpPr>
+          <p:cNvPr id="7" name="Rectangle 6">
+            <a:extLst>
+              <a:ext uri="{FF2B5EF4-FFF2-40B4-BE49-F238E27FC236}">
+                <a16:creationId xmlns:a16="http://schemas.microsoft.com/office/drawing/2014/main" id="{D0AE9F78-3054-B11E-C77D-567108A5DD9C}"/>
+              </a:ext>
+            </a:extLst>
+          </p:cNvPr>
+          <p:cNvSpPr/>
+          <p:nvPr userDrawn="1"/>
+        </p:nvSpPr>
+        <p:spPr>
+          <a:xfrm>
+            <a:off x="0" y="6629400"/>
+            <a:ext cx="12192000" cy="228600"/>
+          </a:xfrm>
+          <a:prstGeom prst="rect">
+            <a:avLst/>
+          </a:prstGeom>
+          <a:solidFill>
+            <a:srgbClr val="00808B"/>
+          </a:solidFill>
+          <a:ln>
+            <a:noFill/>
+          </a:ln>
+        </p:spPr>
+        <p:style>
+          <a:lnRef idx="2">
+            <a:schemeClr val="accent1">
+              <a:shade val="15000"/>
+            </a:schemeClr>
+          </a:lnRef>
+          <a:fillRef idx="1">
+            <a:schemeClr val="accent1"/>
+          </a:fillRef>
+          <a:effectRef idx="0">
+            <a:schemeClr val="accent1"/>
+          </a:effectRef>
+          <a:fontRef idx="minor">
+            <a:schemeClr val="lt1"/>
+          </a:fontRef>
+        </p:style>
+        <p:txBody>
+          <a:bodyPr rtlCol="0" anchor="ctr"/>
+          <a:lstStyle/>
+          <a:p>
+            <a:pPr algn="ctr"/>
+            <a:endParaRPr lang="en-AU"/>
+          </a:p>
+        </p:txBody>
+      </p:sp>
+      <p:sp>
+        <p:nvSpPr>
+          <p:cNvPr id="8" name="Date Placeholder 3">
+            <a:extLst>
+              <a:ext uri="{FF2B5EF4-FFF2-40B4-BE49-F238E27FC236}">
+                <a16:creationId xmlns:a16="http://schemas.microsoft.com/office/drawing/2014/main" id="{9AEC9304-26FC-2D7B-148B-0E0B53AD9B0F}"/>
+              </a:ext>
+            </a:extLst>
+          </p:cNvPr>
+          <p:cNvSpPr>
+            <a:spLocks noGrp="1"/>
+          </p:cNvSpPr>
+          <p:nvPr>
+            <p:ph type="dt" sz="half" idx="10"/>
+          </p:nvPr>
+        </p:nvSpPr>
+        <p:spPr>
+          <a:xfrm>
+            <a:off x="0" y="6629400"/>
+            <a:ext cx="2743200" cy="228600"/>
+          </a:xfrm>
+        </p:spPr>
+        <p:txBody>
+          <a:bodyPr/>
+          <a:lstStyle>
+            <a:lvl1pPr>
+              <a:defRPr>
+                <a:solidFill>
+                  <a:schemeClr val="bg1"/>
+                </a:solidFill>
+              </a:defRPr>
+            </a:lvl1pPr>
+          </a:lstStyle>
+          <a:p>
+            <a:endParaRPr lang="en-AU" dirty="0"/>
+          </a:p>
+        </p:txBody>
+      </p:sp>
+      <p:sp>
+        <p:nvSpPr>
+          <p:cNvPr id="9" name="Footer Placeholder 4">
+            <a:extLst>
+              <a:ext uri="{FF2B5EF4-FFF2-40B4-BE49-F238E27FC236}">
+                <a16:creationId xmlns:a16="http://schemas.microsoft.com/office/drawing/2014/main" id="{D05A145D-6199-1B87-B591-82BE4FE5432E}"/>
+              </a:ext>
+            </a:extLst>
+          </p:cNvPr>
+          <p:cNvSpPr>
+            <a:spLocks noGrp="1"/>
+          </p:cNvSpPr>
+          <p:nvPr>
+            <p:ph type="ftr" sz="quarter" idx="11"/>
+          </p:nvPr>
+        </p:nvSpPr>
+        <p:spPr>
+          <a:xfrm>
+            <a:off x="4038600" y="6629400"/>
+            <a:ext cx="4114800" cy="228600"/>
+          </a:xfrm>
+        </p:spPr>
+        <p:txBody>
+          <a:bodyPr/>
+          <a:lstStyle>
+            <a:lvl1pPr>
+              <a:defRPr>
+                <a:solidFill>
+                  <a:schemeClr val="bg1"/>
+                </a:solidFill>
+              </a:defRPr>
+            </a:lvl1pPr>
+          </a:lstStyle>
+          <a:p>
+            <a:endParaRPr lang="en-AU" dirty="0"/>
+          </a:p>
+        </p:txBody>
+      </p:sp>
+      <p:sp>
+        <p:nvSpPr>
+          <p:cNvPr id="10" name="Slide Number Placeholder 5">
+            <a:extLst>
+              <a:ext uri="{FF2B5EF4-FFF2-40B4-BE49-F238E27FC236}">
+                <a16:creationId xmlns:a16="http://schemas.microsoft.com/office/drawing/2014/main" id="{EEA5DCDC-1F9F-5610-65F1-2885BB40652E}"/>
+              </a:ext>
+            </a:extLst>
+          </p:cNvPr>
+          <p:cNvSpPr>
+            <a:spLocks noGrp="1"/>
+          </p:cNvSpPr>
+          <p:nvPr>
+            <p:ph type="sldNum" sz="quarter" idx="12"/>
+          </p:nvPr>
+        </p:nvSpPr>
+        <p:spPr>
+          <a:xfrm>
+            <a:off x="9448800" y="6629400"/>
+            <a:ext cx="2743200" cy="228600"/>
+          </a:xfrm>
+        </p:spPr>
+        <p:txBody>
+          <a:bodyPr/>
+          <a:lstStyle>
+            <a:lvl1pPr>
+              <a:defRPr>
+                <a:solidFill>
+                  <a:schemeClr val="bg1"/>
+                </a:solidFill>
+              </a:defRPr>
+            </a:lvl1pPr>
+          </a:lstStyle>
+          <a:p>
+            <a:fld id="{D8E684C7-7750-4CD9-985D-E80E6D7E3A96}" type="slidenum">
+              <a:rPr lang="en-AU" smtClean="0"/>
+              <a:pPr/>
+              <a:t>‹#›</a:t>
+            </a:fld>
+            <a:endParaRPr lang="en-AU" dirty="0"/>
+          </a:p>
+        </p:txBody>
+      </p:sp>
+      <p:sp>
+        <p:nvSpPr>
+          <p:cNvPr id="2" name="Title 1">
+            <a:extLst>
+              <a:ext uri="{FF2B5EF4-FFF2-40B4-BE49-F238E27FC236}">
+                <a16:creationId xmlns:a16="http://schemas.microsoft.com/office/drawing/2014/main" id="{384BE03C-E11F-C588-E1F8-FA5D738237EE}"/>
+              </a:ext>
+            </a:extLst>
+          </p:cNvPr>
+          <p:cNvSpPr>
+            <a:spLocks noGrp="1"/>
+          </p:cNvSpPr>
+          <p:nvPr>
+            <p:ph type="title"/>
+          </p:nvPr>
+        </p:nvSpPr>
+        <p:spPr/>
+        <p:txBody>
+          <a:bodyPr/>
+          <a:lstStyle/>
+          <a:p>
+            <a:r>
+              <a:rPr lang="en-US"/>
+              <a:t>Click to edit Master title style</a:t>
+            </a:r>
+            <a:endParaRPr lang="en-AU"/>
+          </a:p>
+        </p:txBody>
+      </p:sp>
     </p:spTree>
     <p:extLst>
       <p:ext uri="{BB962C8B-B14F-4D97-AF65-F5344CB8AC3E}">
-        <p14:creationId xmlns:p14="http://schemas.microsoft.com/office/powerpoint/2010/main" val="2619886245"/>
+        <p14:creationId xmlns:p14="http://schemas.microsoft.com/office/powerpoint/2010/main" val="2032167626"/>
       </p:ext>
     </p:extLst>
   </p:cSld>
@@ -1798,42 +2101,71 @@
           </a:p>
         </p:txBody>
       </p:sp>
-      <p:pic>
-        <p:nvPicPr>
-          <p:cNvPr id="10" name="Graphic 9">
-            <a:extLst>
-              <a:ext uri="{FF2B5EF4-FFF2-40B4-BE49-F238E27FC236}">
-                <a16:creationId xmlns:a16="http://schemas.microsoft.com/office/drawing/2014/main" id="{B1976CC1-A0CD-AAEA-CB57-F370BECF9AC2}"/>
-              </a:ext>
-            </a:extLst>
-          </p:cNvPr>
-          <p:cNvPicPr>
-            <a:picLocks noChangeAspect="1"/>
-          </p:cNvPicPr>
-          <p:nvPr userDrawn="1"/>
-        </p:nvPicPr>
-        <p:blipFill>
-          <a:blip r:embed="rId2">
-            <a:extLst>
-              <a:ext uri="{96DAC541-7B7A-43D3-8B79-37D633B846F1}">
-                <asvg:svgBlip xmlns:asvg="http://schemas.microsoft.com/office/drawing/2016/SVG/main" r:embed="rId3"/>
-              </a:ext>
-            </a:extLst>
-          </a:blip>
-          <a:stretch>
-            <a:fillRect/>
-          </a:stretch>
-        </p:blipFill>
-        <p:spPr>
-          <a:xfrm>
-            <a:off x="7959975" y="121455"/>
-            <a:ext cx="1080000" cy="513149"/>
-          </a:xfrm>
-          <a:prstGeom prst="rect">
-            <a:avLst/>
-          </a:prstGeom>
-        </p:spPr>
-      </p:pic>
+      <p:sp>
+        <p:nvSpPr>
+          <p:cNvPr id="7" name="Date Placeholder 6"/>
+          <p:cNvSpPr>
+            <a:spLocks noGrp="1"/>
+          </p:cNvSpPr>
+          <p:nvPr>
+            <p:ph type="dt" sz="half" idx="10"/>
+          </p:nvPr>
+        </p:nvSpPr>
+        <p:spPr/>
+        <p:txBody>
+          <a:bodyPr/>
+          <a:lstStyle/>
+          <a:p>
+            <a:fld id="{241EB5C9-1307-BA42-ABA2-0BC069CD8E7F}" type="datetimeFigureOut">
+              <a:rPr lang="en-US" smtClean="0"/>
+              <a:t>1/2/22</a:t>
+            </a:fld>
+            <a:endParaRPr lang="en-US"/>
+          </a:p>
+        </p:txBody>
+      </p:sp>
+      <p:sp>
+        <p:nvSpPr>
+          <p:cNvPr id="8" name="Footer Placeholder 7"/>
+          <p:cNvSpPr>
+            <a:spLocks noGrp="1"/>
+          </p:cNvSpPr>
+          <p:nvPr>
+            <p:ph type="ftr" sz="quarter" idx="11"/>
+          </p:nvPr>
+        </p:nvSpPr>
+        <p:spPr/>
+        <p:txBody>
+          <a:bodyPr/>
+          <a:lstStyle/>
+          <a:p>
+            <a:endParaRPr lang="en-US"/>
+          </a:p>
+        </p:txBody>
+      </p:sp>
+      <p:sp>
+        <p:nvSpPr>
+          <p:cNvPr id="9" name="Slide Number Placeholder 8"/>
+          <p:cNvSpPr>
+            <a:spLocks noGrp="1"/>
+          </p:cNvSpPr>
+          <p:nvPr>
+            <p:ph type="sldNum" sz="quarter" idx="12"/>
+          </p:nvPr>
+        </p:nvSpPr>
+        <p:spPr/>
+        <p:txBody>
+          <a:bodyPr/>
+          <a:lstStyle/>
+          <a:p>
+            <a:fld id="{C5EF2332-01BF-834F-8236-50238282D533}" type="slidenum">
+              <a:rPr lang="en-US" smtClean="0"/>
+              <a:t>‹#›</a:t>
+            </a:fld>
+            <a:endParaRPr lang="en-US"/>
+          </a:p>
+        </p:txBody>
+      </p:sp>
     </p:spTree>
     <p:extLst>
       <p:ext uri="{BB962C8B-B14F-4D97-AF65-F5344CB8AC3E}">
@@ -1848,8 +2180,8 @@
 </file>
 
 <file path=ppt/slideLayouts/slideLayout6.xml><?xml version="1.0" encoding="utf-8"?>
-<p:sldLayout xmlns:a="http://schemas.openxmlformats.org/drawingml/2006/main" xmlns:r="http://schemas.openxmlformats.org/officeDocument/2006/relationships" xmlns:p="http://schemas.openxmlformats.org/presentationml/2006/main" type="titleOnly" preserve="1">
-  <p:cSld name="Title Only">
+<p:sldLayout xmlns:a="http://schemas.openxmlformats.org/drawingml/2006/main" xmlns:r="http://schemas.openxmlformats.org/officeDocument/2006/relationships" xmlns:p="http://schemas.openxmlformats.org/presentationml/2006/main" type="objTx" preserve="1">
+  <p:cSld name="Content with Caption">
     <p:spTree>
       <p:nvGrpSpPr>
         <p:cNvPr id="1" name=""/>
@@ -1864,34 +2196,12 @@
           <a:chExt cx="0" cy="0"/>
         </a:xfrm>
       </p:grpSpPr>
-      <p:sp>
-        <p:nvSpPr>
-          <p:cNvPr id="2" name="Title 1"/>
-          <p:cNvSpPr>
-            <a:spLocks noGrp="1"/>
-          </p:cNvSpPr>
-          <p:nvPr>
-            <p:ph type="title"/>
-          </p:nvPr>
-        </p:nvSpPr>
-        <p:spPr/>
-        <p:txBody>
-          <a:bodyPr/>
-          <a:lstStyle/>
-          <a:p>
-            <a:r>
-              <a:rPr lang="en-US"/>
-              <a:t>Click to edit Master title style</a:t>
-            </a:r>
-          </a:p>
-        </p:txBody>
-      </p:sp>
       <p:pic>
         <p:nvPicPr>
-          <p:cNvPr id="6" name="Graphic 5">
+          <p:cNvPr id="15" name="Picture 14" descr="A logo with text on it&#10;&#10;Description automatically generated">
             <a:extLst>
               <a:ext uri="{FF2B5EF4-FFF2-40B4-BE49-F238E27FC236}">
-                <a16:creationId xmlns:a16="http://schemas.microsoft.com/office/drawing/2014/main" id="{6A36FCC5-69A5-1A8F-129C-1A99B708A346}"/>
+                <a16:creationId xmlns:a16="http://schemas.microsoft.com/office/drawing/2014/main" id="{B5038991-83CC-C565-9F71-63A9A4514CAD}"/>
               </a:ext>
             </a:extLst>
           </p:cNvPr>
@@ -1903,8 +2213,8 @@
         <p:blipFill>
           <a:blip r:embed="rId2">
             <a:extLst>
-              <a:ext uri="{96DAC541-7B7A-43D3-8B79-37D633B846F1}">
-                <asvg:svgBlip xmlns:asvg="http://schemas.microsoft.com/office/drawing/2016/SVG/main" r:embed="rId3"/>
+              <a:ext uri="{28A0092B-C50C-407E-A947-70E740481C1C}">
+                <a14:useLocalDpi xmlns:a14="http://schemas.microsoft.com/office/drawing/2010/main" val="0"/>
               </a:ext>
             </a:extLst>
           </a:blip>
@@ -1914,18 +2224,391 @@
         </p:blipFill>
         <p:spPr>
           <a:xfrm>
-            <a:off x="7959975" y="121455"/>
-            <a:ext cx="1080000" cy="513149"/>
+            <a:off x="10191750" y="168275"/>
+            <a:ext cx="1768474" cy="844364"/>
           </a:xfrm>
           <a:prstGeom prst="rect">
             <a:avLst/>
           </a:prstGeom>
         </p:spPr>
       </p:pic>
+      <p:sp>
+        <p:nvSpPr>
+          <p:cNvPr id="9" name="Rectangle 8">
+            <a:extLst>
+              <a:ext uri="{FF2B5EF4-FFF2-40B4-BE49-F238E27FC236}">
+                <a16:creationId xmlns:a16="http://schemas.microsoft.com/office/drawing/2014/main" id="{D60A91C4-F840-E305-EFD5-0D14CA3E690A}"/>
+              </a:ext>
+            </a:extLst>
+          </p:cNvPr>
+          <p:cNvSpPr/>
+          <p:nvPr userDrawn="1"/>
+        </p:nvSpPr>
+        <p:spPr>
+          <a:xfrm>
+            <a:off x="0" y="6629400"/>
+            <a:ext cx="12192000" cy="228600"/>
+          </a:xfrm>
+          <a:prstGeom prst="rect">
+            <a:avLst/>
+          </a:prstGeom>
+          <a:solidFill>
+            <a:srgbClr val="00808B"/>
+          </a:solidFill>
+          <a:ln>
+            <a:noFill/>
+          </a:ln>
+        </p:spPr>
+        <p:style>
+          <a:lnRef idx="2">
+            <a:schemeClr val="accent1">
+              <a:shade val="15000"/>
+            </a:schemeClr>
+          </a:lnRef>
+          <a:fillRef idx="1">
+            <a:schemeClr val="accent1"/>
+          </a:fillRef>
+          <a:effectRef idx="0">
+            <a:schemeClr val="accent1"/>
+          </a:effectRef>
+          <a:fontRef idx="minor">
+            <a:schemeClr val="lt1"/>
+          </a:fontRef>
+        </p:style>
+        <p:txBody>
+          <a:bodyPr rtlCol="0" anchor="ctr"/>
+          <a:lstStyle/>
+          <a:p>
+            <a:pPr algn="ctr"/>
+            <a:endParaRPr lang="en-AU"/>
+          </a:p>
+        </p:txBody>
+      </p:sp>
+      <p:sp>
+        <p:nvSpPr>
+          <p:cNvPr id="10" name="Date Placeholder 3">
+            <a:extLst>
+              <a:ext uri="{FF2B5EF4-FFF2-40B4-BE49-F238E27FC236}">
+                <a16:creationId xmlns:a16="http://schemas.microsoft.com/office/drawing/2014/main" id="{DB1ACC7A-07B3-6AD6-5E37-BC8E83FDD804}"/>
+              </a:ext>
+            </a:extLst>
+          </p:cNvPr>
+          <p:cNvSpPr>
+            <a:spLocks noGrp="1"/>
+          </p:cNvSpPr>
+          <p:nvPr>
+            <p:ph type="dt" sz="half" idx="10"/>
+          </p:nvPr>
+        </p:nvSpPr>
+        <p:spPr>
+          <a:xfrm>
+            <a:off x="0" y="6629400"/>
+            <a:ext cx="2743200" cy="228600"/>
+          </a:xfrm>
+        </p:spPr>
+        <p:txBody>
+          <a:bodyPr/>
+          <a:lstStyle>
+            <a:lvl1pPr>
+              <a:defRPr>
+                <a:solidFill>
+                  <a:schemeClr val="bg1"/>
+                </a:solidFill>
+              </a:defRPr>
+            </a:lvl1pPr>
+          </a:lstStyle>
+          <a:p>
+            <a:endParaRPr lang="en-AU" dirty="0"/>
+          </a:p>
+        </p:txBody>
+      </p:sp>
+      <p:sp>
+        <p:nvSpPr>
+          <p:cNvPr id="11" name="Footer Placeholder 4">
+            <a:extLst>
+              <a:ext uri="{FF2B5EF4-FFF2-40B4-BE49-F238E27FC236}">
+                <a16:creationId xmlns:a16="http://schemas.microsoft.com/office/drawing/2014/main" id="{F4D392CE-18BA-0471-C88E-4B58D94E910E}"/>
+              </a:ext>
+            </a:extLst>
+          </p:cNvPr>
+          <p:cNvSpPr>
+            <a:spLocks noGrp="1"/>
+          </p:cNvSpPr>
+          <p:nvPr>
+            <p:ph type="ftr" sz="quarter" idx="11"/>
+          </p:nvPr>
+        </p:nvSpPr>
+        <p:spPr>
+          <a:xfrm>
+            <a:off x="4038600" y="6629400"/>
+            <a:ext cx="4114800" cy="228600"/>
+          </a:xfrm>
+        </p:spPr>
+        <p:txBody>
+          <a:bodyPr/>
+          <a:lstStyle>
+            <a:lvl1pPr>
+              <a:defRPr>
+                <a:solidFill>
+                  <a:schemeClr val="bg1"/>
+                </a:solidFill>
+              </a:defRPr>
+            </a:lvl1pPr>
+          </a:lstStyle>
+          <a:p>
+            <a:endParaRPr lang="en-AU" dirty="0"/>
+          </a:p>
+        </p:txBody>
+      </p:sp>
+      <p:sp>
+        <p:nvSpPr>
+          <p:cNvPr id="12" name="Slide Number Placeholder 5">
+            <a:extLst>
+              <a:ext uri="{FF2B5EF4-FFF2-40B4-BE49-F238E27FC236}">
+                <a16:creationId xmlns:a16="http://schemas.microsoft.com/office/drawing/2014/main" id="{F93E06BB-0E85-3A0C-3DE7-8EE1637120F4}"/>
+              </a:ext>
+            </a:extLst>
+          </p:cNvPr>
+          <p:cNvSpPr>
+            <a:spLocks noGrp="1"/>
+          </p:cNvSpPr>
+          <p:nvPr>
+            <p:ph type="sldNum" sz="quarter" idx="12"/>
+          </p:nvPr>
+        </p:nvSpPr>
+        <p:spPr>
+          <a:xfrm>
+            <a:off x="9448800" y="6629400"/>
+            <a:ext cx="2743200" cy="228600"/>
+          </a:xfrm>
+        </p:spPr>
+        <p:txBody>
+          <a:bodyPr/>
+          <a:lstStyle>
+            <a:lvl1pPr>
+              <a:defRPr>
+                <a:solidFill>
+                  <a:schemeClr val="bg1"/>
+                </a:solidFill>
+              </a:defRPr>
+            </a:lvl1pPr>
+          </a:lstStyle>
+          <a:p>
+            <a:fld id="{D8E684C7-7750-4CD9-985D-E80E6D7E3A96}" type="slidenum">
+              <a:rPr lang="en-AU" smtClean="0"/>
+              <a:pPr/>
+              <a:t>‹#›</a:t>
+            </a:fld>
+            <a:endParaRPr lang="en-AU" dirty="0"/>
+          </a:p>
+        </p:txBody>
+      </p:sp>
+      <p:sp>
+        <p:nvSpPr>
+          <p:cNvPr id="2" name="Title 1">
+            <a:extLst>
+              <a:ext uri="{FF2B5EF4-FFF2-40B4-BE49-F238E27FC236}">
+                <a16:creationId xmlns:a16="http://schemas.microsoft.com/office/drawing/2014/main" id="{9C413029-C271-5AE7-0D1F-287E7C844BD3}"/>
+              </a:ext>
+            </a:extLst>
+          </p:cNvPr>
+          <p:cNvSpPr>
+            <a:spLocks noGrp="1"/>
+          </p:cNvSpPr>
+          <p:nvPr>
+            <p:ph type="title"/>
+          </p:nvPr>
+        </p:nvSpPr>
+        <p:spPr>
+          <a:xfrm>
+            <a:off x="106362" y="327805"/>
+            <a:ext cx="3932237" cy="1155640"/>
+          </a:xfrm>
+        </p:spPr>
+        <p:txBody>
+          <a:bodyPr anchor="b">
+            <a:normAutofit/>
+          </a:bodyPr>
+          <a:lstStyle>
+            <a:lvl1pPr>
+              <a:defRPr sz="3600"/>
+            </a:lvl1pPr>
+          </a:lstStyle>
+          <a:p>
+            <a:r>
+              <a:rPr lang="en-US"/>
+              <a:t>Click to edit Master title style</a:t>
+            </a:r>
+            <a:endParaRPr lang="en-AU" dirty="0"/>
+          </a:p>
+        </p:txBody>
+      </p:sp>
+      <p:sp>
+        <p:nvSpPr>
+          <p:cNvPr id="3" name="Content Placeholder 2">
+            <a:extLst>
+              <a:ext uri="{FF2B5EF4-FFF2-40B4-BE49-F238E27FC236}">
+                <a16:creationId xmlns:a16="http://schemas.microsoft.com/office/drawing/2014/main" id="{B54EBA7B-E739-B6DB-AC55-8D5C7B3EFAC0}"/>
+              </a:ext>
+            </a:extLst>
+          </p:cNvPr>
+          <p:cNvSpPr>
+            <a:spLocks noGrp="1"/>
+          </p:cNvSpPr>
+          <p:nvPr>
+            <p:ph idx="1"/>
+          </p:nvPr>
+        </p:nvSpPr>
+        <p:spPr>
+          <a:xfrm>
+            <a:off x="4148017" y="1241241"/>
+            <a:ext cx="7937619" cy="5288954"/>
+          </a:xfrm>
+        </p:spPr>
+        <p:txBody>
+          <a:bodyPr/>
+          <a:lstStyle>
+            <a:lvl1pPr>
+              <a:defRPr sz="3200"/>
+            </a:lvl1pPr>
+            <a:lvl2pPr>
+              <a:defRPr sz="2800"/>
+            </a:lvl2pPr>
+            <a:lvl3pPr>
+              <a:defRPr sz="2400"/>
+            </a:lvl3pPr>
+            <a:lvl4pPr>
+              <a:defRPr sz="2000"/>
+            </a:lvl4pPr>
+            <a:lvl5pPr>
+              <a:defRPr sz="2000"/>
+            </a:lvl5pPr>
+            <a:lvl6pPr>
+              <a:defRPr sz="2000"/>
+            </a:lvl6pPr>
+            <a:lvl7pPr>
+              <a:defRPr sz="2000"/>
+            </a:lvl7pPr>
+            <a:lvl8pPr>
+              <a:defRPr sz="2000"/>
+            </a:lvl8pPr>
+            <a:lvl9pPr>
+              <a:defRPr sz="2000"/>
+            </a:lvl9pPr>
+          </a:lstStyle>
+          <a:p>
+            <a:pPr lvl="0"/>
+            <a:r>
+              <a:rPr lang="en-US"/>
+              <a:t>Click to edit Master text styles</a:t>
+            </a:r>
+          </a:p>
+          <a:p>
+            <a:pPr lvl="1"/>
+            <a:r>
+              <a:rPr lang="en-US"/>
+              <a:t>Second level</a:t>
+            </a:r>
+          </a:p>
+          <a:p>
+            <a:pPr lvl="2"/>
+            <a:r>
+              <a:rPr lang="en-US"/>
+              <a:t>Third level</a:t>
+            </a:r>
+          </a:p>
+          <a:p>
+            <a:pPr lvl="3"/>
+            <a:r>
+              <a:rPr lang="en-US"/>
+              <a:t>Fourth level</a:t>
+            </a:r>
+          </a:p>
+          <a:p>
+            <a:pPr lvl="4"/>
+            <a:r>
+              <a:rPr lang="en-US"/>
+              <a:t>Fifth level</a:t>
+            </a:r>
+            <a:endParaRPr lang="en-AU" dirty="0"/>
+          </a:p>
+        </p:txBody>
+      </p:sp>
+      <p:sp>
+        <p:nvSpPr>
+          <p:cNvPr id="4" name="Text Placeholder 3">
+            <a:extLst>
+              <a:ext uri="{FF2B5EF4-FFF2-40B4-BE49-F238E27FC236}">
+                <a16:creationId xmlns:a16="http://schemas.microsoft.com/office/drawing/2014/main" id="{BCAB13E2-558B-73CD-7C43-3E1E9009581D}"/>
+              </a:ext>
+            </a:extLst>
+          </p:cNvPr>
+          <p:cNvSpPr>
+            <a:spLocks noGrp="1"/>
+          </p:cNvSpPr>
+          <p:nvPr>
+            <p:ph type="body" sz="half" idx="2"/>
+          </p:nvPr>
+        </p:nvSpPr>
+        <p:spPr>
+          <a:xfrm>
+            <a:off x="106362" y="1582650"/>
+            <a:ext cx="3932237" cy="4947545"/>
+          </a:xfrm>
+        </p:spPr>
+        <p:txBody>
+          <a:bodyPr/>
+          <a:lstStyle>
+            <a:lvl1pPr marL="0" indent="0">
+              <a:buNone/>
+              <a:defRPr sz="1600"/>
+            </a:lvl1pPr>
+            <a:lvl2pPr marL="457200" indent="0">
+              <a:buNone/>
+              <a:defRPr sz="1400"/>
+            </a:lvl2pPr>
+            <a:lvl3pPr marL="914400" indent="0">
+              <a:buNone/>
+              <a:defRPr sz="1200"/>
+            </a:lvl3pPr>
+            <a:lvl4pPr marL="1371600" indent="0">
+              <a:buNone/>
+              <a:defRPr sz="1000"/>
+            </a:lvl4pPr>
+            <a:lvl5pPr marL="1828800" indent="0">
+              <a:buNone/>
+              <a:defRPr sz="1000"/>
+            </a:lvl5pPr>
+            <a:lvl6pPr marL="2286000" indent="0">
+              <a:buNone/>
+              <a:defRPr sz="1000"/>
+            </a:lvl6pPr>
+            <a:lvl7pPr marL="2743200" indent="0">
+              <a:buNone/>
+              <a:defRPr sz="1000"/>
+            </a:lvl7pPr>
+            <a:lvl8pPr marL="3200400" indent="0">
+              <a:buNone/>
+              <a:defRPr sz="1000"/>
+            </a:lvl8pPr>
+            <a:lvl9pPr marL="3657600" indent="0">
+              <a:buNone/>
+              <a:defRPr sz="1000"/>
+            </a:lvl9pPr>
+          </a:lstStyle>
+          <a:p>
+            <a:pPr lvl="0"/>
+            <a:r>
+              <a:rPr lang="en-US"/>
+              <a:t>Click to edit Master text styles</a:t>
+            </a:r>
+          </a:p>
+        </p:txBody>
+      </p:sp>
     </p:spTree>
     <p:extLst>
       <p:ext uri="{BB962C8B-B14F-4D97-AF65-F5344CB8AC3E}">
-        <p14:creationId xmlns:p14="http://schemas.microsoft.com/office/powerpoint/2010/main" val="3472721253"/>
+        <p14:creationId xmlns:p14="http://schemas.microsoft.com/office/powerpoint/2010/main" val="2930562745"/>
       </p:ext>
     </p:extLst>
   </p:cSld>
@@ -1952,42 +2635,71 @@
           <a:chExt cx="0" cy="0"/>
         </a:xfrm>
       </p:grpSpPr>
-      <p:pic>
-        <p:nvPicPr>
-          <p:cNvPr id="5" name="Graphic 4">
-            <a:extLst>
-              <a:ext uri="{FF2B5EF4-FFF2-40B4-BE49-F238E27FC236}">
-                <a16:creationId xmlns:a16="http://schemas.microsoft.com/office/drawing/2014/main" id="{70299D88-1300-BFA6-6698-38CB76E863F2}"/>
-              </a:ext>
-            </a:extLst>
-          </p:cNvPr>
-          <p:cNvPicPr>
-            <a:picLocks noChangeAspect="1"/>
-          </p:cNvPicPr>
-          <p:nvPr userDrawn="1"/>
-        </p:nvPicPr>
-        <p:blipFill>
-          <a:blip r:embed="rId2">
-            <a:extLst>
-              <a:ext uri="{96DAC541-7B7A-43D3-8B79-37D633B846F1}">
-                <asvg:svgBlip xmlns:asvg="http://schemas.microsoft.com/office/drawing/2016/SVG/main" r:embed="rId3"/>
-              </a:ext>
-            </a:extLst>
-          </a:blip>
-          <a:stretch>
-            <a:fillRect/>
-          </a:stretch>
-        </p:blipFill>
-        <p:spPr>
-          <a:xfrm>
-            <a:off x="7959975" y="121455"/>
-            <a:ext cx="1080000" cy="513149"/>
-          </a:xfrm>
-          <a:prstGeom prst="rect">
-            <a:avLst/>
-          </a:prstGeom>
-        </p:spPr>
-      </p:pic>
+      <p:sp>
+        <p:nvSpPr>
+          <p:cNvPr id="2" name="Date Placeholder 1"/>
+          <p:cNvSpPr>
+            <a:spLocks noGrp="1"/>
+          </p:cNvSpPr>
+          <p:nvPr>
+            <p:ph type="dt" sz="half" idx="10"/>
+          </p:nvPr>
+        </p:nvSpPr>
+        <p:spPr/>
+        <p:txBody>
+          <a:bodyPr/>
+          <a:lstStyle/>
+          <a:p>
+            <a:fld id="{241EB5C9-1307-BA42-ABA2-0BC069CD8E7F}" type="datetimeFigureOut">
+              <a:rPr lang="en-US" smtClean="0"/>
+              <a:t>1/2/22</a:t>
+            </a:fld>
+            <a:endParaRPr lang="en-US"/>
+          </a:p>
+        </p:txBody>
+      </p:sp>
+      <p:sp>
+        <p:nvSpPr>
+          <p:cNvPr id="3" name="Footer Placeholder 2"/>
+          <p:cNvSpPr>
+            <a:spLocks noGrp="1"/>
+          </p:cNvSpPr>
+          <p:nvPr>
+            <p:ph type="ftr" sz="quarter" idx="11"/>
+          </p:nvPr>
+        </p:nvSpPr>
+        <p:spPr/>
+        <p:txBody>
+          <a:bodyPr/>
+          <a:lstStyle/>
+          <a:p>
+            <a:endParaRPr lang="en-US"/>
+          </a:p>
+        </p:txBody>
+      </p:sp>
+      <p:sp>
+        <p:nvSpPr>
+          <p:cNvPr id="4" name="Slide Number Placeholder 3"/>
+          <p:cNvSpPr>
+            <a:spLocks noGrp="1"/>
+          </p:cNvSpPr>
+          <p:nvPr>
+            <p:ph type="sldNum" sz="quarter" idx="12"/>
+          </p:nvPr>
+        </p:nvSpPr>
+        <p:spPr/>
+        <p:txBody>
+          <a:bodyPr/>
+          <a:lstStyle/>
+          <a:p>
+            <a:fld id="{C5EF2332-01BF-834F-8236-50238282D533}" type="slidenum">
+              <a:rPr lang="en-US" smtClean="0"/>
+              <a:t>‹#›</a:t>
+            </a:fld>
+            <a:endParaRPr lang="en-US"/>
+          </a:p>
+        </p:txBody>
+      </p:sp>
     </p:spTree>
     <p:extLst>
       <p:ext uri="{BB962C8B-B14F-4D97-AF65-F5344CB8AC3E}">
@@ -2198,42 +2910,71 @@
           </a:p>
         </p:txBody>
       </p:sp>
-      <p:pic>
-        <p:nvPicPr>
-          <p:cNvPr id="8" name="Graphic 7">
-            <a:extLst>
-              <a:ext uri="{FF2B5EF4-FFF2-40B4-BE49-F238E27FC236}">
-                <a16:creationId xmlns:a16="http://schemas.microsoft.com/office/drawing/2014/main" id="{6274ABAE-3C98-5910-1079-9B8333D1615D}"/>
-              </a:ext>
-            </a:extLst>
-          </p:cNvPr>
-          <p:cNvPicPr>
-            <a:picLocks noChangeAspect="1"/>
-          </p:cNvPicPr>
-          <p:nvPr userDrawn="1"/>
-        </p:nvPicPr>
-        <p:blipFill>
-          <a:blip r:embed="rId2">
-            <a:extLst>
-              <a:ext uri="{96DAC541-7B7A-43D3-8B79-37D633B846F1}">
-                <asvg:svgBlip xmlns:asvg="http://schemas.microsoft.com/office/drawing/2016/SVG/main" r:embed="rId3"/>
-              </a:ext>
-            </a:extLst>
-          </a:blip>
-          <a:stretch>
-            <a:fillRect/>
-          </a:stretch>
-        </p:blipFill>
-        <p:spPr>
-          <a:xfrm>
-            <a:off x="7959975" y="121455"/>
-            <a:ext cx="1080000" cy="513149"/>
-          </a:xfrm>
-          <a:prstGeom prst="rect">
-            <a:avLst/>
-          </a:prstGeom>
-        </p:spPr>
-      </p:pic>
+      <p:sp>
+        <p:nvSpPr>
+          <p:cNvPr id="5" name="Date Placeholder 4"/>
+          <p:cNvSpPr>
+            <a:spLocks noGrp="1"/>
+          </p:cNvSpPr>
+          <p:nvPr>
+            <p:ph type="dt" sz="half" idx="10"/>
+          </p:nvPr>
+        </p:nvSpPr>
+        <p:spPr/>
+        <p:txBody>
+          <a:bodyPr/>
+          <a:lstStyle/>
+          <a:p>
+            <a:fld id="{241EB5C9-1307-BA42-ABA2-0BC069CD8E7F}" type="datetimeFigureOut">
+              <a:rPr lang="en-US" smtClean="0"/>
+              <a:t>1/2/22</a:t>
+            </a:fld>
+            <a:endParaRPr lang="en-US"/>
+          </a:p>
+        </p:txBody>
+      </p:sp>
+      <p:sp>
+        <p:nvSpPr>
+          <p:cNvPr id="6" name="Footer Placeholder 5"/>
+          <p:cNvSpPr>
+            <a:spLocks noGrp="1"/>
+          </p:cNvSpPr>
+          <p:nvPr>
+            <p:ph type="ftr" sz="quarter" idx="11"/>
+          </p:nvPr>
+        </p:nvSpPr>
+        <p:spPr/>
+        <p:txBody>
+          <a:bodyPr/>
+          <a:lstStyle/>
+          <a:p>
+            <a:endParaRPr lang="en-US"/>
+          </a:p>
+        </p:txBody>
+      </p:sp>
+      <p:sp>
+        <p:nvSpPr>
+          <p:cNvPr id="7" name="Slide Number Placeholder 6"/>
+          <p:cNvSpPr>
+            <a:spLocks noGrp="1"/>
+          </p:cNvSpPr>
+          <p:nvPr>
+            <p:ph type="sldNum" sz="quarter" idx="12"/>
+          </p:nvPr>
+        </p:nvSpPr>
+        <p:spPr/>
+        <p:txBody>
+          <a:bodyPr/>
+          <a:lstStyle/>
+          <a:p>
+            <a:fld id="{C5EF2332-01BF-834F-8236-50238282D533}" type="slidenum">
+              <a:rPr lang="en-US" smtClean="0"/>
+              <a:t>‹#›</a:t>
+            </a:fld>
+            <a:endParaRPr lang="en-US"/>
+          </a:p>
+        </p:txBody>
+      </p:sp>
     </p:spTree>
     <p:extLst>
       <p:ext uri="{BB962C8B-B14F-4D97-AF65-F5344CB8AC3E}">
@@ -2421,42 +3162,71 @@
           </a:p>
         </p:txBody>
       </p:sp>
-      <p:pic>
-        <p:nvPicPr>
-          <p:cNvPr id="8" name="Graphic 7">
-            <a:extLst>
-              <a:ext uri="{FF2B5EF4-FFF2-40B4-BE49-F238E27FC236}">
-                <a16:creationId xmlns:a16="http://schemas.microsoft.com/office/drawing/2014/main" id="{E6F88F39-DBC4-FB8F-7EFD-2E571ED3D006}"/>
-              </a:ext>
-            </a:extLst>
-          </p:cNvPr>
-          <p:cNvPicPr>
-            <a:picLocks noChangeAspect="1"/>
-          </p:cNvPicPr>
-          <p:nvPr userDrawn="1"/>
-        </p:nvPicPr>
-        <p:blipFill>
-          <a:blip r:embed="rId2">
-            <a:extLst>
-              <a:ext uri="{96DAC541-7B7A-43D3-8B79-37D633B846F1}">
-                <asvg:svgBlip xmlns:asvg="http://schemas.microsoft.com/office/drawing/2016/SVG/main" r:embed="rId3"/>
-              </a:ext>
-            </a:extLst>
-          </a:blip>
-          <a:stretch>
-            <a:fillRect/>
-          </a:stretch>
-        </p:blipFill>
-        <p:spPr>
-          <a:xfrm>
-            <a:off x="7959975" y="121455"/>
-            <a:ext cx="1080000" cy="513149"/>
-          </a:xfrm>
-          <a:prstGeom prst="rect">
-            <a:avLst/>
-          </a:prstGeom>
-        </p:spPr>
-      </p:pic>
+      <p:sp>
+        <p:nvSpPr>
+          <p:cNvPr id="5" name="Date Placeholder 4"/>
+          <p:cNvSpPr>
+            <a:spLocks noGrp="1"/>
+          </p:cNvSpPr>
+          <p:nvPr>
+            <p:ph type="dt" sz="half" idx="10"/>
+          </p:nvPr>
+        </p:nvSpPr>
+        <p:spPr/>
+        <p:txBody>
+          <a:bodyPr/>
+          <a:lstStyle/>
+          <a:p>
+            <a:fld id="{241EB5C9-1307-BA42-ABA2-0BC069CD8E7F}" type="datetimeFigureOut">
+              <a:rPr lang="en-US" smtClean="0"/>
+              <a:t>1/2/22</a:t>
+            </a:fld>
+            <a:endParaRPr lang="en-US"/>
+          </a:p>
+        </p:txBody>
+      </p:sp>
+      <p:sp>
+        <p:nvSpPr>
+          <p:cNvPr id="6" name="Footer Placeholder 5"/>
+          <p:cNvSpPr>
+            <a:spLocks noGrp="1"/>
+          </p:cNvSpPr>
+          <p:nvPr>
+            <p:ph type="ftr" sz="quarter" idx="11"/>
+          </p:nvPr>
+        </p:nvSpPr>
+        <p:spPr/>
+        <p:txBody>
+          <a:bodyPr/>
+          <a:lstStyle/>
+          <a:p>
+            <a:endParaRPr lang="en-US"/>
+          </a:p>
+        </p:txBody>
+      </p:sp>
+      <p:sp>
+        <p:nvSpPr>
+          <p:cNvPr id="7" name="Slide Number Placeholder 6"/>
+          <p:cNvSpPr>
+            <a:spLocks noGrp="1"/>
+          </p:cNvSpPr>
+          <p:nvPr>
+            <p:ph type="sldNum" sz="quarter" idx="12"/>
+          </p:nvPr>
+        </p:nvSpPr>
+        <p:spPr/>
+        <p:txBody>
+          <a:bodyPr/>
+          <a:lstStyle/>
+          <a:p>
+            <a:fld id="{C5EF2332-01BF-834F-8236-50238282D533}" type="slidenum">
+              <a:rPr lang="en-US" smtClean="0"/>
+              <a:t>‹#›</a:t>
+            </a:fld>
+            <a:endParaRPr lang="en-US"/>
+          </a:p>
+        </p:txBody>
+      </p:sp>
     </p:spTree>
     <p:extLst>
       <p:ext uri="{BB962C8B-B14F-4D97-AF65-F5344CB8AC3E}">
@@ -2494,70 +3264,24 @@
       </p:grpSpPr>
       <p:sp>
         <p:nvSpPr>
-          <p:cNvPr id="7" name="Rectangle 6">
+          <p:cNvPr id="2" name="Title Placeholder 1">
             <a:extLst>
               <a:ext uri="{FF2B5EF4-FFF2-40B4-BE49-F238E27FC236}">
-                <a16:creationId xmlns:a16="http://schemas.microsoft.com/office/drawing/2014/main" id="{FA920842-3FE9-29BB-51AE-4CDA55454151}"/>
+                <a16:creationId xmlns:a16="http://schemas.microsoft.com/office/drawing/2014/main" id="{B6D21B09-2702-9A07-43AA-7B4F83705C16}"/>
               </a:ext>
             </a:extLst>
           </p:cNvPr>
-          <p:cNvSpPr/>
-          <p:nvPr userDrawn="1"/>
+          <p:cNvSpPr>
+            <a:spLocks noGrp="1"/>
+          </p:cNvSpPr>
+          <p:nvPr>
+            <p:ph type="title"/>
+          </p:nvPr>
         </p:nvSpPr>
         <p:spPr>
           <a:xfrm>
-            <a:off x="0" y="5016320"/>
-            <a:ext cx="9144000" cy="127179"/>
-          </a:xfrm>
-          <a:prstGeom prst="rect">
-            <a:avLst/>
-          </a:prstGeom>
-          <a:solidFill>
-            <a:srgbClr val="00808B"/>
-          </a:solidFill>
-          <a:ln>
-            <a:solidFill>
-              <a:srgbClr val="00808B"/>
-            </a:solidFill>
-          </a:ln>
-        </p:spPr>
-        <p:style>
-          <a:lnRef idx="1">
-            <a:schemeClr val="accent1"/>
-          </a:lnRef>
-          <a:fillRef idx="3">
-            <a:schemeClr val="accent1"/>
-          </a:fillRef>
-          <a:effectRef idx="2">
-            <a:schemeClr val="accent1"/>
-          </a:effectRef>
-          <a:fontRef idx="minor">
-            <a:schemeClr val="lt1"/>
-          </a:fontRef>
-        </p:style>
-        <p:txBody>
-          <a:bodyPr anchor="ctr" rtlCol="0"/>
-          <a:lstStyle/>
-          <a:p>
-            <a:pPr algn="ctr"/>
-            <a:endParaRPr lang="en-AU"/>
-          </a:p>
-        </p:txBody>
-      </p:sp>
-      <p:sp>
-        <p:nvSpPr>
-          <p:cNvPr id="2" name="Title Placeholder 1"/>
-          <p:cNvSpPr>
-            <a:spLocks noGrp="1"/>
-          </p:cNvSpPr>
-          <p:nvPr>
-            <p:ph type="title"/>
-          </p:nvPr>
-        </p:nvSpPr>
-        <p:spPr>
-          <a:xfrm>
-            <a:off x="457200" y="205979"/>
-            <a:ext cx="8229600" cy="857250"/>
+            <a:off x="86260" y="17253"/>
+            <a:ext cx="9954887" cy="923026"/>
           </a:xfrm>
           <a:prstGeom prst="rect">
             <a:avLst/>
@@ -2570,15 +3294,22 @@
           <a:lstStyle/>
           <a:p>
             <a:r>
-              <a:rPr dirty="0" lang="en-US"/>
+              <a:rPr lang="en-US"/>
               <a:t>Click to edit Master title style</a:t>
             </a:r>
-          </a:p>
-        </p:txBody>
-      </p:sp>
-      <p:sp>
-        <p:nvSpPr>
-          <p:cNvPr id="3" name="Text Placeholder 2"/>
+            <a:endParaRPr dirty="0" lang="en-AU"/>
+          </a:p>
+        </p:txBody>
+      </p:sp>
+      <p:sp>
+        <p:nvSpPr>
+          <p:cNvPr id="3" name="Text Placeholder 2">
+            <a:extLst>
+              <a:ext uri="{FF2B5EF4-FFF2-40B4-BE49-F238E27FC236}">
+                <a16:creationId xmlns:a16="http://schemas.microsoft.com/office/drawing/2014/main" id="{740EFF0D-BE14-CF33-9FA9-389B9428CD70}"/>
+              </a:ext>
+            </a:extLst>
+          </p:cNvPr>
           <p:cNvSpPr>
             <a:spLocks noGrp="1"/>
           </p:cNvSpPr>
@@ -2588,8 +3319,8 @@
         </p:nvSpPr>
         <p:spPr>
           <a:xfrm>
-            <a:off x="457200" y="1200151"/>
-            <a:ext cx="8229600" cy="3394472"/>
+            <a:off x="86260" y="1121431"/>
+            <a:ext cx="12019480" cy="4934309"/>
           </a:xfrm>
           <a:prstGeom prst="rect">
             <a:avLst/>
@@ -2603,44 +3334,179 @@
           <a:p>
             <a:pPr lvl="0"/>
             <a:r>
-              <a:rPr dirty="0" lang="en-US"/>
+              <a:rPr lang="en-US"/>
               <a:t>Click to edit Master text styles</a:t>
             </a:r>
           </a:p>
           <a:p>
             <a:pPr lvl="1"/>
             <a:r>
-              <a:rPr dirty="0" lang="en-US"/>
+              <a:rPr lang="en-US"/>
               <a:t>Second level</a:t>
             </a:r>
           </a:p>
           <a:p>
             <a:pPr lvl="2"/>
             <a:r>
-              <a:rPr dirty="0" lang="en-US"/>
+              <a:rPr lang="en-US"/>
               <a:t>Third level</a:t>
             </a:r>
           </a:p>
           <a:p>
             <a:pPr lvl="3"/>
             <a:r>
-              <a:rPr dirty="0" lang="en-US"/>
+              <a:rPr lang="en-US"/>
               <a:t>Fourth level</a:t>
             </a:r>
           </a:p>
           <a:p>
             <a:pPr lvl="4"/>
             <a:r>
-              <a:rPr dirty="0" lang="en-US"/>
+              <a:rPr lang="en-US"/>
               <a:t>Fifth level</a:t>
             </a:r>
+            <a:endParaRPr dirty="0" lang="en-AU"/>
+          </a:p>
+        </p:txBody>
+      </p:sp>
+      <p:sp>
+        <p:nvSpPr>
+          <p:cNvPr id="4" name="Date Placeholder 3">
+            <a:extLst>
+              <a:ext uri="{FF2B5EF4-FFF2-40B4-BE49-F238E27FC236}">
+                <a16:creationId xmlns:a16="http://schemas.microsoft.com/office/drawing/2014/main" id="{23BA0C91-4EE2-DC5F-B16D-61E58DB041C1}"/>
+              </a:ext>
+            </a:extLst>
+          </p:cNvPr>
+          <p:cNvSpPr>
+            <a:spLocks noGrp="1"/>
+          </p:cNvSpPr>
+          <p:nvPr>
+            <p:ph idx="2" sz="half" type="dt"/>
+          </p:nvPr>
+        </p:nvSpPr>
+        <p:spPr>
+          <a:xfrm>
+            <a:off x="838200" y="6356350"/>
+            <a:ext cx="2743200" cy="365125"/>
+          </a:xfrm>
+          <a:prstGeom prst="rect">
+            <a:avLst/>
+          </a:prstGeom>
+        </p:spPr>
+        <p:txBody>
+          <a:bodyPr anchor="ctr" bIns="45720" lIns="91440" rIns="91440" rtlCol="0" tIns="45720" vert="horz"/>
+          <a:lstStyle>
+            <a:lvl1pPr algn="l">
+              <a:defRPr sz="1200">
+                <a:solidFill>
+                  <a:schemeClr val="tx1">
+                    <a:tint val="82000"/>
+                  </a:schemeClr>
+                </a:solidFill>
+              </a:defRPr>
+            </a:lvl1pPr>
+          </a:lstStyle>
+          <a:p>
+            <a:endParaRPr dirty="0" lang="en-AU"/>
+          </a:p>
+        </p:txBody>
+      </p:sp>
+      <p:sp>
+        <p:nvSpPr>
+          <p:cNvPr id="5" name="Footer Placeholder 4">
+            <a:extLst>
+              <a:ext uri="{FF2B5EF4-FFF2-40B4-BE49-F238E27FC236}">
+                <a16:creationId xmlns:a16="http://schemas.microsoft.com/office/drawing/2014/main" id="{4C89CD24-D51D-C096-EDEC-FF21B8333FBA}"/>
+              </a:ext>
+            </a:extLst>
+          </p:cNvPr>
+          <p:cNvSpPr>
+            <a:spLocks noGrp="1"/>
+          </p:cNvSpPr>
+          <p:nvPr>
+            <p:ph idx="3" sz="quarter" type="ftr"/>
+          </p:nvPr>
+        </p:nvSpPr>
+        <p:spPr>
+          <a:xfrm>
+            <a:off x="4038600" y="6356350"/>
+            <a:ext cx="4114800" cy="365125"/>
+          </a:xfrm>
+          <a:prstGeom prst="rect">
+            <a:avLst/>
+          </a:prstGeom>
+        </p:spPr>
+        <p:txBody>
+          <a:bodyPr anchor="ctr" bIns="45720" lIns="91440" rIns="91440" rtlCol="0" tIns="45720" vert="horz"/>
+          <a:lstStyle>
+            <a:lvl1pPr algn="ctr">
+              <a:defRPr sz="1200">
+                <a:solidFill>
+                  <a:schemeClr val="tx1">
+                    <a:tint val="82000"/>
+                  </a:schemeClr>
+                </a:solidFill>
+                <a:latin charset="0" panose="020B0603030502060204" pitchFamily="34" typeface="Proxima Nova Medium"/>
+              </a:defRPr>
+            </a:lvl1pPr>
+          </a:lstStyle>
+          <a:p>
+            <a:endParaRPr dirty="0" lang="en-AU"/>
+          </a:p>
+        </p:txBody>
+      </p:sp>
+      <p:sp>
+        <p:nvSpPr>
+          <p:cNvPr id="6" name="Slide Number Placeholder 5">
+            <a:extLst>
+              <a:ext uri="{FF2B5EF4-FFF2-40B4-BE49-F238E27FC236}">
+                <a16:creationId xmlns:a16="http://schemas.microsoft.com/office/drawing/2014/main" id="{E8A56B3F-F943-2B7A-9A7F-A41F7562F6C5}"/>
+              </a:ext>
+            </a:extLst>
+          </p:cNvPr>
+          <p:cNvSpPr>
+            <a:spLocks noGrp="1"/>
+          </p:cNvSpPr>
+          <p:nvPr>
+            <p:ph idx="4" sz="quarter" type="sldNum"/>
+          </p:nvPr>
+        </p:nvSpPr>
+        <p:spPr>
+          <a:xfrm>
+            <a:off x="8610600" y="6356350"/>
+            <a:ext cx="2743200" cy="365125"/>
+          </a:xfrm>
+          <a:prstGeom prst="rect">
+            <a:avLst/>
+          </a:prstGeom>
+        </p:spPr>
+        <p:txBody>
+          <a:bodyPr anchor="ctr" bIns="45720" lIns="91440" rIns="91440" rtlCol="0" tIns="45720" vert="horz"/>
+          <a:lstStyle>
+            <a:lvl1pPr algn="r">
+              <a:defRPr sz="1200">
+                <a:solidFill>
+                  <a:schemeClr val="tx1">
+                    <a:tint val="82000"/>
+                  </a:schemeClr>
+                </a:solidFill>
+              </a:defRPr>
+            </a:lvl1pPr>
+          </a:lstStyle>
+          <a:p>
+            <a:fld id="{D8E684C7-7750-4CD9-985D-E80E6D7E3A96}" type="slidenum">
+              <a:rPr lang="en-AU" smtClean="0"/>
+              <a:t>‹#›</a:t>
+            </a:fld>
+            <a:endParaRPr dirty="0" lang="en-AU"/>
           </a:p>
         </p:txBody>
       </p:sp>
     </p:spTree>
     <p:extLst>
       <p:ext uri="{BB962C8B-B14F-4D97-AF65-F5344CB8AC3E}">
-        <p14:creationId xmlns:p14="http://schemas.microsoft.com/office/powerpoint/2010/main" val="3676200875"/>
+        <p14:creationId xmlns:p14="http://schemas.microsoft.com/office/powerpoint/2010/main" val="2664447016"/>
       </p:ext>
     </p:extLst>
   </p:cSld>
@@ -2648,125 +3514,133 @@
   <p:sldLayoutIdLst>
     <p:sldLayoutId id="2147483649" r:id="rId1"/>
     <p:sldLayoutId id="2147483650" r:id="rId2"/>
-    <p:sldLayoutId id="2147483651" r:id="rId3"/>
-    <p:sldLayoutId id="2147483652" r:id="rId4"/>
-    <p:sldLayoutId id="2147483653" r:id="rId5"/>
-    <p:sldLayoutId id="2147483654" r:id="rId6"/>
-    <p:sldLayoutId id="2147483655" r:id="rId7"/>
-    <p:sldLayoutId id="2147483656" r:id="rId8"/>
-    <p:sldLayoutId id="2147483657" r:id="rId9"/>
-    <p:sldLayoutId id="2147483658" r:id="rId10"/>
-    <p:sldLayoutId id="2147483659" r:id="rId11"/>
+    <p:sldLayoutId id="2147483652" r:id="rId3"/>
+    <p:sldLayoutId id="2147483654" r:id="rId4"/>
+    <p:sldLayoutId id="2147483655" r:id="rId5"/>
+    <p:sldLayoutId id="2147483656" r:id="rId6"/>
   </p:sldLayoutIdLst>
+  <p:hf hdr="0"/>
   <p:txStyles>
     <p:titleStyle>
-      <a:lvl1pPr algn="ctr" defTabSz="342900" eaLnBrk="1" hangingPunct="1" latinLnBrk="0" rtl="0">
+      <a:lvl1pPr algn="l" defTabSz="914400" eaLnBrk="1" hangingPunct="1" latinLnBrk="0" rtl="0">
+        <a:lnSpc>
+          <a:spcPct val="90000"/>
+        </a:lnSpc>
         <a:spcBef>
           <a:spcPct val="0"/>
         </a:spcBef>
         <a:buNone/>
-        <a:defRPr kern="1200" sz="4400">
+        <a:defRPr kern="1200" sz="4000">
           <a:solidFill>
             <a:schemeClr val="tx1"/>
           </a:solidFill>
-          <a:latin charset="0" panose="02000506030000020004" pitchFamily="2" typeface="Proxima Nova Lt"/>
+          <a:latin charset="0" panose="020B0603030502060204" pitchFamily="34" typeface="Proxima Nova Medium"/>
           <a:ea typeface="+mj-ea"/>
           <a:cs typeface="+mj-cs"/>
         </a:defRPr>
       </a:lvl1pPr>
     </p:titleStyle>
     <p:bodyStyle>
-      <a:lvl1pPr algn="l" defTabSz="342900" eaLnBrk="1" hangingPunct="1" indent="-342900" latinLnBrk="0" marL="342900" rtl="0">
+      <a:lvl1pPr algn="l" defTabSz="914400" eaLnBrk="1" hangingPunct="1" indent="-228600" latinLnBrk="0" marL="228600" rtl="0">
+        <a:lnSpc>
+          <a:spcPct val="90000"/>
+        </a:lnSpc>
         <a:spcBef>
-          <a:spcPct val="20000"/>
+          <a:spcPts val="1000"/>
         </a:spcBef>
-        <a:buClr>
-          <a:srgbClr val="00808B"/>
-        </a:buClr>
-        <a:buFont typeface="Arial"/>
+        <a:buFont charset="0" panose="020B0604020202020204" pitchFamily="34" typeface="Arial"/>
         <a:buChar char="•"/>
         <a:defRPr kern="1200" sz="2400">
           <a:solidFill>
             <a:schemeClr val="tx1"/>
           </a:solidFill>
-          <a:latin charset="0" panose="02000506030000020004" pitchFamily="50" typeface="Proxima Nova Rg"/>
-          <a:ea typeface="+mn-ea"/>
-          <a:cs typeface="+mn-cs"/>
+          <a:latin charset="0" panose="020B0603030502060204" pitchFamily="34" typeface="Proxima Nova Medium"/>
+          <a:ea charset="0" panose="02010000000000000000" pitchFamily="2" typeface="ADLaM Display"/>
+          <a:cs charset="0" panose="02010000000000000000" pitchFamily="2" typeface="ADLaM Display"/>
         </a:defRPr>
       </a:lvl1pPr>
-      <a:lvl2pPr algn="l" defTabSz="342900" eaLnBrk="1" hangingPunct="1" indent="-342900" latinLnBrk="0" marL="685800" rtl="0">
+      <a:lvl2pPr algn="l" defTabSz="914400" eaLnBrk="1" hangingPunct="1" indent="-228600" latinLnBrk="0" marL="685800" rtl="0">
+        <a:lnSpc>
+          <a:spcPct val="90000"/>
+        </a:lnSpc>
         <a:spcBef>
-          <a:spcPct val="20000"/>
+          <a:spcPts val="500"/>
         </a:spcBef>
-        <a:buClr>
-          <a:srgbClr val="414042"/>
-        </a:buClr>
-        <a:buFont typeface="Arial"/>
-        <a:buChar char="–"/>
-        <a:defRPr kern="1200" sz="2100">
+        <a:buFont charset="0" panose="020B0604020202020204" pitchFamily="34" typeface="Arial"/>
+        <a:buChar char="•"/>
+        <a:defRPr kern="1200" sz="2000">
           <a:solidFill>
             <a:schemeClr val="tx1"/>
           </a:solidFill>
-          <a:latin charset="0" panose="02000506030000020004" pitchFamily="50" typeface="Proxima Nova Rg"/>
-          <a:ea typeface="+mn-ea"/>
-          <a:cs typeface="+mn-cs"/>
+          <a:latin charset="0" panose="020B0603030502060204" pitchFamily="34" typeface="Proxima Nova Medium"/>
+          <a:ea charset="0" panose="02010000000000000000" pitchFamily="2" typeface="ADLaM Display"/>
+          <a:cs charset="0" panose="02010000000000000000" pitchFamily="2" typeface="ADLaM Display"/>
         </a:defRPr>
       </a:lvl2pPr>
-      <a:lvl3pPr algn="l" defTabSz="342900" eaLnBrk="1" hangingPunct="1" indent="-342900" latinLnBrk="0" marL="1028700" rtl="0">
+      <a:lvl3pPr algn="l" defTabSz="914400" eaLnBrk="1" hangingPunct="1" indent="-228600" latinLnBrk="0" marL="1143000" rtl="0">
+        <a:lnSpc>
+          <a:spcPct val="90000"/>
+        </a:lnSpc>
         <a:spcBef>
-          <a:spcPct val="20000"/>
+          <a:spcPts val="500"/>
         </a:spcBef>
-        <a:buClr>
-          <a:srgbClr val="B6D438"/>
-        </a:buClr>
         <a:buFont charset="0" panose="020B0604020202020204" pitchFamily="34" typeface="Arial"/>
         <a:buChar char="•"/>
         <a:defRPr kern="1200" sz="1800">
           <a:solidFill>
             <a:schemeClr val="tx1"/>
           </a:solidFill>
-          <a:latin charset="0" panose="02000506030000020004" pitchFamily="50" typeface="Proxima Nova Rg"/>
-          <a:ea typeface="+mn-ea"/>
-          <a:cs typeface="+mn-cs"/>
+          <a:latin charset="0" panose="020B0603030502060204" pitchFamily="34" typeface="Proxima Nova Medium"/>
+          <a:ea charset="0" panose="02010000000000000000" pitchFamily="2" typeface="ADLaM Display"/>
+          <a:cs charset="0" panose="02010000000000000000" pitchFamily="2" typeface="ADLaM Display"/>
         </a:defRPr>
       </a:lvl3pPr>
-      <a:lvl4pPr algn="l" defTabSz="342900" eaLnBrk="1" hangingPunct="1" indent="-342900" latinLnBrk="0" marL="1371600" rtl="0">
+      <a:lvl4pPr algn="l" defTabSz="914400" eaLnBrk="1" hangingPunct="1" indent="-228600" latinLnBrk="0" marL="1600200" rtl="0">
+        <a:lnSpc>
+          <a:spcPct val="90000"/>
+        </a:lnSpc>
         <a:spcBef>
-          <a:spcPct val="20000"/>
+          <a:spcPts val="500"/>
         </a:spcBef>
-        <a:buFont typeface="Arial"/>
-        <a:buChar char="–"/>
-        <a:defRPr kern="1200" sz="1500">
+        <a:buFont charset="0" panose="020B0604020202020204" pitchFamily="34" typeface="Arial"/>
+        <a:buChar char="•"/>
+        <a:defRPr kern="1200" sz="1800">
           <a:solidFill>
             <a:schemeClr val="tx1"/>
           </a:solidFill>
-          <a:latin charset="0" panose="02000506030000020004" pitchFamily="50" typeface="Proxima Nova Rg"/>
-          <a:ea typeface="+mn-ea"/>
-          <a:cs typeface="+mn-cs"/>
+          <a:latin charset="0" panose="020B0603030502060204" pitchFamily="34" typeface="Proxima Nova Medium"/>
+          <a:ea charset="0" panose="02010000000000000000" pitchFamily="2" typeface="ADLaM Display"/>
+          <a:cs charset="0" panose="02010000000000000000" pitchFamily="2" typeface="ADLaM Display"/>
         </a:defRPr>
       </a:lvl4pPr>
-      <a:lvl5pPr algn="l" defTabSz="342900" eaLnBrk="1" hangingPunct="1" indent="-342900" latinLnBrk="0" marL="1714500" rtl="0">
+      <a:lvl5pPr algn="l" defTabSz="914400" eaLnBrk="1" hangingPunct="1" indent="-228600" latinLnBrk="0" marL="2057400" rtl="0">
+        <a:lnSpc>
+          <a:spcPct val="90000"/>
+        </a:lnSpc>
         <a:spcBef>
-          <a:spcPct val="20000"/>
+          <a:spcPts val="500"/>
         </a:spcBef>
-        <a:buFont typeface="Arial"/>
-        <a:buChar char="»"/>
-        <a:defRPr kern="1200" sz="1500">
+        <a:buFont charset="0" panose="020B0604020202020204" pitchFamily="34" typeface="Arial"/>
+        <a:buChar char="•"/>
+        <a:defRPr kern="1200" sz="1800">
           <a:solidFill>
             <a:schemeClr val="tx1"/>
           </a:solidFill>
-          <a:latin charset="0" panose="02000506030000020004" pitchFamily="50" typeface="Proxima Nova Rg"/>
-          <a:ea typeface="+mn-ea"/>
-          <a:cs typeface="+mn-cs"/>
+          <a:latin charset="0" panose="020B0603030502060204" pitchFamily="34" typeface="Proxima Nova Medium"/>
+          <a:ea charset="0" panose="02010000000000000000" pitchFamily="2" typeface="ADLaM Display"/>
+          <a:cs charset="0" panose="02010000000000000000" pitchFamily="2" typeface="ADLaM Display"/>
         </a:defRPr>
       </a:lvl5pPr>
-      <a:lvl6pPr algn="l" defTabSz="342900" eaLnBrk="1" hangingPunct="1" indent="-342900" latinLnBrk="0" marL="2057400" rtl="0">
+      <a:lvl6pPr algn="l" defTabSz="914400" eaLnBrk="1" hangingPunct="1" indent="-228600" latinLnBrk="0" marL="2514600" rtl="0">
+        <a:lnSpc>
+          <a:spcPct val="90000"/>
+        </a:lnSpc>
         <a:spcBef>
-          <a:spcPct val="20000"/>
+          <a:spcPts val="500"/>
         </a:spcBef>
-        <a:buFont typeface="Arial"/>
+        <a:buFont charset="0" panose="020B0604020202020204" pitchFamily="34" typeface="Arial"/>
         <a:buChar char="•"/>
-        <a:defRPr kern="1200" sz="1500">
+        <a:defRPr kern="1200" sz="1800">
           <a:solidFill>
             <a:schemeClr val="tx1"/>
           </a:solidFill>
@@ -2775,13 +3649,16 @@
           <a:cs typeface="+mn-cs"/>
         </a:defRPr>
       </a:lvl6pPr>
-      <a:lvl7pPr algn="l" defTabSz="342900" eaLnBrk="1" hangingPunct="1" indent="-342900" latinLnBrk="0" marL="2400300" rtl="0">
+      <a:lvl7pPr algn="l" defTabSz="914400" eaLnBrk="1" hangingPunct="1" indent="-228600" latinLnBrk="0" marL="2971800" rtl="0">
+        <a:lnSpc>
+          <a:spcPct val="90000"/>
+        </a:lnSpc>
         <a:spcBef>
-          <a:spcPct val="20000"/>
+          <a:spcPts val="500"/>
         </a:spcBef>
-        <a:buFont typeface="Arial"/>
+        <a:buFont charset="0" panose="020B0604020202020204" pitchFamily="34" typeface="Arial"/>
         <a:buChar char="•"/>
-        <a:defRPr kern="1200" sz="1500">
+        <a:defRPr kern="1200" sz="1800">
           <a:solidFill>
             <a:schemeClr val="tx1"/>
           </a:solidFill>
@@ -2790,13 +3667,16 @@
           <a:cs typeface="+mn-cs"/>
         </a:defRPr>
       </a:lvl7pPr>
-      <a:lvl8pPr algn="l" defTabSz="342900" eaLnBrk="1" hangingPunct="1" indent="-342900" latinLnBrk="0" marL="2743200" rtl="0">
+      <a:lvl8pPr algn="l" defTabSz="914400" eaLnBrk="1" hangingPunct="1" indent="-228600" latinLnBrk="0" marL="3429000" rtl="0">
+        <a:lnSpc>
+          <a:spcPct val="90000"/>
+        </a:lnSpc>
         <a:spcBef>
-          <a:spcPct val="20000"/>
+          <a:spcPts val="500"/>
         </a:spcBef>
-        <a:buFont typeface="Arial"/>
+        <a:buFont charset="0" panose="020B0604020202020204" pitchFamily="34" typeface="Arial"/>
         <a:buChar char="•"/>
-        <a:defRPr kern="1200" sz="1500">
+        <a:defRPr kern="1200" sz="1800">
           <a:solidFill>
             <a:schemeClr val="tx1"/>
           </a:solidFill>
@@ -2805,13 +3685,16 @@
           <a:cs typeface="+mn-cs"/>
         </a:defRPr>
       </a:lvl8pPr>
-      <a:lvl9pPr algn="l" defTabSz="342900" eaLnBrk="1" hangingPunct="1" indent="-342900" latinLnBrk="0" marL="3086100" rtl="0">
+      <a:lvl9pPr algn="l" defTabSz="914400" eaLnBrk="1" hangingPunct="1" indent="-228600" latinLnBrk="0" marL="3886200" rtl="0">
+        <a:lnSpc>
+          <a:spcPct val="90000"/>
+        </a:lnSpc>
         <a:spcBef>
-          <a:spcPct val="20000"/>
+          <a:spcPts val="500"/>
         </a:spcBef>
-        <a:buFont typeface="Arial"/>
+        <a:buFont charset="0" panose="020B0604020202020204" pitchFamily="34" typeface="Arial"/>
         <a:buChar char="•"/>
-        <a:defRPr kern="1200" sz="1500">
+        <a:defRPr kern="1200" sz="1800">
           <a:solidFill>
             <a:schemeClr val="tx1"/>
           </a:solidFill>
@@ -2825,8 +3708,8 @@
       <a:defPPr>
         <a:defRPr lang="en-US"/>
       </a:defPPr>
-      <a:lvl1pPr algn="l" defTabSz="342900" eaLnBrk="1" hangingPunct="1" latinLnBrk="0" marL="0" rtl="0">
-        <a:defRPr kern="1200" sz="1350">
+      <a:lvl1pPr algn="l" defTabSz="914400" eaLnBrk="1" hangingPunct="1" latinLnBrk="0" marL="0" rtl="0">
+        <a:defRPr kern="1200" sz="1800">
           <a:solidFill>
             <a:schemeClr val="tx1"/>
           </a:solidFill>
@@ -2835,8 +3718,8 @@
           <a:cs typeface="+mn-cs"/>
         </a:defRPr>
       </a:lvl1pPr>
-      <a:lvl2pPr algn="l" defTabSz="342900" eaLnBrk="1" hangingPunct="1" latinLnBrk="0" marL="342900" rtl="0">
-        <a:defRPr kern="1200" sz="1350">
+      <a:lvl2pPr algn="l" defTabSz="914400" eaLnBrk="1" hangingPunct="1" latinLnBrk="0" marL="457200" rtl="0">
+        <a:defRPr kern="1200" sz="1800">
           <a:solidFill>
             <a:schemeClr val="tx1"/>
           </a:solidFill>
@@ -2845,8 +3728,8 @@
           <a:cs typeface="+mn-cs"/>
         </a:defRPr>
       </a:lvl2pPr>
-      <a:lvl3pPr algn="l" defTabSz="342900" eaLnBrk="1" hangingPunct="1" latinLnBrk="0" marL="685800" rtl="0">
-        <a:defRPr kern="1200" sz="1350">
+      <a:lvl3pPr algn="l" defTabSz="914400" eaLnBrk="1" hangingPunct="1" latinLnBrk="0" marL="914400" rtl="0">
+        <a:defRPr kern="1200" sz="1800">
           <a:solidFill>
             <a:schemeClr val="tx1"/>
           </a:solidFill>
@@ -2855,8 +3738,8 @@
           <a:cs typeface="+mn-cs"/>
         </a:defRPr>
       </a:lvl3pPr>
-      <a:lvl4pPr algn="l" defTabSz="342900" eaLnBrk="1" hangingPunct="1" latinLnBrk="0" marL="1028700" rtl="0">
-        <a:defRPr kern="1200" sz="1350">
+      <a:lvl4pPr algn="l" defTabSz="914400" eaLnBrk="1" hangingPunct="1" latinLnBrk="0" marL="1371600" rtl="0">
+        <a:defRPr kern="1200" sz="1800">
           <a:solidFill>
             <a:schemeClr val="tx1"/>
           </a:solidFill>
@@ -2865,8 +3748,8 @@
           <a:cs typeface="+mn-cs"/>
         </a:defRPr>
       </a:lvl4pPr>
-      <a:lvl5pPr algn="l" defTabSz="342900" eaLnBrk="1" hangingPunct="1" latinLnBrk="0" marL="1371600" rtl="0">
-        <a:defRPr kern="1200" sz="1350">
+      <a:lvl5pPr algn="l" defTabSz="914400" eaLnBrk="1" hangingPunct="1" latinLnBrk="0" marL="1828800" rtl="0">
+        <a:defRPr kern="1200" sz="1800">
           <a:solidFill>
             <a:schemeClr val="tx1"/>
           </a:solidFill>
@@ -2875,8 +3758,8 @@
           <a:cs typeface="+mn-cs"/>
         </a:defRPr>
       </a:lvl5pPr>
-      <a:lvl6pPr algn="l" defTabSz="342900" eaLnBrk="1" hangingPunct="1" latinLnBrk="0" marL="1714500" rtl="0">
-        <a:defRPr kern="1200" sz="1350">
+      <a:lvl6pPr algn="l" defTabSz="914400" eaLnBrk="1" hangingPunct="1" latinLnBrk="0" marL="2286000" rtl="0">
+        <a:defRPr kern="1200" sz="1800">
           <a:solidFill>
             <a:schemeClr val="tx1"/>
           </a:solidFill>
@@ -2885,8 +3768,8 @@
           <a:cs typeface="+mn-cs"/>
         </a:defRPr>
       </a:lvl6pPr>
-      <a:lvl7pPr algn="l" defTabSz="342900" eaLnBrk="1" hangingPunct="1" latinLnBrk="0" marL="2057400" rtl="0">
-        <a:defRPr kern="1200" sz="1350">
+      <a:lvl7pPr algn="l" defTabSz="914400" eaLnBrk="1" hangingPunct="1" latinLnBrk="0" marL="2743200" rtl="0">
+        <a:defRPr kern="1200" sz="1800">
           <a:solidFill>
             <a:schemeClr val="tx1"/>
           </a:solidFill>
@@ -2895,8 +3778,8 @@
           <a:cs typeface="+mn-cs"/>
         </a:defRPr>
       </a:lvl7pPr>
-      <a:lvl8pPr algn="l" defTabSz="342900" eaLnBrk="1" hangingPunct="1" latinLnBrk="0" marL="2400300" rtl="0">
-        <a:defRPr kern="1200" sz="1350">
+      <a:lvl8pPr algn="l" defTabSz="914400" eaLnBrk="1" hangingPunct="1" latinLnBrk="0" marL="3200400" rtl="0">
+        <a:defRPr kern="1200" sz="1800">
           <a:solidFill>
             <a:schemeClr val="tx1"/>
           </a:solidFill>
@@ -2905,8 +3788,8 @@
           <a:cs typeface="+mn-cs"/>
         </a:defRPr>
       </a:lvl8pPr>
-      <a:lvl9pPr algn="l" defTabSz="342900" eaLnBrk="1" hangingPunct="1" latinLnBrk="0" marL="2743200" rtl="0">
-        <a:defRPr kern="1200" sz="1350">
+      <a:lvl9pPr algn="l" defTabSz="914400" eaLnBrk="1" hangingPunct="1" latinLnBrk="0" marL="3657600" rtl="0">
+        <a:defRPr kern="1200" sz="1800">
           <a:solidFill>
             <a:schemeClr val="tx1"/>
           </a:solidFill>
@@ -2939,7 +3822,13 @@
       </p:grpSpPr>
       <p:sp>
         <p:nvSpPr>
-          <p:cNvPr id="2" name="Title 1"/>
+          <p:cNvPr id="2" name="Title 1">
+            <a:extLst>
+              <a:ext uri="{FF2B5EF4-FFF2-40B4-BE49-F238E27FC236}">
+                <a16:creationId xmlns:a16="http://schemas.microsoft.com/office/drawing/2014/main" id="{F3D5F800-A766-84B3-EE1A-4EB9243A9F8C}"/>
+              </a:ext>
+            </a:extLst>
+          </p:cNvPr>
           <p:cNvSpPr>
             <a:spLocks noGrp="1"/>
           </p:cNvSpPr>
@@ -2949,8 +3838,8 @@
         </p:nvSpPr>
         <p:spPr>
           <a:xfrm>
-            <a:off x="685799" y="1234763"/>
-            <a:ext cx="7772400" cy="819151"/>
+            <a:off x="838200" y="2077879"/>
+            <a:ext cx="10515600" cy="791701"/>
           </a:xfrm>
         </p:spPr>
         <p:txBody>
@@ -2969,7 +3858,13 @@
       </p:sp>
       <p:sp>
         <p:nvSpPr>
-          <p:cNvPr id="3" name="Subtitle 2"/>
+          <p:cNvPr id="3" name="Subtitle 2">
+            <a:extLst>
+              <a:ext uri="{FF2B5EF4-FFF2-40B4-BE49-F238E27FC236}">
+                <a16:creationId xmlns:a16="http://schemas.microsoft.com/office/drawing/2014/main" id="{55199397-2104-6355-A974-0FA3299F642A}"/>
+              </a:ext>
+            </a:extLst>
+          </p:cNvPr>
           <p:cNvSpPr>
             <a:spLocks noGrp="1"/>
           </p:cNvSpPr>
@@ -2979,8 +3874,8 @@
         </p:nvSpPr>
         <p:spPr>
           <a:xfrm>
-            <a:off x="1371600" y="1404872"/>
-            <a:ext cx="6400800" cy="478932"/>
+            <a:off x="838200" y="3036612"/>
+            <a:ext cx="10515600" cy="395851"/>
           </a:xfrm>
         </p:spPr>
         <p:txBody>
@@ -2999,7 +3894,6 @@
           </a:p>
         </p:txBody>
       </p:sp>
-      <p:sp/>
     </p:spTree>
   </p:cSld>
 </p:sld>
@@ -3034,7 +3928,7 @@
         </p:nvSpPr>
         <p:spPr>
           <a:xfrm>
-            <a:off x="722313" y="1946455"/>
+            <a:off x="722313" y="3305176"/>
             <a:ext cx="7772400" cy="1021556"/>
           </a:xfrm>
         </p:spPr>
@@ -3049,6 +3943,71 @@
               <a:rPr/>
               <a:t>Thank You</a:t>
             </a:r>
+          </a:p>
+        </p:txBody>
+      </p:sp>
+      <p:sp>
+        <p:nvSpPr>
+          <p:cNvPr id="4" name="Date Placeholder 3"/>
+          <p:cNvSpPr>
+            <a:spLocks noGrp="1"/>
+          </p:cNvSpPr>
+          <p:nvPr>
+            <p:ph idx="10" sz="half" type="dt"/>
+          </p:nvPr>
+        </p:nvSpPr>
+        <p:spPr/>
+        <p:txBody>
+          <a:bodyPr/>
+          <a:lstStyle/>
+          <a:p>
+            <a:fld id="{241EB5C9-1307-BA42-ABA2-0BC069CD8E7F}" type="datetimeFigureOut">
+              <a:rPr lang="en-US" smtClean="0"/>
+              <a:t>2025-11-19</a:t>
+            </a:fld>
+            <a:endParaRPr lang="en-US"/>
+          </a:p>
+        </p:txBody>
+      </p:sp>
+      <p:sp>
+        <p:nvSpPr>
+          <p:cNvPr id="5" name="Footer Placeholder 4"/>
+          <p:cNvSpPr>
+            <a:spLocks noGrp="1"/>
+          </p:cNvSpPr>
+          <p:nvPr>
+            <p:ph idx="11" sz="quarter" type="ftr"/>
+          </p:nvPr>
+        </p:nvSpPr>
+        <p:spPr/>
+        <p:txBody>
+          <a:bodyPr/>
+          <a:lstStyle/>
+          <a:p>
+            <a:endParaRPr lang="en-US"/>
+          </a:p>
+        </p:txBody>
+      </p:sp>
+      <p:sp>
+        <p:nvSpPr>
+          <p:cNvPr id="6" name="Slide Number Placeholder 5"/>
+          <p:cNvSpPr>
+            <a:spLocks noGrp="1"/>
+          </p:cNvSpPr>
+          <p:nvPr>
+            <p:ph idx="12" sz="quarter" type="sldNum"/>
+          </p:nvPr>
+        </p:nvSpPr>
+        <p:spPr/>
+        <p:txBody>
+          <a:bodyPr/>
+          <a:lstStyle/>
+          <a:p>
+            <a:fld id="{C5EF2332-01BF-834F-8236-50238282D533}" type="slidenum">
+              <a:rPr lang="en-US" smtClean="0"/>
+              <a:t>‹#›</a:t>
+            </a:fld>
+            <a:endParaRPr lang="en-US"/>
           </a:p>
         </p:txBody>
       </p:sp>
@@ -3076,7 +4035,13 @@
       </p:grpSpPr>
       <p:sp>
         <p:nvSpPr>
-          <p:cNvPr id="2" name="Title 1"/>
+          <p:cNvPr id="2" name="Title 1">
+            <a:extLst>
+              <a:ext uri="{FF2B5EF4-FFF2-40B4-BE49-F238E27FC236}">
+                <a16:creationId xmlns:a16="http://schemas.microsoft.com/office/drawing/2014/main" id="{FEB7501B-E29E-9380-EF6F-54697E247B0D}"/>
+              </a:ext>
+            </a:extLst>
+          </p:cNvPr>
           <p:cNvSpPr>
             <a:spLocks noGrp="1"/>
           </p:cNvSpPr>
@@ -3101,7 +4066,13 @@
       </p:sp>
       <p:sp>
         <p:nvSpPr>
-          <p:cNvPr id="3" name="Content Placeholder 2"/>
+          <p:cNvPr id="3" name="Content Placeholder 2">
+            <a:extLst>
+              <a:ext uri="{FF2B5EF4-FFF2-40B4-BE49-F238E27FC236}">
+                <a16:creationId xmlns:a16="http://schemas.microsoft.com/office/drawing/2014/main" id="{3CBDE32D-4DB1-B264-D689-AEF82481FA8C}"/>
+              </a:ext>
+            </a:extLst>
+          </p:cNvPr>
           <p:cNvSpPr>
             <a:spLocks noGrp="1"/>
           </p:cNvSpPr>
@@ -3184,6 +4155,125 @@
               </a:rPr>
               <a:t>Thank You</a:t>
             </a:r>
+          </a:p>
+        </p:txBody>
+      </p:sp>
+      <p:sp>
+        <p:nvSpPr>
+          <p:cNvPr id="11" name="Date Placeholder 3">
+            <a:extLst>
+              <a:ext uri="{FF2B5EF4-FFF2-40B4-BE49-F238E27FC236}">
+                <a16:creationId xmlns:a16="http://schemas.microsoft.com/office/drawing/2014/main" id="{2282C182-213E-857B-91CD-C9E61BC5B253}"/>
+              </a:ext>
+            </a:extLst>
+          </p:cNvPr>
+          <p:cNvSpPr>
+            <a:spLocks noGrp="1"/>
+          </p:cNvSpPr>
+          <p:nvPr>
+            <p:ph idx="10" sz="half" type="dt"/>
+          </p:nvPr>
+        </p:nvSpPr>
+        <p:spPr>
+          <a:xfrm>
+            <a:off x="0" y="6629400"/>
+            <a:ext cx="2743200" cy="228600"/>
+          </a:xfrm>
+        </p:spPr>
+        <p:txBody>
+          <a:bodyPr/>
+          <a:lstStyle>
+            <a:lvl1pPr>
+              <a:defRPr>
+                <a:solidFill>
+                  <a:schemeClr val="bg1"/>
+                </a:solidFill>
+              </a:defRPr>
+            </a:lvl1pPr>
+          </a:lstStyle>
+          <a:p>
+            <a:endParaRPr dirty="0" lang="en-AU"/>
+          </a:p>
+        </p:txBody>
+      </p:sp>
+      <p:sp>
+        <p:nvSpPr>
+          <p:cNvPr id="12" name="Footer Placeholder 4">
+            <a:extLst>
+              <a:ext uri="{FF2B5EF4-FFF2-40B4-BE49-F238E27FC236}">
+                <a16:creationId xmlns:a16="http://schemas.microsoft.com/office/drawing/2014/main" id="{3F839BB0-7B6B-E5D8-1C7E-7A9ACEB6EC47}"/>
+              </a:ext>
+            </a:extLst>
+          </p:cNvPr>
+          <p:cNvSpPr>
+            <a:spLocks noGrp="1"/>
+          </p:cNvSpPr>
+          <p:nvPr>
+            <p:ph idx="11" sz="quarter" type="ftr"/>
+          </p:nvPr>
+        </p:nvSpPr>
+        <p:spPr>
+          <a:xfrm>
+            <a:off x="4038600" y="6629400"/>
+            <a:ext cx="4114800" cy="228600"/>
+          </a:xfrm>
+        </p:spPr>
+        <p:txBody>
+          <a:bodyPr/>
+          <a:lstStyle>
+            <a:lvl1pPr>
+              <a:defRPr>
+                <a:solidFill>
+                  <a:schemeClr val="bg1"/>
+                </a:solidFill>
+              </a:defRPr>
+            </a:lvl1pPr>
+          </a:lstStyle>
+          <a:p>
+            <a:endParaRPr dirty="0" lang="en-AU"/>
+          </a:p>
+        </p:txBody>
+      </p:sp>
+      <p:sp>
+        <p:nvSpPr>
+          <p:cNvPr id="13" name="Slide Number Placeholder 5">
+            <a:extLst>
+              <a:ext uri="{FF2B5EF4-FFF2-40B4-BE49-F238E27FC236}">
+                <a16:creationId xmlns:a16="http://schemas.microsoft.com/office/drawing/2014/main" id="{D9D80738-ACDC-3B67-1ED3-1B320F625400}"/>
+              </a:ext>
+            </a:extLst>
+          </p:cNvPr>
+          <p:cNvSpPr>
+            <a:spLocks noGrp="1"/>
+          </p:cNvSpPr>
+          <p:nvPr>
+            <p:ph idx="12" sz="quarter" type="sldNum"/>
+          </p:nvPr>
+        </p:nvSpPr>
+        <p:spPr>
+          <a:xfrm>
+            <a:off x="9448800" y="6629400"/>
+            <a:ext cx="2743200" cy="228600"/>
+          </a:xfrm>
+        </p:spPr>
+        <p:txBody>
+          <a:bodyPr/>
+          <a:lstStyle>
+            <a:lvl1pPr>
+              <a:defRPr>
+                <a:solidFill>
+                  <a:schemeClr val="bg1"/>
+                </a:solidFill>
+              </a:defRPr>
+            </a:lvl1pPr>
+          </a:lstStyle>
+          <a:p>
+            <a:fld id="{D8E684C7-7750-4CD9-985D-E80E6D7E3A96}" type="slidenum">
+              <a:rPr lang="en-AU" smtClean="0"/>
+              <a:pPr/>
+              <a:t>‹#›</a:t>
+            </a:fld>
+            <a:endParaRPr dirty="0" lang="en-AU"/>
           </a:p>
         </p:txBody>
       </p:sp>
@@ -3636,7 +4726,13 @@
       </p:grpSpPr>
       <p:sp>
         <p:nvSpPr>
-          <p:cNvPr id="2" name="Title 1"/>
+          <p:cNvPr id="2" name="Title 1">
+            <a:extLst>
+              <a:ext uri="{FF2B5EF4-FFF2-40B4-BE49-F238E27FC236}">
+                <a16:creationId xmlns:a16="http://schemas.microsoft.com/office/drawing/2014/main" id="{FEB7501B-E29E-9380-EF6F-54697E247B0D}"/>
+              </a:ext>
+            </a:extLst>
+          </p:cNvPr>
           <p:cNvSpPr>
             <a:spLocks noGrp="1"/>
           </p:cNvSpPr>
@@ -3661,7 +4757,13 @@
       </p:sp>
       <p:sp>
         <p:nvSpPr>
-          <p:cNvPr id="3" name="Content Placeholder 2"/>
+          <p:cNvPr id="3" name="Content Placeholder 2">
+            <a:extLst>
+              <a:ext uri="{FF2B5EF4-FFF2-40B4-BE49-F238E27FC236}">
+                <a16:creationId xmlns:a16="http://schemas.microsoft.com/office/drawing/2014/main" id="{3CBDE32D-4DB1-B264-D689-AEF82481FA8C}"/>
+              </a:ext>
+            </a:extLst>
+          </p:cNvPr>
           <p:cNvSpPr>
             <a:spLocks noGrp="1"/>
           </p:cNvSpPr>
@@ -3681,6 +4783,125 @@
               <a:rPr/>
               <a:t>This Quarto extension allows you to create your slides using a theme that follows AAGI typography and colour styles and provides the official AAGI logo and cover image for the title slide.</a:t>
             </a:r>
+          </a:p>
+        </p:txBody>
+      </p:sp>
+      <p:sp>
+        <p:nvSpPr>
+          <p:cNvPr id="11" name="Date Placeholder 3">
+            <a:extLst>
+              <a:ext uri="{FF2B5EF4-FFF2-40B4-BE49-F238E27FC236}">
+                <a16:creationId xmlns:a16="http://schemas.microsoft.com/office/drawing/2014/main" id="{2282C182-213E-857B-91CD-C9E61BC5B253}"/>
+              </a:ext>
+            </a:extLst>
+          </p:cNvPr>
+          <p:cNvSpPr>
+            <a:spLocks noGrp="1"/>
+          </p:cNvSpPr>
+          <p:nvPr>
+            <p:ph idx="10" sz="half" type="dt"/>
+          </p:nvPr>
+        </p:nvSpPr>
+        <p:spPr>
+          <a:xfrm>
+            <a:off x="0" y="6629400"/>
+            <a:ext cx="2743200" cy="228600"/>
+          </a:xfrm>
+        </p:spPr>
+        <p:txBody>
+          <a:bodyPr/>
+          <a:lstStyle>
+            <a:lvl1pPr>
+              <a:defRPr>
+                <a:solidFill>
+                  <a:schemeClr val="bg1"/>
+                </a:solidFill>
+              </a:defRPr>
+            </a:lvl1pPr>
+          </a:lstStyle>
+          <a:p>
+            <a:endParaRPr dirty="0" lang="en-AU"/>
+          </a:p>
+        </p:txBody>
+      </p:sp>
+      <p:sp>
+        <p:nvSpPr>
+          <p:cNvPr id="12" name="Footer Placeholder 4">
+            <a:extLst>
+              <a:ext uri="{FF2B5EF4-FFF2-40B4-BE49-F238E27FC236}">
+                <a16:creationId xmlns:a16="http://schemas.microsoft.com/office/drawing/2014/main" id="{3F839BB0-7B6B-E5D8-1C7E-7A9ACEB6EC47}"/>
+              </a:ext>
+            </a:extLst>
+          </p:cNvPr>
+          <p:cNvSpPr>
+            <a:spLocks noGrp="1"/>
+          </p:cNvSpPr>
+          <p:nvPr>
+            <p:ph idx="11" sz="quarter" type="ftr"/>
+          </p:nvPr>
+        </p:nvSpPr>
+        <p:spPr>
+          <a:xfrm>
+            <a:off x="4038600" y="6629400"/>
+            <a:ext cx="4114800" cy="228600"/>
+          </a:xfrm>
+        </p:spPr>
+        <p:txBody>
+          <a:bodyPr/>
+          <a:lstStyle>
+            <a:lvl1pPr>
+              <a:defRPr>
+                <a:solidFill>
+                  <a:schemeClr val="bg1"/>
+                </a:solidFill>
+              </a:defRPr>
+            </a:lvl1pPr>
+          </a:lstStyle>
+          <a:p>
+            <a:endParaRPr dirty="0" lang="en-AU"/>
+          </a:p>
+        </p:txBody>
+      </p:sp>
+      <p:sp>
+        <p:nvSpPr>
+          <p:cNvPr id="13" name="Slide Number Placeholder 5">
+            <a:extLst>
+              <a:ext uri="{FF2B5EF4-FFF2-40B4-BE49-F238E27FC236}">
+                <a16:creationId xmlns:a16="http://schemas.microsoft.com/office/drawing/2014/main" id="{D9D80738-ACDC-3B67-1ED3-1B320F625400}"/>
+              </a:ext>
+            </a:extLst>
+          </p:cNvPr>
+          <p:cNvSpPr>
+            <a:spLocks noGrp="1"/>
+          </p:cNvSpPr>
+          <p:nvPr>
+            <p:ph idx="12" sz="quarter" type="sldNum"/>
+          </p:nvPr>
+        </p:nvSpPr>
+        <p:spPr>
+          <a:xfrm>
+            <a:off x="9448800" y="6629400"/>
+            <a:ext cx="2743200" cy="228600"/>
+          </a:xfrm>
+        </p:spPr>
+        <p:txBody>
+          <a:bodyPr/>
+          <a:lstStyle>
+            <a:lvl1pPr>
+              <a:defRPr>
+                <a:solidFill>
+                  <a:schemeClr val="bg1"/>
+                </a:solidFill>
+              </a:defRPr>
+            </a:lvl1pPr>
+          </a:lstStyle>
+          <a:p>
+            <a:fld id="{D8E684C7-7750-4CD9-985D-E80E6D7E3A96}" type="slidenum">
+              <a:rPr lang="en-AU" smtClean="0"/>
+              <a:pPr/>
+              <a:t>‹#›</a:t>
+            </a:fld>
+            <a:endParaRPr dirty="0" lang="en-AU"/>
           </a:p>
         </p:txBody>
       </p:sp>
@@ -3708,7 +4929,13 @@
       </p:grpSpPr>
       <p:sp>
         <p:nvSpPr>
-          <p:cNvPr id="2" name="Title 1"/>
+          <p:cNvPr id="2" name="Title 1">
+            <a:extLst>
+              <a:ext uri="{FF2B5EF4-FFF2-40B4-BE49-F238E27FC236}">
+                <a16:creationId xmlns:a16="http://schemas.microsoft.com/office/drawing/2014/main" id="{FEB7501B-E29E-9380-EF6F-54697E247B0D}"/>
+              </a:ext>
+            </a:extLst>
+          </p:cNvPr>
           <p:cNvSpPr>
             <a:spLocks noGrp="1"/>
           </p:cNvSpPr>
@@ -3733,7 +4960,13 @@
       </p:sp>
       <p:sp>
         <p:nvSpPr>
-          <p:cNvPr id="3" name="Content Placeholder 2"/>
+          <p:cNvPr id="3" name="Content Placeholder 2">
+            <a:extLst>
+              <a:ext uri="{FF2B5EF4-FFF2-40B4-BE49-F238E27FC236}">
+                <a16:creationId xmlns:a16="http://schemas.microsoft.com/office/drawing/2014/main" id="{3CBDE32D-4DB1-B264-D689-AEF82481FA8C}"/>
+              </a:ext>
+            </a:extLst>
+          </p:cNvPr>
           <p:cNvSpPr>
             <a:spLocks noGrp="1"/>
           </p:cNvSpPr>
@@ -3758,6 +4991,125 @@
               <a:rPr/>
               <a:t>Point 2</a:t>
             </a:r>
+          </a:p>
+        </p:txBody>
+      </p:sp>
+      <p:sp>
+        <p:nvSpPr>
+          <p:cNvPr id="11" name="Date Placeholder 3">
+            <a:extLst>
+              <a:ext uri="{FF2B5EF4-FFF2-40B4-BE49-F238E27FC236}">
+                <a16:creationId xmlns:a16="http://schemas.microsoft.com/office/drawing/2014/main" id="{2282C182-213E-857B-91CD-C9E61BC5B253}"/>
+              </a:ext>
+            </a:extLst>
+          </p:cNvPr>
+          <p:cNvSpPr>
+            <a:spLocks noGrp="1"/>
+          </p:cNvSpPr>
+          <p:nvPr>
+            <p:ph idx="10" sz="half" type="dt"/>
+          </p:nvPr>
+        </p:nvSpPr>
+        <p:spPr>
+          <a:xfrm>
+            <a:off x="0" y="6629400"/>
+            <a:ext cx="2743200" cy="228600"/>
+          </a:xfrm>
+        </p:spPr>
+        <p:txBody>
+          <a:bodyPr/>
+          <a:lstStyle>
+            <a:lvl1pPr>
+              <a:defRPr>
+                <a:solidFill>
+                  <a:schemeClr val="bg1"/>
+                </a:solidFill>
+              </a:defRPr>
+            </a:lvl1pPr>
+          </a:lstStyle>
+          <a:p>
+            <a:endParaRPr dirty="0" lang="en-AU"/>
+          </a:p>
+        </p:txBody>
+      </p:sp>
+      <p:sp>
+        <p:nvSpPr>
+          <p:cNvPr id="12" name="Footer Placeholder 4">
+            <a:extLst>
+              <a:ext uri="{FF2B5EF4-FFF2-40B4-BE49-F238E27FC236}">
+                <a16:creationId xmlns:a16="http://schemas.microsoft.com/office/drawing/2014/main" id="{3F839BB0-7B6B-E5D8-1C7E-7A9ACEB6EC47}"/>
+              </a:ext>
+            </a:extLst>
+          </p:cNvPr>
+          <p:cNvSpPr>
+            <a:spLocks noGrp="1"/>
+          </p:cNvSpPr>
+          <p:nvPr>
+            <p:ph idx="11" sz="quarter" type="ftr"/>
+          </p:nvPr>
+        </p:nvSpPr>
+        <p:spPr>
+          <a:xfrm>
+            <a:off x="4038600" y="6629400"/>
+            <a:ext cx="4114800" cy="228600"/>
+          </a:xfrm>
+        </p:spPr>
+        <p:txBody>
+          <a:bodyPr/>
+          <a:lstStyle>
+            <a:lvl1pPr>
+              <a:defRPr>
+                <a:solidFill>
+                  <a:schemeClr val="bg1"/>
+                </a:solidFill>
+              </a:defRPr>
+            </a:lvl1pPr>
+          </a:lstStyle>
+          <a:p>
+            <a:endParaRPr dirty="0" lang="en-AU"/>
+          </a:p>
+        </p:txBody>
+      </p:sp>
+      <p:sp>
+        <p:nvSpPr>
+          <p:cNvPr id="13" name="Slide Number Placeholder 5">
+            <a:extLst>
+              <a:ext uri="{FF2B5EF4-FFF2-40B4-BE49-F238E27FC236}">
+                <a16:creationId xmlns:a16="http://schemas.microsoft.com/office/drawing/2014/main" id="{D9D80738-ACDC-3B67-1ED3-1B320F625400}"/>
+              </a:ext>
+            </a:extLst>
+          </p:cNvPr>
+          <p:cNvSpPr>
+            <a:spLocks noGrp="1"/>
+          </p:cNvSpPr>
+          <p:nvPr>
+            <p:ph idx="12" sz="quarter" type="sldNum"/>
+          </p:nvPr>
+        </p:nvSpPr>
+        <p:spPr>
+          <a:xfrm>
+            <a:off x="9448800" y="6629400"/>
+            <a:ext cx="2743200" cy="228600"/>
+          </a:xfrm>
+        </p:spPr>
+        <p:txBody>
+          <a:bodyPr/>
+          <a:lstStyle>
+            <a:lvl1pPr>
+              <a:defRPr>
+                <a:solidFill>
+                  <a:schemeClr val="bg1"/>
+                </a:solidFill>
+              </a:defRPr>
+            </a:lvl1pPr>
+          </a:lstStyle>
+          <a:p>
+            <a:fld id="{D8E684C7-7750-4CD9-985D-E80E6D7E3A96}" type="slidenum">
+              <a:rPr lang="en-AU" smtClean="0"/>
+              <a:pPr/>
+              <a:t>‹#›</a:t>
+            </a:fld>
+            <a:endParaRPr dirty="0" lang="en-AU"/>
           </a:p>
         </p:txBody>
       </p:sp>
@@ -3916,7 +5268,13 @@
       </p:grpSpPr>
       <p:sp>
         <p:nvSpPr>
-          <p:cNvPr id="2" name="Title 1"/>
+          <p:cNvPr id="2" name="Title 1">
+            <a:extLst>
+              <a:ext uri="{FF2B5EF4-FFF2-40B4-BE49-F238E27FC236}">
+                <a16:creationId xmlns:a16="http://schemas.microsoft.com/office/drawing/2014/main" id="{FEB7501B-E29E-9380-EF6F-54697E247B0D}"/>
+              </a:ext>
+            </a:extLst>
+          </p:cNvPr>
           <p:cNvSpPr>
             <a:spLocks noGrp="1"/>
           </p:cNvSpPr>
@@ -3941,7 +5299,13 @@
       </p:sp>
       <p:sp>
         <p:nvSpPr>
-          <p:cNvPr id="3" name="Content Placeholder 2"/>
+          <p:cNvPr id="3" name="Content Placeholder 2">
+            <a:extLst>
+              <a:ext uri="{FF2B5EF4-FFF2-40B4-BE49-F238E27FC236}">
+                <a16:creationId xmlns:a16="http://schemas.microsoft.com/office/drawing/2014/main" id="{3CBDE32D-4DB1-B264-D689-AEF82481FA8C}"/>
+              </a:ext>
+            </a:extLst>
+          </p:cNvPr>
           <p:cNvSpPr>
             <a:spLocks noGrp="1"/>
           </p:cNvSpPr>
@@ -3984,6 +5348,125 @@
           </a:p>
         </p:txBody>
       </p:sp>
+      <p:sp>
+        <p:nvSpPr>
+          <p:cNvPr id="11" name="Date Placeholder 3">
+            <a:extLst>
+              <a:ext uri="{FF2B5EF4-FFF2-40B4-BE49-F238E27FC236}">
+                <a16:creationId xmlns:a16="http://schemas.microsoft.com/office/drawing/2014/main" id="{2282C182-213E-857B-91CD-C9E61BC5B253}"/>
+              </a:ext>
+            </a:extLst>
+          </p:cNvPr>
+          <p:cNvSpPr>
+            <a:spLocks noGrp="1"/>
+          </p:cNvSpPr>
+          <p:nvPr>
+            <p:ph idx="10" sz="half" type="dt"/>
+          </p:nvPr>
+        </p:nvSpPr>
+        <p:spPr>
+          <a:xfrm>
+            <a:off x="0" y="6629400"/>
+            <a:ext cx="2743200" cy="228600"/>
+          </a:xfrm>
+        </p:spPr>
+        <p:txBody>
+          <a:bodyPr/>
+          <a:lstStyle>
+            <a:lvl1pPr>
+              <a:defRPr>
+                <a:solidFill>
+                  <a:schemeClr val="bg1"/>
+                </a:solidFill>
+              </a:defRPr>
+            </a:lvl1pPr>
+          </a:lstStyle>
+          <a:p>
+            <a:endParaRPr dirty="0" lang="en-AU"/>
+          </a:p>
+        </p:txBody>
+      </p:sp>
+      <p:sp>
+        <p:nvSpPr>
+          <p:cNvPr id="12" name="Footer Placeholder 4">
+            <a:extLst>
+              <a:ext uri="{FF2B5EF4-FFF2-40B4-BE49-F238E27FC236}">
+                <a16:creationId xmlns:a16="http://schemas.microsoft.com/office/drawing/2014/main" id="{3F839BB0-7B6B-E5D8-1C7E-7A9ACEB6EC47}"/>
+              </a:ext>
+            </a:extLst>
+          </p:cNvPr>
+          <p:cNvSpPr>
+            <a:spLocks noGrp="1"/>
+          </p:cNvSpPr>
+          <p:nvPr>
+            <p:ph idx="11" sz="quarter" type="ftr"/>
+          </p:nvPr>
+        </p:nvSpPr>
+        <p:spPr>
+          <a:xfrm>
+            <a:off x="4038600" y="6629400"/>
+            <a:ext cx="4114800" cy="228600"/>
+          </a:xfrm>
+        </p:spPr>
+        <p:txBody>
+          <a:bodyPr/>
+          <a:lstStyle>
+            <a:lvl1pPr>
+              <a:defRPr>
+                <a:solidFill>
+                  <a:schemeClr val="bg1"/>
+                </a:solidFill>
+              </a:defRPr>
+            </a:lvl1pPr>
+          </a:lstStyle>
+          <a:p>
+            <a:endParaRPr dirty="0" lang="en-AU"/>
+          </a:p>
+        </p:txBody>
+      </p:sp>
+      <p:sp>
+        <p:nvSpPr>
+          <p:cNvPr id="13" name="Slide Number Placeholder 5">
+            <a:extLst>
+              <a:ext uri="{FF2B5EF4-FFF2-40B4-BE49-F238E27FC236}">
+                <a16:creationId xmlns:a16="http://schemas.microsoft.com/office/drawing/2014/main" id="{D9D80738-ACDC-3B67-1ED3-1B320F625400}"/>
+              </a:ext>
+            </a:extLst>
+          </p:cNvPr>
+          <p:cNvSpPr>
+            <a:spLocks noGrp="1"/>
+          </p:cNvSpPr>
+          <p:nvPr>
+            <p:ph idx="12" sz="quarter" type="sldNum"/>
+          </p:nvPr>
+        </p:nvSpPr>
+        <p:spPr>
+          <a:xfrm>
+            <a:off x="9448800" y="6629400"/>
+            <a:ext cx="2743200" cy="228600"/>
+          </a:xfrm>
+        </p:spPr>
+        <p:txBody>
+          <a:bodyPr/>
+          <a:lstStyle>
+            <a:lvl1pPr>
+              <a:defRPr>
+                <a:solidFill>
+                  <a:schemeClr val="bg1"/>
+                </a:solidFill>
+              </a:defRPr>
+            </a:lvl1pPr>
+          </a:lstStyle>
+          <a:p>
+            <a:fld id="{D8E684C7-7750-4CD9-985D-E80E6D7E3A96}" type="slidenum">
+              <a:rPr lang="en-AU" smtClean="0"/>
+              <a:pPr/>
+              <a:t>‹#›</a:t>
+            </a:fld>
+            <a:endParaRPr dirty="0" lang="en-AU"/>
+          </a:p>
+        </p:txBody>
+      </p:sp>
     </p:spTree>
   </p:cSld>
 </p:sld>
@@ -4008,7 +5491,13 @@
       </p:grpSpPr>
       <p:sp>
         <p:nvSpPr>
-          <p:cNvPr id="2" name="Title 1"/>
+          <p:cNvPr id="2" name="Title 1">
+            <a:extLst>
+              <a:ext uri="{FF2B5EF4-FFF2-40B4-BE49-F238E27FC236}">
+                <a16:creationId xmlns:a16="http://schemas.microsoft.com/office/drawing/2014/main" id="{FEB7501B-E29E-9380-EF6F-54697E247B0D}"/>
+              </a:ext>
+            </a:extLst>
+          </p:cNvPr>
           <p:cNvSpPr>
             <a:spLocks noGrp="1"/>
           </p:cNvSpPr>
@@ -4033,7 +5522,7 @@
       </p:sp>
       <p:graphicFrame xmlns:a="http://schemas.openxmlformats.org/drawingml/2006/main" xmlns:r="http://schemas.openxmlformats.org/officeDocument/2006/relationships" xmlns:p="http://schemas.openxmlformats.org/presentationml/2006/main">
         <p:nvGraphicFramePr>
-          <p:cNvPr id="936010375" name=""/>
+          <p:cNvPr id="897560796" name=""/>
           <p:cNvGraphicFramePr>
             <a:graphicFrameLocks noGrp="true"/>
           </p:cNvGraphicFramePr>
@@ -4075,7 +5564,7 @@
                         <a:buNone/>
                       </a:pPr>
                       <a:r>
-                        <a:rPr cap="none" sz="1100" i="0" b="1" u="none">
+                        <a:rPr cap="none" sz="1100" i="0" b="1" u="none" strike="noStrike">
                           <a:solidFill>
                             <a:srgbClr val="FFFFFF">
                               <a:alpha val="100000"/>
@@ -4148,7 +5637,7 @@
                         <a:buNone/>
                       </a:pPr>
                       <a:r>
-                        <a:rPr cap="none" sz="1100" i="0" b="1" u="none">
+                        <a:rPr cap="none" sz="1100" i="0" b="1" u="none" strike="noStrike">
                           <a:solidFill>
                             <a:srgbClr val="FFFFFF">
                               <a:alpha val="100000"/>
@@ -4221,7 +5710,7 @@
                         <a:buNone/>
                       </a:pPr>
                       <a:r>
-                        <a:rPr cap="none" sz="1100" i="0" b="1" u="none">
+                        <a:rPr cap="none" sz="1100" i="0" b="1" u="none" strike="noStrike">
                           <a:solidFill>
                             <a:srgbClr val="FFFFFF">
                               <a:alpha val="100000"/>
@@ -4294,7 +5783,7 @@
                         <a:buNone/>
                       </a:pPr>
                       <a:r>
-                        <a:rPr cap="none" sz="1100" i="0" b="1" u="none">
+                        <a:rPr cap="none" sz="1100" i="0" b="1" u="none" strike="noStrike">
                           <a:solidFill>
                             <a:srgbClr val="FFFFFF">
                               <a:alpha val="100000"/>
@@ -4367,7 +5856,7 @@
                         <a:buNone/>
                       </a:pPr>
                       <a:r>
-                        <a:rPr cap="none" sz="1100" i="0" b="1" u="none">
+                        <a:rPr cap="none" sz="1100" i="0" b="1" u="none" strike="noStrike">
                           <a:solidFill>
                             <a:srgbClr val="FFFFFF">
                               <a:alpha val="100000"/>
@@ -4440,7 +5929,7 @@
                         <a:buNone/>
                       </a:pPr>
                       <a:r>
-                        <a:rPr cap="none" sz="1100" i="0" b="1" u="none">
+                        <a:rPr cap="none" sz="1100" i="0" b="1" u="none" strike="noStrike">
                           <a:solidFill>
                             <a:srgbClr val="FFFFFF">
                               <a:alpha val="100000"/>
@@ -4513,7 +6002,7 @@
                         <a:buNone/>
                       </a:pPr>
                       <a:r>
-                        <a:rPr cap="none" sz="1100" i="0" b="1" u="none">
+                        <a:rPr cap="none" sz="1100" i="0" b="1" u="none" strike="noStrike">
                           <a:solidFill>
                             <a:srgbClr val="FFFFFF">
                               <a:alpha val="100000"/>
@@ -4588,7 +6077,7 @@
                         <a:buNone/>
                       </a:pPr>
                       <a:r>
-                        <a:rPr cap="none" sz="1100" i="0" b="0" u="none">
+                        <a:rPr cap="none" sz="1100" i="0" b="0" u="none" strike="noStrike">
                           <a:solidFill>
                             <a:srgbClr val="414042">
                               <a:alpha val="100000"/>
@@ -4661,7 +6150,7 @@
                         <a:buNone/>
                       </a:pPr>
                       <a:r>
-                        <a:rPr cap="none" sz="1100" i="0" b="0" u="none">
+                        <a:rPr cap="none" sz="1100" i="0" b="0" u="none" strike="noStrike">
                           <a:solidFill>
                             <a:srgbClr val="414042">
                               <a:alpha val="100000"/>
@@ -4734,7 +6223,7 @@
                         <a:buNone/>
                       </a:pPr>
                       <a:r>
-                        <a:rPr cap="none" sz="1100" i="0" b="0" u="none">
+                        <a:rPr cap="none" sz="1100" i="0" b="0" u="none" strike="noStrike">
                           <a:solidFill>
                             <a:srgbClr val="414042">
                               <a:alpha val="100000"/>
@@ -4807,7 +6296,7 @@
                         <a:buNone/>
                       </a:pPr>
                       <a:r>
-                        <a:rPr cap="none" sz="1100" i="0" b="0" u="none">
+                        <a:rPr cap="none" sz="1100" i="0" b="0" u="none" strike="noStrike">
                           <a:solidFill>
                             <a:srgbClr val="414042">
                               <a:alpha val="100000"/>
@@ -4880,7 +6369,7 @@
                         <a:buNone/>
                       </a:pPr>
                       <a:r>
-                        <a:rPr cap="none" sz="1100" i="0" b="0" u="none">
+                        <a:rPr cap="none" sz="1100" i="0" b="0" u="none" strike="noStrike">
                           <a:solidFill>
                             <a:srgbClr val="414042">
                               <a:alpha val="100000"/>
@@ -4953,7 +6442,7 @@
                         <a:buNone/>
                       </a:pPr>
                       <a:r>
-                        <a:rPr cap="none" sz="1100" i="0" b="0" u="none">
+                        <a:rPr cap="none" sz="1100" i="0" b="0" u="none" strike="noStrike">
                           <a:solidFill>
                             <a:srgbClr val="414042">
                               <a:alpha val="100000"/>
@@ -5026,7 +6515,7 @@
                         <a:buNone/>
                       </a:pPr>
                       <a:r>
-                        <a:rPr cap="none" sz="1100" i="0" b="0" u="none">
+                        <a:rPr cap="none" sz="1100" i="0" b="0" u="none" strike="noStrike">
                           <a:solidFill>
                             <a:srgbClr val="414042">
                               <a:alpha val="100000"/>
@@ -5101,7 +6590,7 @@
                         <a:buNone/>
                       </a:pPr>
                       <a:r>
-                        <a:rPr cap="none" sz="1100" i="0" b="0" u="none">
+                        <a:rPr cap="none" sz="1100" i="0" b="0" u="none" strike="noStrike">
                           <a:solidFill>
                             <a:srgbClr val="414042">
                               <a:alpha val="100000"/>
@@ -5174,7 +6663,7 @@
                         <a:buNone/>
                       </a:pPr>
                       <a:r>
-                        <a:rPr cap="none" sz="1100" i="0" b="0" u="none">
+                        <a:rPr cap="none" sz="1100" i="0" b="0" u="none" strike="noStrike">
                           <a:solidFill>
                             <a:srgbClr val="414042">
                               <a:alpha val="100000"/>
@@ -5247,7 +6736,7 @@
                         <a:buNone/>
                       </a:pPr>
                       <a:r>
-                        <a:rPr cap="none" sz="1100" i="0" b="0" u="none">
+                        <a:rPr cap="none" sz="1100" i="0" b="0" u="none" strike="noStrike">
                           <a:solidFill>
                             <a:srgbClr val="414042">
                               <a:alpha val="100000"/>
@@ -5320,7 +6809,7 @@
                         <a:buNone/>
                       </a:pPr>
                       <a:r>
-                        <a:rPr cap="none" sz="1100" i="0" b="0" u="none">
+                        <a:rPr cap="none" sz="1100" i="0" b="0" u="none" strike="noStrike">
                           <a:solidFill>
                             <a:srgbClr val="414042">
                               <a:alpha val="100000"/>
@@ -5393,7 +6882,7 @@
                         <a:buNone/>
                       </a:pPr>
                       <a:r>
-                        <a:rPr cap="none" sz="1100" i="0" b="0" u="none">
+                        <a:rPr cap="none" sz="1100" i="0" b="0" u="none" strike="noStrike">
                           <a:solidFill>
                             <a:srgbClr val="414042">
                               <a:alpha val="100000"/>
@@ -5466,7 +6955,7 @@
                         <a:buNone/>
                       </a:pPr>
                       <a:r>
-                        <a:rPr cap="none" sz="1100" i="0" b="0" u="none">
+                        <a:rPr cap="none" sz="1100" i="0" b="0" u="none" strike="noStrike">
                           <a:solidFill>
                             <a:srgbClr val="414042">
                               <a:alpha val="100000"/>
@@ -5539,7 +7028,7 @@
                         <a:buNone/>
                       </a:pPr>
                       <a:r>
-                        <a:rPr cap="none" sz="1100" i="0" b="0" u="none">
+                        <a:rPr cap="none" sz="1100" i="0" b="0" u="none" strike="noStrike">
                           <a:solidFill>
                             <a:srgbClr val="414042">
                               <a:alpha val="100000"/>
@@ -5614,7 +7103,7 @@
                         <a:buNone/>
                       </a:pPr>
                       <a:r>
-                        <a:rPr cap="none" sz="1100" i="0" b="0" u="none">
+                        <a:rPr cap="none" sz="1100" i="0" b="0" u="none" strike="noStrike">
                           <a:solidFill>
                             <a:srgbClr val="414042">
                               <a:alpha val="100000"/>
@@ -5687,7 +7176,7 @@
                         <a:buNone/>
                       </a:pPr>
                       <a:r>
-                        <a:rPr cap="none" sz="1100" i="0" b="0" u="none">
+                        <a:rPr cap="none" sz="1100" i="0" b="0" u="none" strike="noStrike">
                           <a:solidFill>
                             <a:srgbClr val="414042">
                               <a:alpha val="100000"/>
@@ -5760,7 +7249,7 @@
                         <a:buNone/>
                       </a:pPr>
                       <a:r>
-                        <a:rPr cap="none" sz="1100" i="0" b="0" u="none">
+                        <a:rPr cap="none" sz="1100" i="0" b="0" u="none" strike="noStrike">
                           <a:solidFill>
                             <a:srgbClr val="414042">
                               <a:alpha val="100000"/>
@@ -5833,7 +7322,7 @@
                         <a:buNone/>
                       </a:pPr>
                       <a:r>
-                        <a:rPr cap="none" sz="1100" i="0" b="0" u="none">
+                        <a:rPr cap="none" sz="1100" i="0" b="0" u="none" strike="noStrike">
                           <a:solidFill>
                             <a:srgbClr val="414042">
                               <a:alpha val="100000"/>
@@ -5906,7 +7395,7 @@
                         <a:buNone/>
                       </a:pPr>
                       <a:r>
-                        <a:rPr cap="none" sz="1100" i="0" b="0" u="none">
+                        <a:rPr cap="none" sz="1100" i="0" b="0" u="none" strike="noStrike">
                           <a:solidFill>
                             <a:srgbClr val="414042">
                               <a:alpha val="100000"/>
@@ -5979,7 +7468,7 @@
                         <a:buNone/>
                       </a:pPr>
                       <a:r>
-                        <a:rPr cap="none" sz="1100" i="0" b="0" u="none">
+                        <a:rPr cap="none" sz="1100" i="0" b="0" u="none" strike="noStrike">
                           <a:solidFill>
                             <a:srgbClr val="414042">
                               <a:alpha val="100000"/>
@@ -6052,7 +7541,7 @@
                         <a:buNone/>
                       </a:pPr>
                       <a:r>
-                        <a:rPr cap="none" sz="1100" i="0" b="0" u="none">
+                        <a:rPr cap="none" sz="1100" i="0" b="0" u="none" strike="noStrike">
                           <a:solidFill>
                             <a:srgbClr val="414042">
                               <a:alpha val="100000"/>
@@ -6127,7 +7616,7 @@
                         <a:buNone/>
                       </a:pPr>
                       <a:r>
-                        <a:rPr cap="none" sz="1100" i="0" b="0" u="none">
+                        <a:rPr cap="none" sz="1100" i="0" b="0" u="none" strike="noStrike">
                           <a:solidFill>
                             <a:srgbClr val="414042">
                               <a:alpha val="100000"/>
@@ -6200,7 +7689,7 @@
                         <a:buNone/>
                       </a:pPr>
                       <a:r>
-                        <a:rPr cap="none" sz="1100" i="0" b="0" u="none">
+                        <a:rPr cap="none" sz="1100" i="0" b="0" u="none" strike="noStrike">
                           <a:solidFill>
                             <a:srgbClr val="414042">
                               <a:alpha val="100000"/>
@@ -6273,7 +7762,7 @@
                         <a:buNone/>
                       </a:pPr>
                       <a:r>
-                        <a:rPr cap="none" sz="1100" i="0" b="0" u="none">
+                        <a:rPr cap="none" sz="1100" i="0" b="0" u="none" strike="noStrike">
                           <a:solidFill>
                             <a:srgbClr val="414042">
                               <a:alpha val="100000"/>
@@ -6346,7 +7835,7 @@
                         <a:buNone/>
                       </a:pPr>
                       <a:r>
-                        <a:rPr cap="none" sz="1100" i="0" b="0" u="none">
+                        <a:rPr cap="none" sz="1100" i="0" b="0" u="none" strike="noStrike">
                           <a:solidFill>
                             <a:srgbClr val="414042">
                               <a:alpha val="100000"/>
@@ -6419,7 +7908,7 @@
                         <a:buNone/>
                       </a:pPr>
                       <a:r>
-                        <a:rPr cap="none" sz="1100" i="0" b="0" u="none">
+                        <a:rPr cap="none" sz="1100" i="0" b="0" u="none" strike="noStrike">
                           <a:solidFill>
                             <a:srgbClr val="414042">
                               <a:alpha val="100000"/>
@@ -6492,7 +7981,7 @@
                         <a:buNone/>
                       </a:pPr>
                       <a:r>
-                        <a:rPr cap="none" sz="1100" i="0" b="0" u="none">
+                        <a:rPr cap="none" sz="1100" i="0" b="0" u="none" strike="noStrike">
                           <a:solidFill>
                             <a:srgbClr val="414042">
                               <a:alpha val="100000"/>
@@ -6565,7 +8054,7 @@
                         <a:buNone/>
                       </a:pPr>
                       <a:r>
-                        <a:rPr cap="none" sz="1100" i="0" b="0" u="none">
+                        <a:rPr cap="none" sz="1100" i="0" b="0" u="none" strike="noStrike">
                           <a:solidFill>
                             <a:srgbClr val="414042">
                               <a:alpha val="100000"/>
@@ -6639,7 +8128,7 @@
                         </a:spcAft>
                         <a:buNone/>
                       </a:pPr>
-                      <a:endParaRPr cap="none" sz="1100" i="0" b="0" u="none">
+                      <a:endParaRPr cap="none" sz="1100" i="0" b="0" u="none" strike="noStrike">
                         <a:solidFill>
                           <a:srgbClr val="414042">
                             <a:alpha val="100000"/>
@@ -6651,7 +8140,7 @@
                         <a:sym typeface="DejaVu Sans"/>
                       </a:endParaRPr>
                       <a:r>
-                        <a:rPr cap="none" sz="1100" i="0" b="0" u="none">
+                        <a:rPr cap="none" sz="1100" i="0" b="0" u="none" strike="noStrike">
                           <a:solidFill>
                             <a:srgbClr val="414042">
                               <a:alpha val="100000"/>
@@ -6723,7 +8212,7 @@
                         </a:spcAft>
                         <a:buNone/>
                       </a:pPr>
-                      <a:endParaRPr cap="none" sz="1100" i="0" b="0" u="none">
+                      <a:endParaRPr cap="none" sz="1100" i="0" b="0" u="none" strike="noStrike">
                         <a:solidFill>
                           <a:srgbClr val="414042">
                             <a:alpha val="100000"/>
@@ -6735,7 +8224,7 @@
                         <a:sym typeface="DejaVu Sans"/>
                       </a:endParaRPr>
                       <a:r>
-                        <a:rPr cap="none" sz="1100" i="0" b="0" u="none">
+                        <a:rPr cap="none" sz="1100" i="0" b="0" u="none" strike="noStrike">
                           <a:solidFill>
                             <a:srgbClr val="414042">
                               <a:alpha val="100000"/>
@@ -6808,7 +8297,7 @@
                         <a:buNone/>
                       </a:pPr>
                       <a:r>
-                        <a:rPr cap="none" sz="1100" i="0" b="0" u="none">
+                        <a:rPr cap="none" sz="1100" i="0" b="0" u="none" strike="noStrike">
                           <a:solidFill>
                             <a:srgbClr val="414042">
                               <a:alpha val="100000"/>
@@ -6881,7 +8370,7 @@
                         <a:buNone/>
                       </a:pPr>
                       <a:r>
-                        <a:rPr cap="none" sz="1100" i="0" b="0" u="none">
+                        <a:rPr cap="none" sz="1100" i="0" b="0" u="none" strike="noStrike">
                           <a:solidFill>
                             <a:srgbClr val="414042">
                               <a:alpha val="100000"/>
@@ -6954,7 +8443,7 @@
                         <a:buNone/>
                       </a:pPr>
                       <a:r>
-                        <a:rPr cap="none" sz="1100" i="0" b="0" u="none">
+                        <a:rPr cap="none" sz="1100" i="0" b="0" u="none" strike="noStrike">
                           <a:solidFill>
                             <a:srgbClr val="414042">
                               <a:alpha val="100000"/>
@@ -7027,7 +8516,7 @@
                         <a:buNone/>
                       </a:pPr>
                       <a:r>
-                        <a:rPr cap="none" sz="1100" i="0" b="0" u="none">
+                        <a:rPr cap="none" sz="1100" i="0" b="0" u="none" strike="noStrike">
                           <a:solidFill>
                             <a:srgbClr val="414042">
                               <a:alpha val="100000"/>
@@ -7100,7 +8589,7 @@
                         <a:buNone/>
                       </a:pPr>
                       <a:r>
-                        <a:rPr cap="none" sz="1100" i="0" b="0" u="none">
+                        <a:rPr cap="none" sz="1100" i="0" b="0" u="none" strike="noStrike">
                           <a:solidFill>
                             <a:srgbClr val="414042">
                               <a:alpha val="100000"/>
@@ -7175,7 +8664,7 @@
                         <a:buNone/>
                       </a:pPr>
                       <a:r>
-                        <a:rPr cap="none" sz="1100" i="0" b="0" u="none">
+                        <a:rPr cap="none" sz="1100" i="0" b="0" u="none" strike="noStrike">
                           <a:solidFill>
                             <a:srgbClr val="414042">
                               <a:alpha val="100000"/>
@@ -7247,7 +8736,7 @@
                         </a:spcAft>
                         <a:buNone/>
                       </a:pPr>
-                      <a:endParaRPr cap="none" sz="1100" i="0" b="0" u="none">
+                      <a:endParaRPr cap="none" sz="1100" i="0" b="0" u="none" strike="noStrike">
                         <a:solidFill>
                           <a:srgbClr val="414042">
                             <a:alpha val="100000"/>
@@ -7259,7 +8748,7 @@
                         <a:sym typeface="DejaVu Sans"/>
                       </a:endParaRPr>
                       <a:r>
-                        <a:rPr cap="none" sz="1100" i="0" b="0" u="none">
+                        <a:rPr cap="none" sz="1100" i="0" b="0" u="none" strike="noStrike">
                           <a:solidFill>
                             <a:srgbClr val="414042">
                               <a:alpha val="100000"/>
@@ -7332,7 +8821,7 @@
                         <a:buNone/>
                       </a:pPr>
                       <a:r>
-                        <a:rPr cap="none" sz="1100" i="0" b="0" u="none">
+                        <a:rPr cap="none" sz="1100" i="0" b="0" u="none" strike="noStrike">
                           <a:solidFill>
                             <a:srgbClr val="414042">
                               <a:alpha val="100000"/>
@@ -7405,7 +8894,7 @@
                         <a:buNone/>
                       </a:pPr>
                       <a:r>
-                        <a:rPr cap="none" sz="1100" i="0" b="0" u="none">
+                        <a:rPr cap="none" sz="1100" i="0" b="0" u="none" strike="noStrike">
                           <a:solidFill>
                             <a:srgbClr val="414042">
                               <a:alpha val="100000"/>
@@ -7478,7 +8967,7 @@
                         <a:buNone/>
                       </a:pPr>
                       <a:r>
-                        <a:rPr cap="none" sz="1100" i="0" b="0" u="none">
+                        <a:rPr cap="none" sz="1100" i="0" b="0" u="none" strike="noStrike">
                           <a:solidFill>
                             <a:srgbClr val="414042">
                               <a:alpha val="100000"/>
@@ -7551,7 +9040,7 @@
                         <a:buNone/>
                       </a:pPr>
                       <a:r>
-                        <a:rPr cap="none" sz="1100" i="0" b="0" u="none">
+                        <a:rPr cap="none" sz="1100" i="0" b="0" u="none" strike="noStrike">
                           <a:solidFill>
                             <a:srgbClr val="414042">
                               <a:alpha val="100000"/>
@@ -7624,7 +9113,7 @@
                         <a:buNone/>
                       </a:pPr>
                       <a:r>
-                        <a:rPr cap="none" sz="1100" i="0" b="0" u="none">
+                        <a:rPr cap="none" sz="1100" i="0" b="0" u="none" strike="noStrike">
                           <a:solidFill>
                             <a:srgbClr val="414042">
                               <a:alpha val="100000"/>
@@ -7684,6 +9173,125 @@
           </a:graphicData>
         </a:graphic>
       </p:graphicFrame>
+      <p:sp>
+        <p:nvSpPr>
+          <p:cNvPr id="11" name="Date Placeholder 3">
+            <a:extLst>
+              <a:ext uri="{FF2B5EF4-FFF2-40B4-BE49-F238E27FC236}">
+                <a16:creationId xmlns:a16="http://schemas.microsoft.com/office/drawing/2014/main" id="{2282C182-213E-857B-91CD-C9E61BC5B253}"/>
+              </a:ext>
+            </a:extLst>
+          </p:cNvPr>
+          <p:cNvSpPr>
+            <a:spLocks noGrp="1"/>
+          </p:cNvSpPr>
+          <p:nvPr>
+            <p:ph idx="10" sz="half" type="dt"/>
+          </p:nvPr>
+        </p:nvSpPr>
+        <p:spPr>
+          <a:xfrm>
+            <a:off x="0" y="6629400"/>
+            <a:ext cx="2743200" cy="228600"/>
+          </a:xfrm>
+        </p:spPr>
+        <p:txBody>
+          <a:bodyPr/>
+          <a:lstStyle>
+            <a:lvl1pPr>
+              <a:defRPr>
+                <a:solidFill>
+                  <a:schemeClr val="bg1"/>
+                </a:solidFill>
+              </a:defRPr>
+            </a:lvl1pPr>
+          </a:lstStyle>
+          <a:p>
+            <a:endParaRPr dirty="0" lang="en-AU"/>
+          </a:p>
+        </p:txBody>
+      </p:sp>
+      <p:sp>
+        <p:nvSpPr>
+          <p:cNvPr id="12" name="Footer Placeholder 4">
+            <a:extLst>
+              <a:ext uri="{FF2B5EF4-FFF2-40B4-BE49-F238E27FC236}">
+                <a16:creationId xmlns:a16="http://schemas.microsoft.com/office/drawing/2014/main" id="{3F839BB0-7B6B-E5D8-1C7E-7A9ACEB6EC47}"/>
+              </a:ext>
+            </a:extLst>
+          </p:cNvPr>
+          <p:cNvSpPr>
+            <a:spLocks noGrp="1"/>
+          </p:cNvSpPr>
+          <p:nvPr>
+            <p:ph idx="11" sz="quarter" type="ftr"/>
+          </p:nvPr>
+        </p:nvSpPr>
+        <p:spPr>
+          <a:xfrm>
+            <a:off x="4038600" y="6629400"/>
+            <a:ext cx="4114800" cy="228600"/>
+          </a:xfrm>
+        </p:spPr>
+        <p:txBody>
+          <a:bodyPr/>
+          <a:lstStyle>
+            <a:lvl1pPr>
+              <a:defRPr>
+                <a:solidFill>
+                  <a:schemeClr val="bg1"/>
+                </a:solidFill>
+              </a:defRPr>
+            </a:lvl1pPr>
+          </a:lstStyle>
+          <a:p>
+            <a:endParaRPr dirty="0" lang="en-AU"/>
+          </a:p>
+        </p:txBody>
+      </p:sp>
+      <p:sp>
+        <p:nvSpPr>
+          <p:cNvPr id="13" name="Slide Number Placeholder 5">
+            <a:extLst>
+              <a:ext uri="{FF2B5EF4-FFF2-40B4-BE49-F238E27FC236}">
+                <a16:creationId xmlns:a16="http://schemas.microsoft.com/office/drawing/2014/main" id="{D9D80738-ACDC-3B67-1ED3-1B320F625400}"/>
+              </a:ext>
+            </a:extLst>
+          </p:cNvPr>
+          <p:cNvSpPr>
+            <a:spLocks noGrp="1"/>
+          </p:cNvSpPr>
+          <p:nvPr>
+            <p:ph idx="12" sz="quarter" type="sldNum"/>
+          </p:nvPr>
+        </p:nvSpPr>
+        <p:spPr>
+          <a:xfrm>
+            <a:off x="9448800" y="6629400"/>
+            <a:ext cx="2743200" cy="228600"/>
+          </a:xfrm>
+        </p:spPr>
+        <p:txBody>
+          <a:bodyPr/>
+          <a:lstStyle>
+            <a:lvl1pPr>
+              <a:defRPr>
+                <a:solidFill>
+                  <a:schemeClr val="bg1"/>
+                </a:solidFill>
+              </a:defRPr>
+            </a:lvl1pPr>
+          </a:lstStyle>
+          <a:p>
+            <a:fld id="{D8E684C7-7750-4CD9-985D-E80E6D7E3A96}" type="slidenum">
+              <a:rPr lang="en-AU" smtClean="0"/>
+              <a:pPr/>
+              <a:t>‹#›</a:t>
+            </a:fld>
+            <a:endParaRPr dirty="0" lang="en-AU"/>
+          </a:p>
+        </p:txBody>
+      </p:sp>
     </p:spTree>
   </p:cSld>
 </p:sld>
@@ -7708,7 +9316,13 @@
       </p:grpSpPr>
       <p:sp>
         <p:nvSpPr>
-          <p:cNvPr id="2" name="Title 1"/>
+          <p:cNvPr id="2" name="Title 1">
+            <a:extLst>
+              <a:ext uri="{FF2B5EF4-FFF2-40B4-BE49-F238E27FC236}">
+                <a16:creationId xmlns:a16="http://schemas.microsoft.com/office/drawing/2014/main" id="{9C413029-C271-5AE7-0D1F-287E7C844BD3}"/>
+              </a:ext>
+            </a:extLst>
+          </p:cNvPr>
           <p:cNvSpPr>
             <a:spLocks noGrp="1"/>
           </p:cNvSpPr>
@@ -7718,8 +9332,8 @@
         </p:nvSpPr>
         <p:spPr>
           <a:xfrm>
-            <a:off x="457201" y="204787"/>
-            <a:ext cx="3008313" cy="871538"/>
+            <a:off x="106362" y="327805"/>
+            <a:ext cx="3932237" cy="1155640"/>
           </a:xfrm>
         </p:spPr>
         <p:txBody>
@@ -7738,7 +9352,13 @@
       </p:sp>
       <p:sp>
         <p:nvSpPr>
-          <p:cNvPr id="4" name="Text Placeholder 3"/>
+          <p:cNvPr id="4" name="Text Placeholder 3">
+            <a:extLst>
+              <a:ext uri="{FF2B5EF4-FFF2-40B4-BE49-F238E27FC236}">
+                <a16:creationId xmlns:a16="http://schemas.microsoft.com/office/drawing/2014/main" id="{BCAB13E2-558B-73CD-7C43-3E1E9009581D}"/>
+              </a:ext>
+            </a:extLst>
+          </p:cNvPr>
           <p:cNvSpPr>
             <a:spLocks noGrp="1"/>
           </p:cNvSpPr>
@@ -7783,8 +9403,8 @@
         </p:blipFill>
         <p:spPr bwMode="auto">
           <a:xfrm>
-            <a:off x="3568700" y="1117600"/>
-            <a:ext cx="5105400" cy="2552700"/>
+            <a:off x="4140200" y="1892300"/>
+            <a:ext cx="7937500" cy="3962400"/>
           </a:xfrm>
           <a:prstGeom prst="rect">
             <a:avLst/>
@@ -7797,6 +9417,125 @@
           </a:ln>
         </p:spPr>
       </p:pic>
+      <p:sp>
+        <p:nvSpPr>
+          <p:cNvPr id="10" name="Date Placeholder 3">
+            <a:extLst>
+              <a:ext uri="{FF2B5EF4-FFF2-40B4-BE49-F238E27FC236}">
+                <a16:creationId xmlns:a16="http://schemas.microsoft.com/office/drawing/2014/main" id="{DB1ACC7A-07B3-6AD6-5E37-BC8E83FDD804}"/>
+              </a:ext>
+            </a:extLst>
+          </p:cNvPr>
+          <p:cNvSpPr>
+            <a:spLocks noGrp="1"/>
+          </p:cNvSpPr>
+          <p:nvPr>
+            <p:ph idx="10" sz="half" type="dt"/>
+          </p:nvPr>
+        </p:nvSpPr>
+        <p:spPr>
+          <a:xfrm>
+            <a:off x="0" y="6629400"/>
+            <a:ext cx="2743200" cy="228600"/>
+          </a:xfrm>
+        </p:spPr>
+        <p:txBody>
+          <a:bodyPr/>
+          <a:lstStyle>
+            <a:lvl1pPr>
+              <a:defRPr>
+                <a:solidFill>
+                  <a:schemeClr val="bg1"/>
+                </a:solidFill>
+              </a:defRPr>
+            </a:lvl1pPr>
+          </a:lstStyle>
+          <a:p>
+            <a:endParaRPr dirty="0" lang="en-AU"/>
+          </a:p>
+        </p:txBody>
+      </p:sp>
+      <p:sp>
+        <p:nvSpPr>
+          <p:cNvPr id="11" name="Footer Placeholder 4">
+            <a:extLst>
+              <a:ext uri="{FF2B5EF4-FFF2-40B4-BE49-F238E27FC236}">
+                <a16:creationId xmlns:a16="http://schemas.microsoft.com/office/drawing/2014/main" id="{F4D392CE-18BA-0471-C88E-4B58D94E910E}"/>
+              </a:ext>
+            </a:extLst>
+          </p:cNvPr>
+          <p:cNvSpPr>
+            <a:spLocks noGrp="1"/>
+          </p:cNvSpPr>
+          <p:nvPr>
+            <p:ph idx="11" sz="quarter" type="ftr"/>
+          </p:nvPr>
+        </p:nvSpPr>
+        <p:spPr>
+          <a:xfrm>
+            <a:off x="4038600" y="6629400"/>
+            <a:ext cx="4114800" cy="228600"/>
+          </a:xfrm>
+        </p:spPr>
+        <p:txBody>
+          <a:bodyPr/>
+          <a:lstStyle>
+            <a:lvl1pPr>
+              <a:defRPr>
+                <a:solidFill>
+                  <a:schemeClr val="bg1"/>
+                </a:solidFill>
+              </a:defRPr>
+            </a:lvl1pPr>
+          </a:lstStyle>
+          <a:p>
+            <a:endParaRPr dirty="0" lang="en-AU"/>
+          </a:p>
+        </p:txBody>
+      </p:sp>
+      <p:sp>
+        <p:nvSpPr>
+          <p:cNvPr id="12" name="Slide Number Placeholder 5">
+            <a:extLst>
+              <a:ext uri="{FF2B5EF4-FFF2-40B4-BE49-F238E27FC236}">
+                <a16:creationId xmlns:a16="http://schemas.microsoft.com/office/drawing/2014/main" id="{F93E06BB-0E85-3A0C-3DE7-8EE1637120F4}"/>
+              </a:ext>
+            </a:extLst>
+          </p:cNvPr>
+          <p:cNvSpPr>
+            <a:spLocks noGrp="1"/>
+          </p:cNvSpPr>
+          <p:nvPr>
+            <p:ph idx="12" sz="quarter" type="sldNum"/>
+          </p:nvPr>
+        </p:nvSpPr>
+        <p:spPr>
+          <a:xfrm>
+            <a:off x="9448800" y="6629400"/>
+            <a:ext cx="2743200" cy="228600"/>
+          </a:xfrm>
+        </p:spPr>
+        <p:txBody>
+          <a:bodyPr/>
+          <a:lstStyle>
+            <a:lvl1pPr>
+              <a:defRPr>
+                <a:solidFill>
+                  <a:schemeClr val="bg1"/>
+                </a:solidFill>
+              </a:defRPr>
+            </a:lvl1pPr>
+          </a:lstStyle>
+          <a:p>
+            <a:fld id="{D8E684C7-7750-4CD9-985D-E80E6D7E3A96}" type="slidenum">
+              <a:rPr lang="en-AU" smtClean="0"/>
+              <a:pPr/>
+              <a:t>‹#›</a:t>
+            </a:fld>
+            <a:endParaRPr dirty="0" lang="en-AU"/>
+          </a:p>
+        </p:txBody>
+      </p:sp>
     </p:spTree>
   </p:cSld>
 </p:sld>
@@ -7821,7 +9560,13 @@
       </p:grpSpPr>
       <p:sp>
         <p:nvSpPr>
-          <p:cNvPr id="2" name="Title 1"/>
+          <p:cNvPr id="2" name="Title 1">
+            <a:extLst>
+              <a:ext uri="{FF2B5EF4-FFF2-40B4-BE49-F238E27FC236}">
+                <a16:creationId xmlns:a16="http://schemas.microsoft.com/office/drawing/2014/main" id="{9C413029-C271-5AE7-0D1F-287E7C844BD3}"/>
+              </a:ext>
+            </a:extLst>
+          </p:cNvPr>
           <p:cNvSpPr>
             <a:spLocks noGrp="1"/>
           </p:cNvSpPr>
@@ -7831,8 +9576,8 @@
         </p:nvSpPr>
         <p:spPr>
           <a:xfrm>
-            <a:off x="457201" y="204787"/>
-            <a:ext cx="3008313" cy="871538"/>
+            <a:off x="106362" y="327805"/>
+            <a:ext cx="3932237" cy="1155640"/>
           </a:xfrm>
         </p:spPr>
         <p:txBody>
@@ -7851,7 +9596,13 @@
       </p:sp>
       <p:sp>
         <p:nvSpPr>
-          <p:cNvPr id="4" name="Text Placeholder 3"/>
+          <p:cNvPr id="4" name="Text Placeholder 3">
+            <a:extLst>
+              <a:ext uri="{FF2B5EF4-FFF2-40B4-BE49-F238E27FC236}">
+                <a16:creationId xmlns:a16="http://schemas.microsoft.com/office/drawing/2014/main" id="{BCAB13E2-558B-73CD-7C43-3E1E9009581D}"/>
+              </a:ext>
+            </a:extLst>
+          </p:cNvPr>
           <p:cNvSpPr>
             <a:spLocks noGrp="1"/>
           </p:cNvSpPr>
@@ -7906,8 +9657,8 @@
         </p:blipFill>
         <p:spPr bwMode="auto">
           <a:xfrm>
-            <a:off x="3568700" y="1117600"/>
-            <a:ext cx="5105400" cy="2552700"/>
+            <a:off x="4140200" y="1892300"/>
+            <a:ext cx="7937500" cy="3962400"/>
           </a:xfrm>
           <a:prstGeom prst="rect">
             <a:avLst/>
@@ -7920,6 +9671,125 @@
           </a:ln>
         </p:spPr>
       </p:pic>
+      <p:sp>
+        <p:nvSpPr>
+          <p:cNvPr id="10" name="Date Placeholder 3">
+            <a:extLst>
+              <a:ext uri="{FF2B5EF4-FFF2-40B4-BE49-F238E27FC236}">
+                <a16:creationId xmlns:a16="http://schemas.microsoft.com/office/drawing/2014/main" id="{DB1ACC7A-07B3-6AD6-5E37-BC8E83FDD804}"/>
+              </a:ext>
+            </a:extLst>
+          </p:cNvPr>
+          <p:cNvSpPr>
+            <a:spLocks noGrp="1"/>
+          </p:cNvSpPr>
+          <p:nvPr>
+            <p:ph idx="10" sz="half" type="dt"/>
+          </p:nvPr>
+        </p:nvSpPr>
+        <p:spPr>
+          <a:xfrm>
+            <a:off x="0" y="6629400"/>
+            <a:ext cx="2743200" cy="228600"/>
+          </a:xfrm>
+        </p:spPr>
+        <p:txBody>
+          <a:bodyPr/>
+          <a:lstStyle>
+            <a:lvl1pPr>
+              <a:defRPr>
+                <a:solidFill>
+                  <a:schemeClr val="bg1"/>
+                </a:solidFill>
+              </a:defRPr>
+            </a:lvl1pPr>
+          </a:lstStyle>
+          <a:p>
+            <a:endParaRPr dirty="0" lang="en-AU"/>
+          </a:p>
+        </p:txBody>
+      </p:sp>
+      <p:sp>
+        <p:nvSpPr>
+          <p:cNvPr id="11" name="Footer Placeholder 4">
+            <a:extLst>
+              <a:ext uri="{FF2B5EF4-FFF2-40B4-BE49-F238E27FC236}">
+                <a16:creationId xmlns:a16="http://schemas.microsoft.com/office/drawing/2014/main" id="{F4D392CE-18BA-0471-C88E-4B58D94E910E}"/>
+              </a:ext>
+            </a:extLst>
+          </p:cNvPr>
+          <p:cNvSpPr>
+            <a:spLocks noGrp="1"/>
+          </p:cNvSpPr>
+          <p:nvPr>
+            <p:ph idx="11" sz="quarter" type="ftr"/>
+          </p:nvPr>
+        </p:nvSpPr>
+        <p:spPr>
+          <a:xfrm>
+            <a:off x="4038600" y="6629400"/>
+            <a:ext cx="4114800" cy="228600"/>
+          </a:xfrm>
+        </p:spPr>
+        <p:txBody>
+          <a:bodyPr/>
+          <a:lstStyle>
+            <a:lvl1pPr>
+              <a:defRPr>
+                <a:solidFill>
+                  <a:schemeClr val="bg1"/>
+                </a:solidFill>
+              </a:defRPr>
+            </a:lvl1pPr>
+          </a:lstStyle>
+          <a:p>
+            <a:endParaRPr dirty="0" lang="en-AU"/>
+          </a:p>
+        </p:txBody>
+      </p:sp>
+      <p:sp>
+        <p:nvSpPr>
+          <p:cNvPr id="12" name="Slide Number Placeholder 5">
+            <a:extLst>
+              <a:ext uri="{FF2B5EF4-FFF2-40B4-BE49-F238E27FC236}">
+                <a16:creationId xmlns:a16="http://schemas.microsoft.com/office/drawing/2014/main" id="{F93E06BB-0E85-3A0C-3DE7-8EE1637120F4}"/>
+              </a:ext>
+            </a:extLst>
+          </p:cNvPr>
+          <p:cNvSpPr>
+            <a:spLocks noGrp="1"/>
+          </p:cNvSpPr>
+          <p:nvPr>
+            <p:ph idx="12" sz="quarter" type="sldNum"/>
+          </p:nvPr>
+        </p:nvSpPr>
+        <p:spPr>
+          <a:xfrm>
+            <a:off x="9448800" y="6629400"/>
+            <a:ext cx="2743200" cy="228600"/>
+          </a:xfrm>
+        </p:spPr>
+        <p:txBody>
+          <a:bodyPr/>
+          <a:lstStyle>
+            <a:lvl1pPr>
+              <a:defRPr>
+                <a:solidFill>
+                  <a:schemeClr val="bg1"/>
+                </a:solidFill>
+              </a:defRPr>
+            </a:lvl1pPr>
+          </a:lstStyle>
+          <a:p>
+            <a:fld id="{D8E684C7-7750-4CD9-985D-E80E6D7E3A96}" type="slidenum">
+              <a:rPr lang="en-AU" smtClean="0"/>
+              <a:pPr/>
+              <a:t>‹#›</a:t>
+            </a:fld>
+            <a:endParaRPr dirty="0" lang="en-AU"/>
+          </a:p>
+        </p:txBody>
+      </p:sp>
     </p:spTree>
   </p:cSld>
 </p:sld>
@@ -7944,7 +9814,13 @@
       </p:grpSpPr>
       <p:sp>
         <p:nvSpPr>
-          <p:cNvPr id="2" name="Title 1"/>
+          <p:cNvPr id="2" name="Title 1">
+            <a:extLst>
+              <a:ext uri="{FF2B5EF4-FFF2-40B4-BE49-F238E27FC236}">
+                <a16:creationId xmlns:a16="http://schemas.microsoft.com/office/drawing/2014/main" id="{EC0876AE-06E6-AC69-E8C6-8F887ABD771B}"/>
+              </a:ext>
+            </a:extLst>
+          </p:cNvPr>
           <p:cNvSpPr>
             <a:spLocks noGrp="1"/>
           </p:cNvSpPr>
@@ -7969,7 +9845,13 @@
       </p:sp>
       <p:sp>
         <p:nvSpPr>
-          <p:cNvPr id="3" name="Content Placeholder 2"/>
+          <p:cNvPr id="3" name="Content Placeholder 2">
+            <a:extLst>
+              <a:ext uri="{FF2B5EF4-FFF2-40B4-BE49-F238E27FC236}">
+                <a16:creationId xmlns:a16="http://schemas.microsoft.com/office/drawing/2014/main" id="{16303A8B-C1D7-77DB-1CD5-8945DE1AFD3D}"/>
+              </a:ext>
+            </a:extLst>
+          </p:cNvPr>
           <p:cNvSpPr>
             <a:spLocks noGrp="1"/>
           </p:cNvSpPr>
@@ -7994,7 +9876,13 @@
       </p:sp>
       <p:sp>
         <p:nvSpPr>
-          <p:cNvPr id="4" name="Content Placeholder 3"/>
+          <p:cNvPr id="4" name="Content Placeholder 3">
+            <a:extLst>
+              <a:ext uri="{FF2B5EF4-FFF2-40B4-BE49-F238E27FC236}">
+                <a16:creationId xmlns:a16="http://schemas.microsoft.com/office/drawing/2014/main" id="{4B82A3C7-C689-5D87-80B7-75280C0789FF}"/>
+              </a:ext>
+            </a:extLst>
+          </p:cNvPr>
           <p:cNvSpPr>
             <a:spLocks noGrp="1"/>
           </p:cNvSpPr>
@@ -8014,6 +9902,125 @@
               <a:rPr/>
               <a:t>This is a column on the right.</a:t>
             </a:r>
+          </a:p>
+        </p:txBody>
+      </p:sp>
+      <p:sp>
+        <p:nvSpPr>
+          <p:cNvPr id="10" name="Date Placeholder 3">
+            <a:extLst>
+              <a:ext uri="{FF2B5EF4-FFF2-40B4-BE49-F238E27FC236}">
+                <a16:creationId xmlns:a16="http://schemas.microsoft.com/office/drawing/2014/main" id="{2D81AA63-9033-31BC-9C81-78FF676D25BC}"/>
+              </a:ext>
+            </a:extLst>
+          </p:cNvPr>
+          <p:cNvSpPr>
+            <a:spLocks noGrp="1"/>
+          </p:cNvSpPr>
+          <p:nvPr>
+            <p:ph idx="10" sz="half" type="dt"/>
+          </p:nvPr>
+        </p:nvSpPr>
+        <p:spPr>
+          <a:xfrm>
+            <a:off x="0" y="6629400"/>
+            <a:ext cx="2743200" cy="228600"/>
+          </a:xfrm>
+        </p:spPr>
+        <p:txBody>
+          <a:bodyPr/>
+          <a:lstStyle>
+            <a:lvl1pPr>
+              <a:defRPr>
+                <a:solidFill>
+                  <a:schemeClr val="bg1"/>
+                </a:solidFill>
+              </a:defRPr>
+            </a:lvl1pPr>
+          </a:lstStyle>
+          <a:p>
+            <a:endParaRPr dirty="0" lang="en-AU"/>
+          </a:p>
+        </p:txBody>
+      </p:sp>
+      <p:sp>
+        <p:nvSpPr>
+          <p:cNvPr id="11" name="Footer Placeholder 4">
+            <a:extLst>
+              <a:ext uri="{FF2B5EF4-FFF2-40B4-BE49-F238E27FC236}">
+                <a16:creationId xmlns:a16="http://schemas.microsoft.com/office/drawing/2014/main" id="{1E9293D2-CBEA-CEFE-A587-45CE55F56E69}"/>
+              </a:ext>
+            </a:extLst>
+          </p:cNvPr>
+          <p:cNvSpPr>
+            <a:spLocks noGrp="1"/>
+          </p:cNvSpPr>
+          <p:nvPr>
+            <p:ph idx="11" sz="quarter" type="ftr"/>
+          </p:nvPr>
+        </p:nvSpPr>
+        <p:spPr>
+          <a:xfrm>
+            <a:off x="4038600" y="6629400"/>
+            <a:ext cx="4114800" cy="228600"/>
+          </a:xfrm>
+        </p:spPr>
+        <p:txBody>
+          <a:bodyPr/>
+          <a:lstStyle>
+            <a:lvl1pPr>
+              <a:defRPr>
+                <a:solidFill>
+                  <a:schemeClr val="bg1"/>
+                </a:solidFill>
+              </a:defRPr>
+            </a:lvl1pPr>
+          </a:lstStyle>
+          <a:p>
+            <a:endParaRPr dirty="0" lang="en-AU"/>
+          </a:p>
+        </p:txBody>
+      </p:sp>
+      <p:sp>
+        <p:nvSpPr>
+          <p:cNvPr id="12" name="Slide Number Placeholder 5">
+            <a:extLst>
+              <a:ext uri="{FF2B5EF4-FFF2-40B4-BE49-F238E27FC236}">
+                <a16:creationId xmlns:a16="http://schemas.microsoft.com/office/drawing/2014/main" id="{1107C7A2-0AA4-0E4C-2A42-86BC701B550A}"/>
+              </a:ext>
+            </a:extLst>
+          </p:cNvPr>
+          <p:cNvSpPr>
+            <a:spLocks noGrp="1"/>
+          </p:cNvSpPr>
+          <p:nvPr>
+            <p:ph idx="12" sz="quarter" type="sldNum"/>
+          </p:nvPr>
+        </p:nvSpPr>
+        <p:spPr>
+          <a:xfrm>
+            <a:off x="9448800" y="6629400"/>
+            <a:ext cx="2743200" cy="228600"/>
+          </a:xfrm>
+        </p:spPr>
+        <p:txBody>
+          <a:bodyPr/>
+          <a:lstStyle>
+            <a:lvl1pPr>
+              <a:defRPr>
+                <a:solidFill>
+                  <a:schemeClr val="bg1"/>
+                </a:solidFill>
+              </a:defRPr>
+            </a:lvl1pPr>
+          </a:lstStyle>
+          <a:p>
+            <a:fld id="{D8E684C7-7750-4CD9-985D-E80E6D7E3A96}" type="slidenum">
+              <a:rPr lang="en-AU" smtClean="0"/>
+              <a:pPr/>
+              <a:t>‹#›</a:t>
+            </a:fld>
+            <a:endParaRPr dirty="0" lang="en-AU"/>
           </a:p>
         </p:txBody>
       </p:sp>
@@ -8025,7 +10032,7 @@
 <file path=ppt/theme/theme1.xml><?xml version="1.0" encoding="utf-8"?>
 <a:theme xmlns:a="http://schemas.openxmlformats.org/drawingml/2006/main" name="Office Theme">
   <a:themeElements>
-    <a:clrScheme name="Custom 3">
+    <a:clrScheme name="Office">
       <a:dk1>
         <a:sysClr val="windowText" lastClr="000000"/>
       </a:dk1>
@@ -8033,44 +10040,44 @@
         <a:sysClr val="window" lastClr="FFFFFF"/>
       </a:lt1>
       <a:dk2>
-        <a:srgbClr val="1F497D"/>
+        <a:srgbClr val="0E2841"/>
       </a:dk2>
       <a:lt2>
-        <a:srgbClr val="EEECE1"/>
+        <a:srgbClr val="E8E8E8"/>
       </a:lt2>
       <a:accent1>
-        <a:srgbClr val="4F81BD"/>
+        <a:srgbClr val="156082"/>
       </a:accent1>
       <a:accent2>
-        <a:srgbClr val="C0504D"/>
+        <a:srgbClr val="E97132"/>
       </a:accent2>
       <a:accent3>
-        <a:srgbClr val="9BBB59"/>
+        <a:srgbClr val="196B24"/>
       </a:accent3>
       <a:accent4>
-        <a:srgbClr val="8064A2"/>
+        <a:srgbClr val="0F9ED5"/>
       </a:accent4>
       <a:accent5>
-        <a:srgbClr val="4BACC6"/>
+        <a:srgbClr val="A02B93"/>
       </a:accent5>
       <a:accent6>
-        <a:srgbClr val="F79646"/>
+        <a:srgbClr val="4EA72E"/>
       </a:accent6>
       <a:hlink>
-        <a:srgbClr val="00808B"/>
+        <a:srgbClr val="467886"/>
       </a:hlink>
       <a:folHlink>
-        <a:srgbClr val="648FD2"/>
+        <a:srgbClr val="96607D"/>
       </a:folHlink>
     </a:clrScheme>
     <a:fontScheme name="Office">
       <a:majorFont>
-        <a:latin typeface="Calibri"/>
+        <a:latin typeface="Aptos Display" panose="02110004020202020204"/>
         <a:ea typeface=""/>
         <a:cs typeface=""/>
-        <a:font script="Jpan" typeface="ＭＳ Ｐゴシック"/>
+        <a:font script="Jpan" typeface="游ゴシック Light"/>
         <a:font script="Hang" typeface="맑은 고딕"/>
-        <a:font script="Hans" typeface="宋体"/>
+        <a:font script="Hans" typeface="等线 Light"/>
         <a:font script="Hant" typeface="新細明體"/>
         <a:font script="Arab" typeface="Times New Roman"/>
         <a:font script="Hebr" typeface="Times New Roman"/>
@@ -8098,14 +10105,31 @@
         <a:font script="Viet" typeface="Times New Roman"/>
         <a:font script="Uigh" typeface="Microsoft Uighur"/>
         <a:font script="Geor" typeface="Sylfaen"/>
+        <a:font script="Armn" typeface="Arial"/>
+        <a:font script="Bugi" typeface="Leelawadee UI"/>
+        <a:font script="Bopo" typeface="Microsoft JhengHei"/>
+        <a:font script="Java" typeface="Javanese Text"/>
+        <a:font script="Lisu" typeface="Segoe UI"/>
+        <a:font script="Mymr" typeface="Myanmar Text"/>
+        <a:font script="Nkoo" typeface="Ebrima"/>
+        <a:font script="Olck" typeface="Nirmala UI"/>
+        <a:font script="Osma" typeface="Ebrima"/>
+        <a:font script="Phag" typeface="Phagspa"/>
+        <a:font script="Syrn" typeface="Estrangelo Edessa"/>
+        <a:font script="Syrj" typeface="Estrangelo Edessa"/>
+        <a:font script="Syre" typeface="Estrangelo Edessa"/>
+        <a:font script="Sora" typeface="Nirmala UI"/>
+        <a:font script="Tale" typeface="Microsoft Tai Le"/>
+        <a:font script="Talu" typeface="Microsoft New Tai Lue"/>
+        <a:font script="Tfng" typeface="Ebrima"/>
       </a:majorFont>
       <a:minorFont>
-        <a:latin typeface="Calibri"/>
+        <a:latin typeface="Aptos" panose="02110004020202020204"/>
         <a:ea typeface=""/>
         <a:cs typeface=""/>
-        <a:font script="Jpan" typeface="ＭＳ Ｐゴシック"/>
+        <a:font script="Jpan" typeface="游ゴシック"/>
         <a:font script="Hang" typeface="맑은 고딕"/>
-        <a:font script="Hans" typeface="宋体"/>
+        <a:font script="Hans" typeface="等线"/>
         <a:font script="Hant" typeface="新細明體"/>
         <a:font script="Arab" typeface="Arial"/>
         <a:font script="Hebr" typeface="Arial"/>
@@ -8133,326 +10157,23 @@
         <a:font script="Viet" typeface="Arial"/>
         <a:font script="Uigh" typeface="Microsoft Uighur"/>
         <a:font script="Geor" typeface="Sylfaen"/>
-      </a:minorFont>
-    </a:fontScheme>
-    <a:fmtScheme name="Office">
-      <a:fillStyleLst>
-        <a:solidFill>
-          <a:schemeClr val="phClr"/>
-        </a:solidFill>
-        <a:gradFill rotWithShape="1">
-          <a:gsLst>
-            <a:gs pos="0">
-              <a:schemeClr val="phClr">
-                <a:tint val="50000"/>
-                <a:satMod val="300000"/>
-              </a:schemeClr>
-            </a:gs>
-            <a:gs pos="35000">
-              <a:schemeClr val="phClr">
-                <a:tint val="37000"/>
-                <a:satMod val="300000"/>
-              </a:schemeClr>
-            </a:gs>
-            <a:gs pos="100000">
-              <a:schemeClr val="phClr">
-                <a:tint val="15000"/>
-                <a:satMod val="350000"/>
-              </a:schemeClr>
-            </a:gs>
-          </a:gsLst>
-          <a:lin ang="16200000" scaled="1"/>
-        </a:gradFill>
-        <a:gradFill rotWithShape="1">
-          <a:gsLst>
-            <a:gs pos="0">
-              <a:schemeClr val="phClr">
-                <a:tint val="100000"/>
-                <a:shade val="100000"/>
-                <a:satMod val="130000"/>
-              </a:schemeClr>
-            </a:gs>
-            <a:gs pos="100000">
-              <a:schemeClr val="phClr">
-                <a:tint val="50000"/>
-                <a:shade val="100000"/>
-                <a:satMod val="350000"/>
-              </a:schemeClr>
-            </a:gs>
-          </a:gsLst>
-          <a:lin ang="16200000" scaled="0"/>
-        </a:gradFill>
-      </a:fillStyleLst>
-      <a:lnStyleLst>
-        <a:ln w="9525" cap="flat" cmpd="sng" algn="ctr">
-          <a:solidFill>
-            <a:schemeClr val="phClr">
-              <a:shade val="95000"/>
-              <a:satMod val="105000"/>
-            </a:schemeClr>
-          </a:solidFill>
-          <a:prstDash val="solid"/>
-        </a:ln>
-        <a:ln w="25400" cap="flat" cmpd="sng" algn="ctr">
-          <a:solidFill>
-            <a:schemeClr val="phClr"/>
-          </a:solidFill>
-          <a:prstDash val="solid"/>
-        </a:ln>
-        <a:ln w="38100" cap="flat" cmpd="sng" algn="ctr">
-          <a:solidFill>
-            <a:schemeClr val="phClr"/>
-          </a:solidFill>
-          <a:prstDash val="solid"/>
-        </a:ln>
-      </a:lnStyleLst>
-      <a:effectStyleLst>
-        <a:effectStyle>
-          <a:effectLst>
-            <a:outerShdw blurRad="40000" dist="20000" dir="5400000" rotWithShape="0">
-              <a:srgbClr val="000000">
-                <a:alpha val="38000"/>
-              </a:srgbClr>
-            </a:outerShdw>
-          </a:effectLst>
-        </a:effectStyle>
-        <a:effectStyle>
-          <a:effectLst>
-            <a:outerShdw blurRad="40000" dist="23000" dir="5400000" rotWithShape="0">
-              <a:srgbClr val="000000">
-                <a:alpha val="35000"/>
-              </a:srgbClr>
-            </a:outerShdw>
-          </a:effectLst>
-        </a:effectStyle>
-        <a:effectStyle>
-          <a:effectLst>
-            <a:outerShdw blurRad="40000" dist="23000" dir="5400000" rotWithShape="0">
-              <a:srgbClr val="000000">
-                <a:alpha val="35000"/>
-              </a:srgbClr>
-            </a:outerShdw>
-          </a:effectLst>
-          <a:scene3d>
-            <a:camera prst="orthographicFront">
-              <a:rot lat="0" lon="0" rev="0"/>
-            </a:camera>
-            <a:lightRig rig="threePt" dir="t">
-              <a:rot lat="0" lon="0" rev="1200000"/>
-            </a:lightRig>
-          </a:scene3d>
-          <a:sp3d>
-            <a:bevelT w="63500" h="25400"/>
-          </a:sp3d>
-        </a:effectStyle>
-      </a:effectStyleLst>
-      <a:bgFillStyleLst>
-        <a:solidFill>
-          <a:schemeClr val="phClr"/>
-        </a:solidFill>
-        <a:gradFill rotWithShape="1">
-          <a:gsLst>
-            <a:gs pos="0">
-              <a:schemeClr val="phClr">
-                <a:tint val="40000"/>
-                <a:satMod val="350000"/>
-              </a:schemeClr>
-            </a:gs>
-            <a:gs pos="40000">
-              <a:schemeClr val="phClr">
-                <a:tint val="45000"/>
-                <a:shade val="99000"/>
-                <a:satMod val="350000"/>
-              </a:schemeClr>
-            </a:gs>
-            <a:gs pos="100000">
-              <a:schemeClr val="phClr">
-                <a:shade val="20000"/>
-                <a:satMod val="255000"/>
-              </a:schemeClr>
-            </a:gs>
-          </a:gsLst>
-          <a:path path="circle">
-            <a:fillToRect l="50000" t="-80000" r="50000" b="180000"/>
-          </a:path>
-        </a:gradFill>
-        <a:gradFill rotWithShape="1">
-          <a:gsLst>
-            <a:gs pos="0">
-              <a:schemeClr val="phClr">
-                <a:tint val="80000"/>
-                <a:satMod val="300000"/>
-              </a:schemeClr>
-            </a:gs>
-            <a:gs pos="100000">
-              <a:schemeClr val="phClr">
-                <a:shade val="30000"/>
-                <a:satMod val="200000"/>
-              </a:schemeClr>
-            </a:gs>
-          </a:gsLst>
-          <a:path path="circle">
-            <a:fillToRect l="50000" t="50000" r="50000" b="50000"/>
-          </a:path>
-        </a:gradFill>
-      </a:bgFillStyleLst>
-    </a:fmtScheme>
-  </a:themeElements>
-  <a:objectDefaults>
-    <a:spDef>
-      <a:spPr/>
-      <a:bodyPr/>
-      <a:lstStyle/>
-      <a:style>
-        <a:lnRef idx="1">
-          <a:schemeClr val="accent1"/>
-        </a:lnRef>
-        <a:fillRef idx="3">
-          <a:schemeClr val="accent1"/>
-        </a:fillRef>
-        <a:effectRef idx="2">
-          <a:schemeClr val="accent1"/>
-        </a:effectRef>
-        <a:fontRef idx="minor">
-          <a:schemeClr val="lt1"/>
-        </a:fontRef>
-      </a:style>
-    </a:spDef>
-    <a:lnDef>
-      <a:spPr/>
-      <a:bodyPr/>
-      <a:lstStyle/>
-      <a:style>
-        <a:lnRef idx="2">
-          <a:schemeClr val="accent1"/>
-        </a:lnRef>
-        <a:fillRef idx="0">
-          <a:schemeClr val="accent1"/>
-        </a:fillRef>
-        <a:effectRef idx="1">
-          <a:schemeClr val="accent1"/>
-        </a:effectRef>
-        <a:fontRef idx="minor">
-          <a:schemeClr val="tx1"/>
-        </a:fontRef>
-      </a:style>
-    </a:lnDef>
-  </a:objectDefaults>
-  <a:extraClrSchemeLst/>
-</a:theme>
-</file>
-
-<file path=ppt/theme/theme2.xml><?xml version="1.0" encoding="utf-8"?>
-<a:theme xmlns:a="http://schemas.openxmlformats.org/drawingml/2006/main" name="Office Theme">
-  <a:themeElements>
-    <a:clrScheme name="Office">
-      <a:dk1>
-        <a:sysClr val="windowText" lastClr="000000"/>
-      </a:dk1>
-      <a:lt1>
-        <a:sysClr val="window" lastClr="FFFFFF"/>
-      </a:lt1>
-      <a:dk2>
-        <a:srgbClr val="44546A"/>
-      </a:dk2>
-      <a:lt2>
-        <a:srgbClr val="E7E6E6"/>
-      </a:lt2>
-      <a:accent1>
-        <a:srgbClr val="5B9BD5"/>
-      </a:accent1>
-      <a:accent2>
-        <a:srgbClr val="ED7D31"/>
-      </a:accent2>
-      <a:accent3>
-        <a:srgbClr val="A5A5A5"/>
-      </a:accent3>
-      <a:accent4>
-        <a:srgbClr val="FFC000"/>
-      </a:accent4>
-      <a:accent5>
-        <a:srgbClr val="4472C4"/>
-      </a:accent5>
-      <a:accent6>
-        <a:srgbClr val="70AD47"/>
-      </a:accent6>
-      <a:hlink>
-        <a:srgbClr val="0563C1"/>
-      </a:hlink>
-      <a:folHlink>
-        <a:srgbClr val="954F72"/>
-      </a:folHlink>
-    </a:clrScheme>
-    <a:fontScheme name="Office">
-      <a:majorFont>
-        <a:latin typeface="Calibri Light" panose="020F0302020204030204"/>
-        <a:ea typeface=""/>
-        <a:cs typeface=""/>
-        <a:font script="Jpan" typeface="ＭＳ Ｐゴシック"/>
-        <a:font script="Hang" typeface="맑은 고딕"/>
-        <a:font script="Hans" typeface="宋体"/>
-        <a:font script="Hant" typeface="新細明體"/>
-        <a:font script="Arab" typeface="Times New Roman"/>
-        <a:font script="Hebr" typeface="Times New Roman"/>
-        <a:font script="Thai" typeface="Angsana New"/>
-        <a:font script="Ethi" typeface="Nyala"/>
-        <a:font script="Beng" typeface="Vrinda"/>
-        <a:font script="Gujr" typeface="Shruti"/>
-        <a:font script="Khmr" typeface="MoolBoran"/>
-        <a:font script="Knda" typeface="Tunga"/>
-        <a:font script="Guru" typeface="Raavi"/>
-        <a:font script="Cans" typeface="Euphemia"/>
-        <a:font script="Cher" typeface="Plantagenet Cherokee"/>
-        <a:font script="Yiii" typeface="Microsoft Yi Baiti"/>
-        <a:font script="Tibt" typeface="Microsoft Himalaya"/>
-        <a:font script="Thaa" typeface="MV Boli"/>
-        <a:font script="Deva" typeface="Mangal"/>
-        <a:font script="Telu" typeface="Gautami"/>
-        <a:font script="Taml" typeface="Latha"/>
-        <a:font script="Syrc" typeface="Estrangelo Edessa"/>
-        <a:font script="Orya" typeface="Kalinga"/>
-        <a:font script="Mlym" typeface="Kartika"/>
-        <a:font script="Laoo" typeface="DokChampa"/>
-        <a:font script="Sinh" typeface="Iskoola Pota"/>
-        <a:font script="Mong" typeface="Mongolian Baiti"/>
-        <a:font script="Viet" typeface="Times New Roman"/>
-        <a:font script="Uigh" typeface="Microsoft Uighur"/>
-        <a:font script="Geor" typeface="Sylfaen"/>
-      </a:majorFont>
-      <a:minorFont>
-        <a:latin typeface="Calibri" panose="020F0502020204030204"/>
-        <a:ea typeface=""/>
-        <a:cs typeface=""/>
-        <a:font script="Jpan" typeface="ＭＳ Ｐゴシック"/>
-        <a:font script="Hang" typeface="맑은 고딕"/>
-        <a:font script="Hans" typeface="宋体"/>
-        <a:font script="Hant" typeface="新細明體"/>
-        <a:font script="Arab" typeface="Arial"/>
-        <a:font script="Hebr" typeface="Arial"/>
-        <a:font script="Thai" typeface="Cordia New"/>
-        <a:font script="Ethi" typeface="Nyala"/>
-        <a:font script="Beng" typeface="Vrinda"/>
-        <a:font script="Gujr" typeface="Shruti"/>
-        <a:font script="Khmr" typeface="DaunPenh"/>
-        <a:font script="Knda" typeface="Tunga"/>
-        <a:font script="Guru" typeface="Raavi"/>
-        <a:font script="Cans" typeface="Euphemia"/>
-        <a:font script="Cher" typeface="Plantagenet Cherokee"/>
-        <a:font script="Yiii" typeface="Microsoft Yi Baiti"/>
-        <a:font script="Tibt" typeface="Microsoft Himalaya"/>
-        <a:font script="Thaa" typeface="MV Boli"/>
-        <a:font script="Deva" typeface="Mangal"/>
-        <a:font script="Telu" typeface="Gautami"/>
-        <a:font script="Taml" typeface="Latha"/>
-        <a:font script="Syrc" typeface="Estrangelo Edessa"/>
-        <a:font script="Orya" typeface="Kalinga"/>
-        <a:font script="Mlym" typeface="Kartika"/>
-        <a:font script="Laoo" typeface="DokChampa"/>
-        <a:font script="Sinh" typeface="Iskoola Pota"/>
-        <a:font script="Mong" typeface="Mongolian Baiti"/>
-        <a:font script="Viet" typeface="Arial"/>
-        <a:font script="Uigh" typeface="Microsoft Uighur"/>
-        <a:font script="Geor" typeface="Sylfaen"/>
+        <a:font script="Armn" typeface="Arial"/>
+        <a:font script="Bugi" typeface="Leelawadee UI"/>
+        <a:font script="Bopo" typeface="Microsoft JhengHei"/>
+        <a:font script="Java" typeface="Javanese Text"/>
+        <a:font script="Lisu" typeface="Segoe UI"/>
+        <a:font script="Mymr" typeface="Myanmar Text"/>
+        <a:font script="Nkoo" typeface="Ebrima"/>
+        <a:font script="Olck" typeface="Nirmala UI"/>
+        <a:font script="Osma" typeface="Ebrima"/>
+        <a:font script="Phag" typeface="Phagspa"/>
+        <a:font script="Syrn" typeface="Estrangelo Edessa"/>
+        <a:font script="Syrj" typeface="Estrangelo Edessa"/>
+        <a:font script="Syre" typeface="Estrangelo Edessa"/>
+        <a:font script="Sora" typeface="Nirmala UI"/>
+        <a:font script="Tale" typeface="Microsoft Tai Le"/>
+        <a:font script="Talu" typeface="Microsoft New Tai Lue"/>
+        <a:font script="Tfng" typeface="Ebrima"/>
       </a:minorFont>
     </a:fontScheme>
     <a:fmtScheme name="Office">
@@ -8514,13 +10235,6 @@
         </a:gradFill>
       </a:fillStyleLst>
       <a:lnStyleLst>
-        <a:ln w="6350" cap="flat" cmpd="sng" algn="ctr">
-          <a:solidFill>
-            <a:schemeClr val="phClr"/>
-          </a:solidFill>
-          <a:prstDash val="solid"/>
-          <a:miter lim="800000"/>
-        </a:ln>
         <a:ln w="12700" cap="flat" cmpd="sng" algn="ctr">
           <a:solidFill>
             <a:schemeClr val="phClr"/>
@@ -8529,6 +10243,13 @@
           <a:miter lim="800000"/>
         </a:ln>
         <a:ln w="19050" cap="flat" cmpd="sng" algn="ctr">
+          <a:solidFill>
+            <a:schemeClr val="phClr"/>
+          </a:solidFill>
+          <a:prstDash val="solid"/>
+          <a:miter lim="800000"/>
+        </a:ln>
+        <a:ln w="25400" cap="flat" cmpd="sng" algn="ctr">
           <a:solidFill>
             <a:schemeClr val="phClr"/>
           </a:solidFill>
@@ -8593,17 +10314,37 @@
       </a:bgFillStyleLst>
     </a:fmtScheme>
   </a:themeElements>
-  <a:objectDefaults/>
+  <a:objectDefaults>
+    <a:lnDef>
+      <a:spPr/>
+      <a:bodyPr/>
+      <a:lstStyle/>
+      <a:style>
+        <a:lnRef idx="2">
+          <a:schemeClr val="accent1"/>
+        </a:lnRef>
+        <a:fillRef idx="0">
+          <a:schemeClr val="accent1"/>
+        </a:fillRef>
+        <a:effectRef idx="1">
+          <a:schemeClr val="accent1"/>
+        </a:effectRef>
+        <a:fontRef idx="minor">
+          <a:schemeClr val="tx1"/>
+        </a:fontRef>
+      </a:style>
+    </a:lnDef>
+  </a:objectDefaults>
   <a:extraClrSchemeLst/>
   <a:extLst>
     <a:ext uri="{05A4C25C-085E-4340-85A3-A5531E510DB2}">
-      <thm15:themeFamily xmlns:thm15="http://schemas.microsoft.com/office/thememl/2012/main" name="Office Theme" id="{62F939B6-93AF-4DB8-9C6B-D6C7DFDC589F}" vid="{4A3C46E8-61CC-4603-A589-7422A47A8E4A}"/>
+      <thm15:themeFamily xmlns:thm15="http://schemas.microsoft.com/office/thememl/2012/main" name="AAGI PowerPoint Presentation.pptx" id="{34E8D71D-A5E0-4205-8C93-C58018B5A656}" vid="{227E19EB-6FA9-47F1-90AF-DD258A8B8F2B}"/>
     </a:ext>
   </a:extLst>
 </a:theme>
 </file>
 
-<file path=ppt/theme/theme3.xml><?xml version="1.0" encoding="utf-8"?>
+<file path=ppt/theme/theme2.xml><?xml version="1.0" encoding="utf-8"?>
 <a:theme xmlns:a="http://schemas.openxmlformats.org/drawingml/2006/main" name="Office Theme">
   <a:themeElements>
     <a:clrScheme name="Office">

--- a/demos/template-pptx.pptx
+++ b/demos/template-pptx.pptx
@@ -5522,7 +5522,7 @@
       </p:sp>
       <p:graphicFrame xmlns:a="http://schemas.openxmlformats.org/drawingml/2006/main" xmlns:r="http://schemas.openxmlformats.org/officeDocument/2006/relationships" xmlns:p="http://schemas.openxmlformats.org/presentationml/2006/main">
         <p:nvGraphicFramePr>
-          <p:cNvPr id="897560796" name=""/>
+          <p:cNvPr id="102856707" name=""/>
           <p:cNvGraphicFramePr>
             <a:graphicFrameLocks noGrp="true"/>
           </p:cNvGraphicFramePr>

--- a/demos/template-pptx.pptx
+++ b/demos/template-pptx.pptx
@@ -3963,7 +3963,7 @@
           <a:p>
             <a:fld id="{241EB5C9-1307-BA42-ABA2-0BC069CD8E7F}" type="datetimeFigureOut">
               <a:rPr lang="en-US" smtClean="0"/>
-              <a:t>2025-11-19</a:t>
+              <a:t>2025-11-26</a:t>
             </a:fld>
             <a:endParaRPr lang="en-US"/>
           </a:p>
@@ -5522,7 +5522,7 @@
       </p:sp>
       <p:graphicFrame xmlns:a="http://schemas.openxmlformats.org/drawingml/2006/main" xmlns:r="http://schemas.openxmlformats.org/officeDocument/2006/relationships" xmlns:p="http://schemas.openxmlformats.org/presentationml/2006/main">
         <p:nvGraphicFramePr>
-          <p:cNvPr id="102856707" name=""/>
+          <p:cNvPr id="418239956" name=""/>
           <p:cNvGraphicFramePr>
             <a:graphicFrameLocks noGrp="true"/>
           </p:cNvGraphicFramePr>

--- a/demos/template-pptx.pptx
+++ b/demos/template-pptx.pptx
@@ -5522,7 +5522,7 @@
       </p:sp>
       <p:graphicFrame xmlns:a="http://schemas.openxmlformats.org/drawingml/2006/main" xmlns:r="http://schemas.openxmlformats.org/officeDocument/2006/relationships" xmlns:p="http://schemas.openxmlformats.org/presentationml/2006/main">
         <p:nvGraphicFramePr>
-          <p:cNvPr id="418239956" name=""/>
+          <p:cNvPr id="308168387" name=""/>
           <p:cNvGraphicFramePr>
             <a:graphicFrameLocks noGrp="true"/>
           </p:cNvGraphicFramePr>

--- a/demos/template-pptx.pptx
+++ b/demos/template-pptx.pptx
@@ -5522,7 +5522,7 @@
       </p:sp>
       <p:graphicFrame xmlns:a="http://schemas.openxmlformats.org/drawingml/2006/main" xmlns:r="http://schemas.openxmlformats.org/officeDocument/2006/relationships" xmlns:p="http://schemas.openxmlformats.org/presentationml/2006/main">
         <p:nvGraphicFramePr>
-          <p:cNvPr id="308168387" name=""/>
+          <p:cNvPr id="327103567" name=""/>
           <p:cNvGraphicFramePr>
             <a:graphicFrameLocks noGrp="true"/>
           </p:cNvGraphicFramePr>

--- a/demos/template-pptx.pptx
+++ b/demos/template-pptx.pptx
@@ -5522,7 +5522,7 @@
       </p:sp>
       <p:graphicFrame xmlns:a="http://schemas.openxmlformats.org/drawingml/2006/main" xmlns:r="http://schemas.openxmlformats.org/officeDocument/2006/relationships" xmlns:p="http://schemas.openxmlformats.org/presentationml/2006/main">
         <p:nvGraphicFramePr>
-          <p:cNvPr id="327103567" name=""/>
+          <p:cNvPr id="600946397" name=""/>
           <p:cNvGraphicFramePr>
             <a:graphicFrameLocks noGrp="true"/>
           </p:cNvGraphicFramePr>

--- a/demos/template-pptx.pptx
+++ b/demos/template-pptx.pptx
@@ -3963,7 +3963,7 @@
           <a:p>
             <a:fld id="{241EB5C9-1307-BA42-ABA2-0BC069CD8E7F}" type="datetimeFigureOut">
               <a:rPr lang="en-US" smtClean="0"/>
-              <a:t>2025-11-26</a:t>
+              <a:t>2026-01-13</a:t>
             </a:fld>
             <a:endParaRPr lang="en-US"/>
           </a:p>
@@ -5522,7 +5522,7 @@
       </p:sp>
       <p:graphicFrame xmlns:a="http://schemas.openxmlformats.org/drawingml/2006/main" xmlns:r="http://schemas.openxmlformats.org/officeDocument/2006/relationships" xmlns:p="http://schemas.openxmlformats.org/presentationml/2006/main">
         <p:nvGraphicFramePr>
-          <p:cNvPr id="600946397" name=""/>
+          <p:cNvPr id="295851161" name=""/>
           <p:cNvGraphicFramePr>
             <a:graphicFrameLocks noGrp="true"/>
           </p:cNvGraphicFramePr>
